--- a/Java SE 8 Teaching Material/Chapter 12 + 13 - Working with Math, Random and String classes/Chapter 12 + 13 - Working with Math, Random and String classes.pptx
+++ b/Java SE 8 Teaching Material/Chapter 12 + 13 - Working with Math, Random and String classes/Chapter 12 + 13 - Working with Math, Random and String classes.pptx
@@ -5,11 +5,25 @@
     <p:sldMasterId id="2147483648" r:id="rId1"/>
   </p:sldMasterIdLst>
   <p:notesMasterIdLst>
-    <p:notesMasterId r:id="rId4"/>
+    <p:notesMasterId r:id="rId18"/>
   </p:notesMasterIdLst>
   <p:sldIdLst>
     <p:sldId id="256" r:id="rId2"/>
-    <p:sldId id="259" r:id="rId3"/>
+    <p:sldId id="261" r:id="rId3"/>
+    <p:sldId id="259" r:id="rId4"/>
+    <p:sldId id="260" r:id="rId5"/>
+    <p:sldId id="262" r:id="rId6"/>
+    <p:sldId id="263" r:id="rId7"/>
+    <p:sldId id="264" r:id="rId8"/>
+    <p:sldId id="265" r:id="rId9"/>
+    <p:sldId id="266" r:id="rId10"/>
+    <p:sldId id="267" r:id="rId11"/>
+    <p:sldId id="268" r:id="rId12"/>
+    <p:sldId id="269" r:id="rId13"/>
+    <p:sldId id="270" r:id="rId14"/>
+    <p:sldId id="271" r:id="rId15"/>
+    <p:sldId id="272" r:id="rId16"/>
+    <p:sldId id="273" r:id="rId17"/>
   </p:sldIdLst>
   <p:sldSz cx="12192000" cy="6858000"/>
   <p:notesSz cx="6858000" cy="9144000"/>
@@ -114,7 +128,21 @@
         <p14:section name="Default Section" id="{65CD2C29-6869-4EB9-A262-397E95AA9D5D}">
           <p14:sldIdLst>
             <p14:sldId id="256"/>
+            <p14:sldId id="261"/>
             <p14:sldId id="259"/>
+            <p14:sldId id="260"/>
+            <p14:sldId id="262"/>
+            <p14:sldId id="263"/>
+            <p14:sldId id="264"/>
+            <p14:sldId id="265"/>
+            <p14:sldId id="266"/>
+            <p14:sldId id="267"/>
+            <p14:sldId id="268"/>
+            <p14:sldId id="269"/>
+            <p14:sldId id="270"/>
+            <p14:sldId id="271"/>
+            <p14:sldId id="272"/>
+            <p14:sldId id="273"/>
           </p14:sldIdLst>
         </p14:section>
       </p14:sectionLst>
@@ -1592,7 +1620,7 @@
           <a:p>
             <a:fld id="{7664DC43-F744-704A-A194-E80C7BE54CAA}" type="datetimeFigureOut">
               <a:rPr lang="en-VN" smtClean="0"/>
-              <a:t>18/9/24</a:t>
+              <a:t>19/9/24</a:t>
             </a:fld>
             <a:endParaRPr lang="en-VN"/>
           </a:p>
@@ -2007,7 +2035,7 @@
           <a:p>
             <a:fld id="{BAA8DE05-51EE-4692-B197-877FA1DAAAED}" type="datetimeFigureOut">
               <a:rPr lang="en-US" smtClean="0"/>
-              <a:t>9/18/24</a:t>
+              <a:t>9/19/24</a:t>
             </a:fld>
             <a:endParaRPr lang="en-US"/>
           </a:p>
@@ -2205,7 +2233,7 @@
           <a:p>
             <a:fld id="{BAA8DE05-51EE-4692-B197-877FA1DAAAED}" type="datetimeFigureOut">
               <a:rPr lang="en-US" smtClean="0"/>
-              <a:t>9/18/24</a:t>
+              <a:t>9/19/24</a:t>
             </a:fld>
             <a:endParaRPr lang="en-US"/>
           </a:p>
@@ -2413,7 +2441,7 @@
           <a:p>
             <a:fld id="{BAA8DE05-51EE-4692-B197-877FA1DAAAED}" type="datetimeFigureOut">
               <a:rPr lang="en-US" smtClean="0"/>
-              <a:t>9/18/24</a:t>
+              <a:t>9/19/24</a:t>
             </a:fld>
             <a:endParaRPr lang="en-US"/>
           </a:p>
@@ -2611,7 +2639,7 @@
           <a:p>
             <a:fld id="{BAA8DE05-51EE-4692-B197-877FA1DAAAED}" type="datetimeFigureOut">
               <a:rPr lang="en-US" smtClean="0"/>
-              <a:t>9/18/24</a:t>
+              <a:t>9/19/24</a:t>
             </a:fld>
             <a:endParaRPr lang="en-US"/>
           </a:p>
@@ -2886,7 +2914,7 @@
           <a:p>
             <a:fld id="{BAA8DE05-51EE-4692-B197-877FA1DAAAED}" type="datetimeFigureOut">
               <a:rPr lang="en-US" smtClean="0"/>
-              <a:t>9/18/24</a:t>
+              <a:t>9/19/24</a:t>
             </a:fld>
             <a:endParaRPr lang="en-US"/>
           </a:p>
@@ -3151,7 +3179,7 @@
           <a:p>
             <a:fld id="{BAA8DE05-51EE-4692-B197-877FA1DAAAED}" type="datetimeFigureOut">
               <a:rPr lang="en-US" smtClean="0"/>
-              <a:t>9/18/24</a:t>
+              <a:t>9/19/24</a:t>
             </a:fld>
             <a:endParaRPr lang="en-US"/>
           </a:p>
@@ -3563,7 +3591,7 @@
           <a:p>
             <a:fld id="{BAA8DE05-51EE-4692-B197-877FA1DAAAED}" type="datetimeFigureOut">
               <a:rPr lang="en-US" smtClean="0"/>
-              <a:t>9/18/24</a:t>
+              <a:t>9/19/24</a:t>
             </a:fld>
             <a:endParaRPr lang="en-US"/>
           </a:p>
@@ -3704,7 +3732,7 @@
           <a:p>
             <a:fld id="{BAA8DE05-51EE-4692-B197-877FA1DAAAED}" type="datetimeFigureOut">
               <a:rPr lang="en-US" smtClean="0"/>
-              <a:t>9/18/24</a:t>
+              <a:t>9/19/24</a:t>
             </a:fld>
             <a:endParaRPr lang="en-US"/>
           </a:p>
@@ -3817,7 +3845,7 @@
           <a:p>
             <a:fld id="{BAA8DE05-51EE-4692-B197-877FA1DAAAED}" type="datetimeFigureOut">
               <a:rPr lang="en-US" smtClean="0"/>
-              <a:t>9/18/24</a:t>
+              <a:t>9/19/24</a:t>
             </a:fld>
             <a:endParaRPr lang="en-US"/>
           </a:p>
@@ -4128,7 +4156,7 @@
           <a:p>
             <a:fld id="{BAA8DE05-51EE-4692-B197-877FA1DAAAED}" type="datetimeFigureOut">
               <a:rPr lang="en-US" smtClean="0"/>
-              <a:t>9/18/24</a:t>
+              <a:t>9/19/24</a:t>
             </a:fld>
             <a:endParaRPr lang="en-US"/>
           </a:p>
@@ -4416,7 +4444,7 @@
           <a:p>
             <a:fld id="{BAA8DE05-51EE-4692-B197-877FA1DAAAED}" type="datetimeFigureOut">
               <a:rPr lang="en-US" smtClean="0"/>
-              <a:t>9/18/24</a:t>
+              <a:t>9/19/24</a:t>
             </a:fld>
             <a:endParaRPr lang="en-US"/>
           </a:p>
@@ -4657,7 +4685,7 @@
           <a:p>
             <a:fld id="{BAA8DE05-51EE-4692-B197-877FA1DAAAED}" type="datetimeFigureOut">
               <a:rPr lang="en-US" smtClean="0"/>
-              <a:t>9/18/24</a:t>
+              <a:t>9/19/24</a:t>
             </a:fld>
             <a:endParaRPr lang="en-US"/>
           </a:p>
@@ -5144,7 +5172,4868 @@
 </p:sld>
 </file>
 
+<file path=ppt/slides/slide10.xml><?xml version="1.0" encoding="utf-8"?>
+<p:sld xmlns:a="http://schemas.openxmlformats.org/drawingml/2006/main" xmlns:r="http://schemas.openxmlformats.org/officeDocument/2006/relationships" xmlns:p="http://schemas.openxmlformats.org/presentationml/2006/main">
+  <p:cSld>
+    <p:spTree>
+      <p:nvGrpSpPr>
+        <p:cNvPr id="1" name="">
+          <a:extLst>
+            <a:ext uri="{FF2B5EF4-FFF2-40B4-BE49-F238E27FC236}">
+              <a16:creationId xmlns:a16="http://schemas.microsoft.com/office/drawing/2014/main" id="{CC9DA7DA-E6F9-160F-40CB-0DB3686F1F04}"/>
+            </a:ext>
+          </a:extLst>
+        </p:cNvPr>
+        <p:cNvGrpSpPr/>
+        <p:nvPr/>
+      </p:nvGrpSpPr>
+      <p:grpSpPr>
+        <a:xfrm>
+          <a:off x="0" y="0"/>
+          <a:ext cx="0" cy="0"/>
+          <a:chOff x="0" y="0"/>
+          <a:chExt cx="0" cy="0"/>
+        </a:xfrm>
+      </p:grpSpPr>
+      <p:sp>
+        <p:nvSpPr>
+          <p:cNvPr id="3" name="Subtitle 2">
+            <a:extLst>
+              <a:ext uri="{FF2B5EF4-FFF2-40B4-BE49-F238E27FC236}">
+                <a16:creationId xmlns:a16="http://schemas.microsoft.com/office/drawing/2014/main" id="{B157699D-2BC9-B7A4-D1BD-41DAE1FC882D}"/>
+              </a:ext>
+            </a:extLst>
+          </p:cNvPr>
+          <p:cNvSpPr>
+            <a:spLocks noGrp="1"/>
+          </p:cNvSpPr>
+          <p:nvPr>
+            <p:ph type="subTitle" idx="1"/>
+          </p:nvPr>
+        </p:nvSpPr>
+        <p:spPr>
+          <a:xfrm>
+            <a:off x="97970" y="293688"/>
+            <a:ext cx="9436448" cy="303212"/>
+          </a:xfrm>
+        </p:spPr>
+        <p:txBody>
+          <a:bodyPr>
+            <a:normAutofit fontScale="92500" lnSpcReduction="20000"/>
+          </a:bodyPr>
+          <a:lstStyle/>
+          <a:p>
+            <a:r>
+              <a:rPr lang="en-US" sz="1800" b="1" dirty="0"/>
+              <a:t>13.1 Creating ande manipulating Strings </a:t>
+            </a:r>
+            <a:r>
+              <a:rPr lang="en-US" sz="1800" dirty="0"/>
+              <a:t>– 13.1.5 String immutability</a:t>
+            </a:r>
+            <a:endParaRPr lang="en-US" sz="1800" b="1" dirty="0"/>
+          </a:p>
+        </p:txBody>
+      </p:sp>
+      <p:sp>
+        <p:nvSpPr>
+          <p:cNvPr id="4" name="Subtitle 2">
+            <a:extLst>
+              <a:ext uri="{FF2B5EF4-FFF2-40B4-BE49-F238E27FC236}">
+                <a16:creationId xmlns:a16="http://schemas.microsoft.com/office/drawing/2014/main" id="{C4946060-5F22-A4BF-D6FB-84BA015F68DD}"/>
+              </a:ext>
+            </a:extLst>
+          </p:cNvPr>
+          <p:cNvSpPr txBox="1">
+            <a:spLocks/>
+          </p:cNvSpPr>
+          <p:nvPr/>
+        </p:nvSpPr>
+        <p:spPr>
+          <a:xfrm>
+            <a:off x="0" y="820738"/>
+            <a:ext cx="12192000" cy="6037262"/>
+          </a:xfrm>
+          <a:prstGeom prst="rect">
+            <a:avLst/>
+          </a:prstGeom>
+        </p:spPr>
+        <p:txBody>
+          <a:bodyPr vert="horz" lIns="91440" tIns="45720" rIns="91440" bIns="45720" rtlCol="0">
+            <a:normAutofit/>
+          </a:bodyPr>
+          <a:lstStyle>
+            <a:lvl1pPr marL="0" indent="0" algn="ctr" defTabSz="914400" rtl="0" eaLnBrk="1" latinLnBrk="0" hangingPunct="1">
+              <a:lnSpc>
+                <a:spcPct val="90000"/>
+              </a:lnSpc>
+              <a:spcBef>
+                <a:spcPts val="1000"/>
+              </a:spcBef>
+              <a:buFont typeface="Arial" panose="020B0604020202020204" pitchFamily="34" charset="0"/>
+              <a:buNone/>
+              <a:defRPr sz="2400" kern="1200">
+                <a:solidFill>
+                  <a:schemeClr val="tx1"/>
+                </a:solidFill>
+                <a:latin typeface="+mn-lt"/>
+                <a:ea typeface="+mn-ea"/>
+                <a:cs typeface="+mn-cs"/>
+              </a:defRPr>
+            </a:lvl1pPr>
+            <a:lvl2pPr marL="457200" indent="0" algn="ctr" defTabSz="914400" rtl="0" eaLnBrk="1" latinLnBrk="0" hangingPunct="1">
+              <a:lnSpc>
+                <a:spcPct val="90000"/>
+              </a:lnSpc>
+              <a:spcBef>
+                <a:spcPts val="500"/>
+              </a:spcBef>
+              <a:buFont typeface="Arial" panose="020B0604020202020204" pitchFamily="34" charset="0"/>
+              <a:buNone/>
+              <a:defRPr sz="2000" kern="1200">
+                <a:solidFill>
+                  <a:schemeClr val="tx1"/>
+                </a:solidFill>
+                <a:latin typeface="+mn-lt"/>
+                <a:ea typeface="+mn-ea"/>
+                <a:cs typeface="+mn-cs"/>
+              </a:defRPr>
+            </a:lvl2pPr>
+            <a:lvl3pPr marL="914400" indent="0" algn="ctr" defTabSz="914400" rtl="0" eaLnBrk="1" latinLnBrk="0" hangingPunct="1">
+              <a:lnSpc>
+                <a:spcPct val="90000"/>
+              </a:lnSpc>
+              <a:spcBef>
+                <a:spcPts val="500"/>
+              </a:spcBef>
+              <a:buFont typeface="Arial" panose="020B0604020202020204" pitchFamily="34" charset="0"/>
+              <a:buNone/>
+              <a:defRPr sz="1800" kern="1200">
+                <a:solidFill>
+                  <a:schemeClr val="tx1"/>
+                </a:solidFill>
+                <a:latin typeface="+mn-lt"/>
+                <a:ea typeface="+mn-ea"/>
+                <a:cs typeface="+mn-cs"/>
+              </a:defRPr>
+            </a:lvl3pPr>
+            <a:lvl4pPr marL="1371600" indent="0" algn="ctr" defTabSz="914400" rtl="0" eaLnBrk="1" latinLnBrk="0" hangingPunct="1">
+              <a:lnSpc>
+                <a:spcPct val="90000"/>
+              </a:lnSpc>
+              <a:spcBef>
+                <a:spcPts val="500"/>
+              </a:spcBef>
+              <a:buFont typeface="Arial" panose="020B0604020202020204" pitchFamily="34" charset="0"/>
+              <a:buNone/>
+              <a:defRPr sz="1600" kern="1200">
+                <a:solidFill>
+                  <a:schemeClr val="tx1"/>
+                </a:solidFill>
+                <a:latin typeface="+mn-lt"/>
+                <a:ea typeface="+mn-ea"/>
+                <a:cs typeface="+mn-cs"/>
+              </a:defRPr>
+            </a:lvl4pPr>
+            <a:lvl5pPr marL="1828800" indent="0" algn="ctr" defTabSz="914400" rtl="0" eaLnBrk="1" latinLnBrk="0" hangingPunct="1">
+              <a:lnSpc>
+                <a:spcPct val="90000"/>
+              </a:lnSpc>
+              <a:spcBef>
+                <a:spcPts val="500"/>
+              </a:spcBef>
+              <a:buFont typeface="Arial" panose="020B0604020202020204" pitchFamily="34" charset="0"/>
+              <a:buNone/>
+              <a:defRPr sz="1600" kern="1200">
+                <a:solidFill>
+                  <a:schemeClr val="tx1"/>
+                </a:solidFill>
+                <a:latin typeface="+mn-lt"/>
+                <a:ea typeface="+mn-ea"/>
+                <a:cs typeface="+mn-cs"/>
+              </a:defRPr>
+            </a:lvl5pPr>
+            <a:lvl6pPr marL="2286000" indent="0" algn="ctr" defTabSz="914400" rtl="0" eaLnBrk="1" latinLnBrk="0" hangingPunct="1">
+              <a:lnSpc>
+                <a:spcPct val="90000"/>
+              </a:lnSpc>
+              <a:spcBef>
+                <a:spcPts val="500"/>
+              </a:spcBef>
+              <a:buFont typeface="Arial" panose="020B0604020202020204" pitchFamily="34" charset="0"/>
+              <a:buNone/>
+              <a:defRPr sz="1600" kern="1200">
+                <a:solidFill>
+                  <a:schemeClr val="tx1"/>
+                </a:solidFill>
+                <a:latin typeface="+mn-lt"/>
+                <a:ea typeface="+mn-ea"/>
+                <a:cs typeface="+mn-cs"/>
+              </a:defRPr>
+            </a:lvl6pPr>
+            <a:lvl7pPr marL="2743200" indent="0" algn="ctr" defTabSz="914400" rtl="0" eaLnBrk="1" latinLnBrk="0" hangingPunct="1">
+              <a:lnSpc>
+                <a:spcPct val="90000"/>
+              </a:lnSpc>
+              <a:spcBef>
+                <a:spcPts val="500"/>
+              </a:spcBef>
+              <a:buFont typeface="Arial" panose="020B0604020202020204" pitchFamily="34" charset="0"/>
+              <a:buNone/>
+              <a:defRPr sz="1600" kern="1200">
+                <a:solidFill>
+                  <a:schemeClr val="tx1"/>
+                </a:solidFill>
+                <a:latin typeface="+mn-lt"/>
+                <a:ea typeface="+mn-ea"/>
+                <a:cs typeface="+mn-cs"/>
+              </a:defRPr>
+            </a:lvl7pPr>
+            <a:lvl8pPr marL="3200400" indent="0" algn="ctr" defTabSz="914400" rtl="0" eaLnBrk="1" latinLnBrk="0" hangingPunct="1">
+              <a:lnSpc>
+                <a:spcPct val="90000"/>
+              </a:lnSpc>
+              <a:spcBef>
+                <a:spcPts val="500"/>
+              </a:spcBef>
+              <a:buFont typeface="Arial" panose="020B0604020202020204" pitchFamily="34" charset="0"/>
+              <a:buNone/>
+              <a:defRPr sz="1600" kern="1200">
+                <a:solidFill>
+                  <a:schemeClr val="tx1"/>
+                </a:solidFill>
+                <a:latin typeface="+mn-lt"/>
+                <a:ea typeface="+mn-ea"/>
+                <a:cs typeface="+mn-cs"/>
+              </a:defRPr>
+            </a:lvl8pPr>
+            <a:lvl9pPr marL="3657600" indent="0" algn="ctr" defTabSz="914400" rtl="0" eaLnBrk="1" latinLnBrk="0" hangingPunct="1">
+              <a:lnSpc>
+                <a:spcPct val="90000"/>
+              </a:lnSpc>
+              <a:spcBef>
+                <a:spcPts val="500"/>
+              </a:spcBef>
+              <a:buFont typeface="Arial" panose="020B0604020202020204" pitchFamily="34" charset="0"/>
+              <a:buNone/>
+              <a:defRPr sz="1600" kern="1200">
+                <a:solidFill>
+                  <a:schemeClr val="tx1"/>
+                </a:solidFill>
+                <a:latin typeface="+mn-lt"/>
+                <a:ea typeface="+mn-ea"/>
+                <a:cs typeface="+mn-cs"/>
+              </a:defRPr>
+            </a:lvl9pPr>
+          </a:lstStyle>
+          <a:p>
+            <a:pPr algn="l"/>
+            <a:r>
+              <a:rPr lang="en-US" sz="1800" dirty="0"/>
+              <a:t>- String are immutable, it is impossible to change its content once created</a:t>
+            </a:r>
+          </a:p>
+          <a:p>
+            <a:pPr algn="l"/>
+            <a:r>
+              <a:rPr lang="en-US" sz="1800" dirty="0"/>
+              <a:t>(code illustration snippet 19)</a:t>
+            </a:r>
+          </a:p>
+          <a:p>
+            <a:pPr algn="l"/>
+            <a:r>
+              <a:rPr lang="en-US" sz="1800" dirty="0"/>
+              <a:t>- Also, there are several methods that we believe to change the content of the method, however, it isn't</a:t>
+            </a:r>
+          </a:p>
+          <a:p>
+            <a:pPr algn="l"/>
+            <a:r>
+              <a:rPr lang="en-US" sz="1800" dirty="0"/>
+              <a:t>(code illustration snippet 20) </a:t>
+            </a:r>
+          </a:p>
+        </p:txBody>
+      </p:sp>
+    </p:spTree>
+    <p:extLst>
+      <p:ext uri="{BB962C8B-B14F-4D97-AF65-F5344CB8AC3E}">
+        <p14:creationId xmlns:p14="http://schemas.microsoft.com/office/powerpoint/2010/main" val="2551789510"/>
+      </p:ext>
+    </p:extLst>
+  </p:cSld>
+  <p:clrMapOvr>
+    <a:masterClrMapping/>
+  </p:clrMapOvr>
+  <p:timing>
+    <p:tnLst>
+      <p:par>
+        <p:cTn id="1" dur="indefinite" restart="never" nodeType="tmRoot">
+          <p:childTnLst>
+            <p:seq concurrent="1" nextAc="seek">
+              <p:cTn id="2" dur="indefinite" nodeType="mainSeq">
+                <p:childTnLst>
+                  <p:par>
+                    <p:cTn id="3" fill="hold">
+                      <p:stCondLst>
+                        <p:cond delay="indefinite"/>
+                      </p:stCondLst>
+                      <p:childTnLst>
+                        <p:par>
+                          <p:cTn id="4" fill="hold">
+                            <p:stCondLst>
+                              <p:cond delay="0"/>
+                            </p:stCondLst>
+                            <p:childTnLst>
+                              <p:par>
+                                <p:cTn id="5" presetID="1" presetClass="entr" presetSubtype="0" fill="hold" nodeType="clickEffect">
+                                  <p:stCondLst>
+                                    <p:cond delay="0"/>
+                                  </p:stCondLst>
+                                  <p:childTnLst>
+                                    <p:set>
+                                      <p:cBhvr>
+                                        <p:cTn id="6" dur="1" fill="hold">
+                                          <p:stCondLst>
+                                            <p:cond delay="0"/>
+                                          </p:stCondLst>
+                                        </p:cTn>
+                                        <p:tgtEl>
+                                          <p:spTgt spid="4">
+                                            <p:txEl>
+                                              <p:pRg st="0" end="0"/>
+                                            </p:txEl>
+                                          </p:spTgt>
+                                        </p:tgtEl>
+                                        <p:attrNameLst>
+                                          <p:attrName>style.visibility</p:attrName>
+                                        </p:attrNameLst>
+                                      </p:cBhvr>
+                                      <p:to>
+                                        <p:strVal val="visible"/>
+                                      </p:to>
+                                    </p:set>
+                                  </p:childTnLst>
+                                </p:cTn>
+                              </p:par>
+                            </p:childTnLst>
+                          </p:cTn>
+                        </p:par>
+                      </p:childTnLst>
+                    </p:cTn>
+                  </p:par>
+                  <p:par>
+                    <p:cTn id="7" fill="hold">
+                      <p:stCondLst>
+                        <p:cond delay="indefinite"/>
+                      </p:stCondLst>
+                      <p:childTnLst>
+                        <p:par>
+                          <p:cTn id="8" fill="hold">
+                            <p:stCondLst>
+                              <p:cond delay="0"/>
+                            </p:stCondLst>
+                            <p:childTnLst>
+                              <p:par>
+                                <p:cTn id="9" presetID="1" presetClass="entr" presetSubtype="0" fill="hold" nodeType="clickEffect">
+                                  <p:stCondLst>
+                                    <p:cond delay="0"/>
+                                  </p:stCondLst>
+                                  <p:childTnLst>
+                                    <p:set>
+                                      <p:cBhvr>
+                                        <p:cTn id="10" dur="1" fill="hold">
+                                          <p:stCondLst>
+                                            <p:cond delay="0"/>
+                                          </p:stCondLst>
+                                        </p:cTn>
+                                        <p:tgtEl>
+                                          <p:spTgt spid="4">
+                                            <p:txEl>
+                                              <p:pRg st="1" end="1"/>
+                                            </p:txEl>
+                                          </p:spTgt>
+                                        </p:tgtEl>
+                                        <p:attrNameLst>
+                                          <p:attrName>style.visibility</p:attrName>
+                                        </p:attrNameLst>
+                                      </p:cBhvr>
+                                      <p:to>
+                                        <p:strVal val="visible"/>
+                                      </p:to>
+                                    </p:set>
+                                  </p:childTnLst>
+                                </p:cTn>
+                              </p:par>
+                            </p:childTnLst>
+                          </p:cTn>
+                        </p:par>
+                      </p:childTnLst>
+                    </p:cTn>
+                  </p:par>
+                  <p:par>
+                    <p:cTn id="11" fill="hold">
+                      <p:stCondLst>
+                        <p:cond delay="indefinite"/>
+                      </p:stCondLst>
+                      <p:childTnLst>
+                        <p:par>
+                          <p:cTn id="12" fill="hold">
+                            <p:stCondLst>
+                              <p:cond delay="0"/>
+                            </p:stCondLst>
+                            <p:childTnLst>
+                              <p:par>
+                                <p:cTn id="13" presetID="1" presetClass="entr" presetSubtype="0" fill="hold" nodeType="clickEffect">
+                                  <p:stCondLst>
+                                    <p:cond delay="0"/>
+                                  </p:stCondLst>
+                                  <p:childTnLst>
+                                    <p:set>
+                                      <p:cBhvr>
+                                        <p:cTn id="14" dur="1" fill="hold">
+                                          <p:stCondLst>
+                                            <p:cond delay="0"/>
+                                          </p:stCondLst>
+                                        </p:cTn>
+                                        <p:tgtEl>
+                                          <p:spTgt spid="4">
+                                            <p:txEl>
+                                              <p:pRg st="2" end="2"/>
+                                            </p:txEl>
+                                          </p:spTgt>
+                                        </p:tgtEl>
+                                        <p:attrNameLst>
+                                          <p:attrName>style.visibility</p:attrName>
+                                        </p:attrNameLst>
+                                      </p:cBhvr>
+                                      <p:to>
+                                        <p:strVal val="visible"/>
+                                      </p:to>
+                                    </p:set>
+                                  </p:childTnLst>
+                                </p:cTn>
+                              </p:par>
+                            </p:childTnLst>
+                          </p:cTn>
+                        </p:par>
+                      </p:childTnLst>
+                    </p:cTn>
+                  </p:par>
+                  <p:par>
+                    <p:cTn id="15" fill="hold">
+                      <p:stCondLst>
+                        <p:cond delay="indefinite"/>
+                      </p:stCondLst>
+                      <p:childTnLst>
+                        <p:par>
+                          <p:cTn id="16" fill="hold">
+                            <p:stCondLst>
+                              <p:cond delay="0"/>
+                            </p:stCondLst>
+                            <p:childTnLst>
+                              <p:par>
+                                <p:cTn id="17" presetID="1" presetClass="entr" presetSubtype="0" fill="hold" nodeType="clickEffect">
+                                  <p:stCondLst>
+                                    <p:cond delay="0"/>
+                                  </p:stCondLst>
+                                  <p:childTnLst>
+                                    <p:set>
+                                      <p:cBhvr>
+                                        <p:cTn id="18" dur="1" fill="hold">
+                                          <p:stCondLst>
+                                            <p:cond delay="0"/>
+                                          </p:stCondLst>
+                                        </p:cTn>
+                                        <p:tgtEl>
+                                          <p:spTgt spid="4">
+                                            <p:txEl>
+                                              <p:pRg st="3" end="3"/>
+                                            </p:txEl>
+                                          </p:spTgt>
+                                        </p:tgtEl>
+                                        <p:attrNameLst>
+                                          <p:attrName>style.visibility</p:attrName>
+                                        </p:attrNameLst>
+                                      </p:cBhvr>
+                                      <p:to>
+                                        <p:strVal val="visible"/>
+                                      </p:to>
+                                    </p:set>
+                                  </p:childTnLst>
+                                </p:cTn>
+                              </p:par>
+                            </p:childTnLst>
+                          </p:cTn>
+                        </p:par>
+                      </p:childTnLst>
+                    </p:cTn>
+                  </p:par>
+                </p:childTnLst>
+              </p:cTn>
+              <p:prevCondLst>
+                <p:cond evt="onPrev" delay="0">
+                  <p:tgtEl>
+                    <p:sldTgt/>
+                  </p:tgtEl>
+                </p:cond>
+              </p:prevCondLst>
+              <p:nextCondLst>
+                <p:cond evt="onNext" delay="0">
+                  <p:tgtEl>
+                    <p:sldTgt/>
+                  </p:tgtEl>
+                </p:cond>
+              </p:nextCondLst>
+            </p:seq>
+          </p:childTnLst>
+        </p:cTn>
+      </p:par>
+    </p:tnLst>
+  </p:timing>
+</p:sld>
+</file>
+
+<file path=ppt/slides/slide11.xml><?xml version="1.0" encoding="utf-8"?>
+<p:sld xmlns:a="http://schemas.openxmlformats.org/drawingml/2006/main" xmlns:r="http://schemas.openxmlformats.org/officeDocument/2006/relationships" xmlns:p="http://schemas.openxmlformats.org/presentationml/2006/main">
+  <p:cSld>
+    <p:spTree>
+      <p:nvGrpSpPr>
+        <p:cNvPr id="1" name="">
+          <a:extLst>
+            <a:ext uri="{FF2B5EF4-FFF2-40B4-BE49-F238E27FC236}">
+              <a16:creationId xmlns:a16="http://schemas.microsoft.com/office/drawing/2014/main" id="{A47F4395-BD1C-8A73-7E7C-FB14C34CE8BF}"/>
+            </a:ext>
+          </a:extLst>
+        </p:cNvPr>
+        <p:cNvGrpSpPr/>
+        <p:nvPr/>
+      </p:nvGrpSpPr>
+      <p:grpSpPr>
+        <a:xfrm>
+          <a:off x="0" y="0"/>
+          <a:ext cx="0" cy="0"/>
+          <a:chOff x="0" y="0"/>
+          <a:chExt cx="0" cy="0"/>
+        </a:xfrm>
+      </p:grpSpPr>
+      <p:sp>
+        <p:nvSpPr>
+          <p:cNvPr id="3" name="Subtitle 2">
+            <a:extLst>
+              <a:ext uri="{FF2B5EF4-FFF2-40B4-BE49-F238E27FC236}">
+                <a16:creationId xmlns:a16="http://schemas.microsoft.com/office/drawing/2014/main" id="{BA412F30-775B-C67A-FB57-FBC5C03FDEC4}"/>
+              </a:ext>
+            </a:extLst>
+          </p:cNvPr>
+          <p:cNvSpPr>
+            <a:spLocks noGrp="1"/>
+          </p:cNvSpPr>
+          <p:nvPr>
+            <p:ph type="subTitle" idx="1"/>
+          </p:nvPr>
+        </p:nvSpPr>
+        <p:spPr>
+          <a:xfrm>
+            <a:off x="97970" y="293688"/>
+            <a:ext cx="9436448" cy="303212"/>
+          </a:xfrm>
+        </p:spPr>
+        <p:txBody>
+          <a:bodyPr>
+            <a:normAutofit fontScale="92500" lnSpcReduction="20000"/>
+          </a:bodyPr>
+          <a:lstStyle/>
+          <a:p>
+            <a:r>
+              <a:rPr lang="en-US" sz="1800" b="1" dirty="0"/>
+              <a:t>13.1 Creating ande manipulating Strings </a:t>
+            </a:r>
+            <a:r>
+              <a:rPr lang="en-US" sz="1800" dirty="0"/>
+              <a:t>– 13.1.6 Using the methods of the String class</a:t>
+            </a:r>
+            <a:endParaRPr lang="en-US" sz="1800" b="1" dirty="0"/>
+          </a:p>
+        </p:txBody>
+      </p:sp>
+      <p:sp>
+        <p:nvSpPr>
+          <p:cNvPr id="4" name="Subtitle 2">
+            <a:extLst>
+              <a:ext uri="{FF2B5EF4-FFF2-40B4-BE49-F238E27FC236}">
+                <a16:creationId xmlns:a16="http://schemas.microsoft.com/office/drawing/2014/main" id="{32E33253-C0AB-3A86-3162-0EEBE88B4A75}"/>
+              </a:ext>
+            </a:extLst>
+          </p:cNvPr>
+          <p:cNvSpPr txBox="1">
+            <a:spLocks/>
+          </p:cNvSpPr>
+          <p:nvPr/>
+        </p:nvSpPr>
+        <p:spPr>
+          <a:xfrm>
+            <a:off x="0" y="820738"/>
+            <a:ext cx="12192000" cy="6037262"/>
+          </a:xfrm>
+          <a:prstGeom prst="rect">
+            <a:avLst/>
+          </a:prstGeom>
+        </p:spPr>
+        <p:txBody>
+          <a:bodyPr vert="horz" lIns="91440" tIns="45720" rIns="91440" bIns="45720" rtlCol="0">
+            <a:normAutofit/>
+          </a:bodyPr>
+          <a:lstStyle>
+            <a:lvl1pPr marL="0" indent="0" algn="ctr" defTabSz="914400" rtl="0" eaLnBrk="1" latinLnBrk="0" hangingPunct="1">
+              <a:lnSpc>
+                <a:spcPct val="90000"/>
+              </a:lnSpc>
+              <a:spcBef>
+                <a:spcPts val="1000"/>
+              </a:spcBef>
+              <a:buFont typeface="Arial" panose="020B0604020202020204" pitchFamily="34" charset="0"/>
+              <a:buNone/>
+              <a:defRPr sz="2400" kern="1200">
+                <a:solidFill>
+                  <a:schemeClr val="tx1"/>
+                </a:solidFill>
+                <a:latin typeface="+mn-lt"/>
+                <a:ea typeface="+mn-ea"/>
+                <a:cs typeface="+mn-cs"/>
+              </a:defRPr>
+            </a:lvl1pPr>
+            <a:lvl2pPr marL="457200" indent="0" algn="ctr" defTabSz="914400" rtl="0" eaLnBrk="1" latinLnBrk="0" hangingPunct="1">
+              <a:lnSpc>
+                <a:spcPct val="90000"/>
+              </a:lnSpc>
+              <a:spcBef>
+                <a:spcPts val="500"/>
+              </a:spcBef>
+              <a:buFont typeface="Arial" panose="020B0604020202020204" pitchFamily="34" charset="0"/>
+              <a:buNone/>
+              <a:defRPr sz="2000" kern="1200">
+                <a:solidFill>
+                  <a:schemeClr val="tx1"/>
+                </a:solidFill>
+                <a:latin typeface="+mn-lt"/>
+                <a:ea typeface="+mn-ea"/>
+                <a:cs typeface="+mn-cs"/>
+              </a:defRPr>
+            </a:lvl2pPr>
+            <a:lvl3pPr marL="914400" indent="0" algn="ctr" defTabSz="914400" rtl="0" eaLnBrk="1" latinLnBrk="0" hangingPunct="1">
+              <a:lnSpc>
+                <a:spcPct val="90000"/>
+              </a:lnSpc>
+              <a:spcBef>
+                <a:spcPts val="500"/>
+              </a:spcBef>
+              <a:buFont typeface="Arial" panose="020B0604020202020204" pitchFamily="34" charset="0"/>
+              <a:buNone/>
+              <a:defRPr sz="1800" kern="1200">
+                <a:solidFill>
+                  <a:schemeClr val="tx1"/>
+                </a:solidFill>
+                <a:latin typeface="+mn-lt"/>
+                <a:ea typeface="+mn-ea"/>
+                <a:cs typeface="+mn-cs"/>
+              </a:defRPr>
+            </a:lvl3pPr>
+            <a:lvl4pPr marL="1371600" indent="0" algn="ctr" defTabSz="914400" rtl="0" eaLnBrk="1" latinLnBrk="0" hangingPunct="1">
+              <a:lnSpc>
+                <a:spcPct val="90000"/>
+              </a:lnSpc>
+              <a:spcBef>
+                <a:spcPts val="500"/>
+              </a:spcBef>
+              <a:buFont typeface="Arial" panose="020B0604020202020204" pitchFamily="34" charset="0"/>
+              <a:buNone/>
+              <a:defRPr sz="1600" kern="1200">
+                <a:solidFill>
+                  <a:schemeClr val="tx1"/>
+                </a:solidFill>
+                <a:latin typeface="+mn-lt"/>
+                <a:ea typeface="+mn-ea"/>
+                <a:cs typeface="+mn-cs"/>
+              </a:defRPr>
+            </a:lvl4pPr>
+            <a:lvl5pPr marL="1828800" indent="0" algn="ctr" defTabSz="914400" rtl="0" eaLnBrk="1" latinLnBrk="0" hangingPunct="1">
+              <a:lnSpc>
+                <a:spcPct val="90000"/>
+              </a:lnSpc>
+              <a:spcBef>
+                <a:spcPts val="500"/>
+              </a:spcBef>
+              <a:buFont typeface="Arial" panose="020B0604020202020204" pitchFamily="34" charset="0"/>
+              <a:buNone/>
+              <a:defRPr sz="1600" kern="1200">
+                <a:solidFill>
+                  <a:schemeClr val="tx1"/>
+                </a:solidFill>
+                <a:latin typeface="+mn-lt"/>
+                <a:ea typeface="+mn-ea"/>
+                <a:cs typeface="+mn-cs"/>
+              </a:defRPr>
+            </a:lvl5pPr>
+            <a:lvl6pPr marL="2286000" indent="0" algn="ctr" defTabSz="914400" rtl="0" eaLnBrk="1" latinLnBrk="0" hangingPunct="1">
+              <a:lnSpc>
+                <a:spcPct val="90000"/>
+              </a:lnSpc>
+              <a:spcBef>
+                <a:spcPts val="500"/>
+              </a:spcBef>
+              <a:buFont typeface="Arial" panose="020B0604020202020204" pitchFamily="34" charset="0"/>
+              <a:buNone/>
+              <a:defRPr sz="1600" kern="1200">
+                <a:solidFill>
+                  <a:schemeClr val="tx1"/>
+                </a:solidFill>
+                <a:latin typeface="+mn-lt"/>
+                <a:ea typeface="+mn-ea"/>
+                <a:cs typeface="+mn-cs"/>
+              </a:defRPr>
+            </a:lvl6pPr>
+            <a:lvl7pPr marL="2743200" indent="0" algn="ctr" defTabSz="914400" rtl="0" eaLnBrk="1" latinLnBrk="0" hangingPunct="1">
+              <a:lnSpc>
+                <a:spcPct val="90000"/>
+              </a:lnSpc>
+              <a:spcBef>
+                <a:spcPts val="500"/>
+              </a:spcBef>
+              <a:buFont typeface="Arial" panose="020B0604020202020204" pitchFamily="34" charset="0"/>
+              <a:buNone/>
+              <a:defRPr sz="1600" kern="1200">
+                <a:solidFill>
+                  <a:schemeClr val="tx1"/>
+                </a:solidFill>
+                <a:latin typeface="+mn-lt"/>
+                <a:ea typeface="+mn-ea"/>
+                <a:cs typeface="+mn-cs"/>
+              </a:defRPr>
+            </a:lvl7pPr>
+            <a:lvl8pPr marL="3200400" indent="0" algn="ctr" defTabSz="914400" rtl="0" eaLnBrk="1" latinLnBrk="0" hangingPunct="1">
+              <a:lnSpc>
+                <a:spcPct val="90000"/>
+              </a:lnSpc>
+              <a:spcBef>
+                <a:spcPts val="500"/>
+              </a:spcBef>
+              <a:buFont typeface="Arial" panose="020B0604020202020204" pitchFamily="34" charset="0"/>
+              <a:buNone/>
+              <a:defRPr sz="1600" kern="1200">
+                <a:solidFill>
+                  <a:schemeClr val="tx1"/>
+                </a:solidFill>
+                <a:latin typeface="+mn-lt"/>
+                <a:ea typeface="+mn-ea"/>
+                <a:cs typeface="+mn-cs"/>
+              </a:defRPr>
+            </a:lvl8pPr>
+            <a:lvl9pPr marL="3657600" indent="0" algn="ctr" defTabSz="914400" rtl="0" eaLnBrk="1" latinLnBrk="0" hangingPunct="1">
+              <a:lnSpc>
+                <a:spcPct val="90000"/>
+              </a:lnSpc>
+              <a:spcBef>
+                <a:spcPts val="500"/>
+              </a:spcBef>
+              <a:buFont typeface="Arial" panose="020B0604020202020204" pitchFamily="34" charset="0"/>
+              <a:buNone/>
+              <a:defRPr sz="1600" kern="1200">
+                <a:solidFill>
+                  <a:schemeClr val="tx1"/>
+                </a:solidFill>
+                <a:latin typeface="+mn-lt"/>
+                <a:ea typeface="+mn-ea"/>
+                <a:cs typeface="+mn-cs"/>
+              </a:defRPr>
+            </a:lvl9pPr>
+          </a:lstStyle>
+          <a:p>
+            <a:pPr algn="l"/>
+            <a:r>
+              <a:rPr lang="en-US" sz="1800" dirty="0"/>
+              <a:t>- There are several methods to.... To understand these methods, we must know that the core of the String is just an ... of character (it works internally inside the class) =&gt; all of these methods works under this ... =&gt; All rules from ... will also applies to these methods. </a:t>
+            </a:r>
+          </a:p>
+          <a:p>
+            <a:pPr algn="l"/>
+            <a:endParaRPr lang="en-US" sz="1800" dirty="0"/>
+          </a:p>
+          <a:p>
+            <a:pPr algn="l"/>
+            <a:r>
+              <a:rPr lang="en-US" sz="1800" b="1" dirty="0"/>
+              <a:t>The list of the methods</a:t>
+            </a:r>
+            <a:endParaRPr lang="en-US" sz="1800" dirty="0"/>
+          </a:p>
+          <a:p>
+            <a:pPr algn="l"/>
+            <a:endParaRPr lang="en-US" sz="1800" dirty="0"/>
+          </a:p>
+          <a:p>
+            <a:pPr algn="l"/>
+            <a:r>
+              <a:rPr lang="en-US" sz="1800" dirty="0"/>
+              <a:t>int length()</a:t>
+            </a:r>
+          </a:p>
+          <a:p>
+            <a:pPr algn="l"/>
+            <a:endParaRPr lang="en-US" sz="1800" dirty="0"/>
+          </a:p>
+          <a:p>
+            <a:pPr algn="l"/>
+            <a:r>
+              <a:rPr lang="en-US" sz="1800" dirty="0"/>
+              <a:t>char charAt(int index)</a:t>
+            </a:r>
+          </a:p>
+          <a:p>
+            <a:pPr algn="l"/>
+            <a:endParaRPr lang="en-US" sz="1800" dirty="0"/>
+          </a:p>
+          <a:p>
+            <a:pPr algn="l"/>
+            <a:r>
+              <a:rPr lang="en-US" sz="1800" dirty="0"/>
+              <a:t>int indexOf(int ch) / int indexOf(String s) / int lastIndexOf(int ch) / int lastIndexOf(String s) </a:t>
+            </a:r>
+          </a:p>
+          <a:p>
+            <a:pPr algn="l"/>
+            <a:r>
+              <a:rPr lang="en-US" sz="1800" dirty="0"/>
+              <a:t>(code illustration snippet 21)</a:t>
+            </a:r>
+          </a:p>
+          <a:p>
+            <a:pPr algn="l"/>
+            <a:endParaRPr lang="en-US" sz="1800" dirty="0"/>
+          </a:p>
+          <a:p>
+            <a:pPr algn="l"/>
+            <a:r>
+              <a:rPr lang="en-US" sz="1800" dirty="0"/>
+              <a:t>String subString(int beginIndex, int endIndex) </a:t>
+            </a:r>
+          </a:p>
+          <a:p>
+            <a:pPr algn="l"/>
+            <a:r>
+              <a:rPr lang="en-US" sz="1800" dirty="0"/>
+              <a:t>(note: the rule of ... is applied to all of the classes that have method work based on indexing mechanism)   </a:t>
+            </a:r>
+          </a:p>
+        </p:txBody>
+      </p:sp>
+    </p:spTree>
+    <p:extLst>
+      <p:ext uri="{BB962C8B-B14F-4D97-AF65-F5344CB8AC3E}">
+        <p14:creationId xmlns:p14="http://schemas.microsoft.com/office/powerpoint/2010/main" val="2200461012"/>
+      </p:ext>
+    </p:extLst>
+  </p:cSld>
+  <p:clrMapOvr>
+    <a:masterClrMapping/>
+  </p:clrMapOvr>
+  <p:timing>
+    <p:tnLst>
+      <p:par>
+        <p:cTn id="1" dur="indefinite" restart="never" nodeType="tmRoot">
+          <p:childTnLst>
+            <p:seq concurrent="1" nextAc="seek">
+              <p:cTn id="2" dur="indefinite" nodeType="mainSeq">
+                <p:childTnLst>
+                  <p:par>
+                    <p:cTn id="3" fill="hold">
+                      <p:stCondLst>
+                        <p:cond delay="indefinite"/>
+                      </p:stCondLst>
+                      <p:childTnLst>
+                        <p:par>
+                          <p:cTn id="4" fill="hold">
+                            <p:stCondLst>
+                              <p:cond delay="0"/>
+                            </p:stCondLst>
+                            <p:childTnLst>
+                              <p:par>
+                                <p:cTn id="5" presetID="1" presetClass="entr" presetSubtype="0" fill="hold" nodeType="clickEffect">
+                                  <p:stCondLst>
+                                    <p:cond delay="0"/>
+                                  </p:stCondLst>
+                                  <p:childTnLst>
+                                    <p:set>
+                                      <p:cBhvr>
+                                        <p:cTn id="6" dur="1" fill="hold">
+                                          <p:stCondLst>
+                                            <p:cond delay="0"/>
+                                          </p:stCondLst>
+                                        </p:cTn>
+                                        <p:tgtEl>
+                                          <p:spTgt spid="4">
+                                            <p:txEl>
+                                              <p:pRg st="0" end="0"/>
+                                            </p:txEl>
+                                          </p:spTgt>
+                                        </p:tgtEl>
+                                        <p:attrNameLst>
+                                          <p:attrName>style.visibility</p:attrName>
+                                        </p:attrNameLst>
+                                      </p:cBhvr>
+                                      <p:to>
+                                        <p:strVal val="visible"/>
+                                      </p:to>
+                                    </p:set>
+                                  </p:childTnLst>
+                                </p:cTn>
+                              </p:par>
+                            </p:childTnLst>
+                          </p:cTn>
+                        </p:par>
+                      </p:childTnLst>
+                    </p:cTn>
+                  </p:par>
+                  <p:par>
+                    <p:cTn id="7" fill="hold">
+                      <p:stCondLst>
+                        <p:cond delay="indefinite"/>
+                      </p:stCondLst>
+                      <p:childTnLst>
+                        <p:par>
+                          <p:cTn id="8" fill="hold">
+                            <p:stCondLst>
+                              <p:cond delay="0"/>
+                            </p:stCondLst>
+                            <p:childTnLst>
+                              <p:par>
+                                <p:cTn id="9" presetID="1" presetClass="entr" presetSubtype="0" fill="hold" nodeType="clickEffect">
+                                  <p:stCondLst>
+                                    <p:cond delay="0"/>
+                                  </p:stCondLst>
+                                  <p:childTnLst>
+                                    <p:set>
+                                      <p:cBhvr>
+                                        <p:cTn id="10" dur="1" fill="hold">
+                                          <p:stCondLst>
+                                            <p:cond delay="0"/>
+                                          </p:stCondLst>
+                                        </p:cTn>
+                                        <p:tgtEl>
+                                          <p:spTgt spid="4">
+                                            <p:txEl>
+                                              <p:pRg st="2" end="2"/>
+                                            </p:txEl>
+                                          </p:spTgt>
+                                        </p:tgtEl>
+                                        <p:attrNameLst>
+                                          <p:attrName>style.visibility</p:attrName>
+                                        </p:attrNameLst>
+                                      </p:cBhvr>
+                                      <p:to>
+                                        <p:strVal val="visible"/>
+                                      </p:to>
+                                    </p:set>
+                                  </p:childTnLst>
+                                </p:cTn>
+                              </p:par>
+                            </p:childTnLst>
+                          </p:cTn>
+                        </p:par>
+                      </p:childTnLst>
+                    </p:cTn>
+                  </p:par>
+                  <p:par>
+                    <p:cTn id="11" fill="hold">
+                      <p:stCondLst>
+                        <p:cond delay="indefinite"/>
+                      </p:stCondLst>
+                      <p:childTnLst>
+                        <p:par>
+                          <p:cTn id="12" fill="hold">
+                            <p:stCondLst>
+                              <p:cond delay="0"/>
+                            </p:stCondLst>
+                            <p:childTnLst>
+                              <p:par>
+                                <p:cTn id="13" presetID="1" presetClass="entr" presetSubtype="0" fill="hold" nodeType="clickEffect">
+                                  <p:stCondLst>
+                                    <p:cond delay="0"/>
+                                  </p:stCondLst>
+                                  <p:childTnLst>
+                                    <p:set>
+                                      <p:cBhvr>
+                                        <p:cTn id="14" dur="1" fill="hold">
+                                          <p:stCondLst>
+                                            <p:cond delay="0"/>
+                                          </p:stCondLst>
+                                        </p:cTn>
+                                        <p:tgtEl>
+                                          <p:spTgt spid="4">
+                                            <p:txEl>
+                                              <p:pRg st="4" end="4"/>
+                                            </p:txEl>
+                                          </p:spTgt>
+                                        </p:tgtEl>
+                                        <p:attrNameLst>
+                                          <p:attrName>style.visibility</p:attrName>
+                                        </p:attrNameLst>
+                                      </p:cBhvr>
+                                      <p:to>
+                                        <p:strVal val="visible"/>
+                                      </p:to>
+                                    </p:set>
+                                  </p:childTnLst>
+                                </p:cTn>
+                              </p:par>
+                            </p:childTnLst>
+                          </p:cTn>
+                        </p:par>
+                      </p:childTnLst>
+                    </p:cTn>
+                  </p:par>
+                  <p:par>
+                    <p:cTn id="15" fill="hold">
+                      <p:stCondLst>
+                        <p:cond delay="indefinite"/>
+                      </p:stCondLst>
+                      <p:childTnLst>
+                        <p:par>
+                          <p:cTn id="16" fill="hold">
+                            <p:stCondLst>
+                              <p:cond delay="0"/>
+                            </p:stCondLst>
+                            <p:childTnLst>
+                              <p:par>
+                                <p:cTn id="17" presetID="1" presetClass="entr" presetSubtype="0" fill="hold" nodeType="clickEffect">
+                                  <p:stCondLst>
+                                    <p:cond delay="0"/>
+                                  </p:stCondLst>
+                                  <p:childTnLst>
+                                    <p:set>
+                                      <p:cBhvr>
+                                        <p:cTn id="18" dur="1" fill="hold">
+                                          <p:stCondLst>
+                                            <p:cond delay="0"/>
+                                          </p:stCondLst>
+                                        </p:cTn>
+                                        <p:tgtEl>
+                                          <p:spTgt spid="4">
+                                            <p:txEl>
+                                              <p:pRg st="6" end="6"/>
+                                            </p:txEl>
+                                          </p:spTgt>
+                                        </p:tgtEl>
+                                        <p:attrNameLst>
+                                          <p:attrName>style.visibility</p:attrName>
+                                        </p:attrNameLst>
+                                      </p:cBhvr>
+                                      <p:to>
+                                        <p:strVal val="visible"/>
+                                      </p:to>
+                                    </p:set>
+                                  </p:childTnLst>
+                                </p:cTn>
+                              </p:par>
+                            </p:childTnLst>
+                          </p:cTn>
+                        </p:par>
+                      </p:childTnLst>
+                    </p:cTn>
+                  </p:par>
+                  <p:par>
+                    <p:cTn id="19" fill="hold">
+                      <p:stCondLst>
+                        <p:cond delay="indefinite"/>
+                      </p:stCondLst>
+                      <p:childTnLst>
+                        <p:par>
+                          <p:cTn id="20" fill="hold">
+                            <p:stCondLst>
+                              <p:cond delay="0"/>
+                            </p:stCondLst>
+                            <p:childTnLst>
+                              <p:par>
+                                <p:cTn id="21" presetID="1" presetClass="entr" presetSubtype="0" fill="hold" nodeType="clickEffect">
+                                  <p:stCondLst>
+                                    <p:cond delay="0"/>
+                                  </p:stCondLst>
+                                  <p:childTnLst>
+                                    <p:set>
+                                      <p:cBhvr>
+                                        <p:cTn id="22" dur="1" fill="hold">
+                                          <p:stCondLst>
+                                            <p:cond delay="0"/>
+                                          </p:stCondLst>
+                                        </p:cTn>
+                                        <p:tgtEl>
+                                          <p:spTgt spid="4">
+                                            <p:txEl>
+                                              <p:pRg st="8" end="8"/>
+                                            </p:txEl>
+                                          </p:spTgt>
+                                        </p:tgtEl>
+                                        <p:attrNameLst>
+                                          <p:attrName>style.visibility</p:attrName>
+                                        </p:attrNameLst>
+                                      </p:cBhvr>
+                                      <p:to>
+                                        <p:strVal val="visible"/>
+                                      </p:to>
+                                    </p:set>
+                                  </p:childTnLst>
+                                </p:cTn>
+                              </p:par>
+                            </p:childTnLst>
+                          </p:cTn>
+                        </p:par>
+                      </p:childTnLst>
+                    </p:cTn>
+                  </p:par>
+                  <p:par>
+                    <p:cTn id="23" fill="hold">
+                      <p:stCondLst>
+                        <p:cond delay="indefinite"/>
+                      </p:stCondLst>
+                      <p:childTnLst>
+                        <p:par>
+                          <p:cTn id="24" fill="hold">
+                            <p:stCondLst>
+                              <p:cond delay="0"/>
+                            </p:stCondLst>
+                            <p:childTnLst>
+                              <p:par>
+                                <p:cTn id="25" presetID="1" presetClass="entr" presetSubtype="0" fill="hold" nodeType="clickEffect">
+                                  <p:stCondLst>
+                                    <p:cond delay="0"/>
+                                  </p:stCondLst>
+                                  <p:childTnLst>
+                                    <p:set>
+                                      <p:cBhvr>
+                                        <p:cTn id="26" dur="1" fill="hold">
+                                          <p:stCondLst>
+                                            <p:cond delay="0"/>
+                                          </p:stCondLst>
+                                        </p:cTn>
+                                        <p:tgtEl>
+                                          <p:spTgt spid="4">
+                                            <p:txEl>
+                                              <p:pRg st="9" end="9"/>
+                                            </p:txEl>
+                                          </p:spTgt>
+                                        </p:tgtEl>
+                                        <p:attrNameLst>
+                                          <p:attrName>style.visibility</p:attrName>
+                                        </p:attrNameLst>
+                                      </p:cBhvr>
+                                      <p:to>
+                                        <p:strVal val="visible"/>
+                                      </p:to>
+                                    </p:set>
+                                  </p:childTnLst>
+                                </p:cTn>
+                              </p:par>
+                            </p:childTnLst>
+                          </p:cTn>
+                        </p:par>
+                      </p:childTnLst>
+                    </p:cTn>
+                  </p:par>
+                  <p:par>
+                    <p:cTn id="27" fill="hold">
+                      <p:stCondLst>
+                        <p:cond delay="indefinite"/>
+                      </p:stCondLst>
+                      <p:childTnLst>
+                        <p:par>
+                          <p:cTn id="28" fill="hold">
+                            <p:stCondLst>
+                              <p:cond delay="0"/>
+                            </p:stCondLst>
+                            <p:childTnLst>
+                              <p:par>
+                                <p:cTn id="29" presetID="1" presetClass="entr" presetSubtype="0" fill="hold" nodeType="clickEffect">
+                                  <p:stCondLst>
+                                    <p:cond delay="0"/>
+                                  </p:stCondLst>
+                                  <p:childTnLst>
+                                    <p:set>
+                                      <p:cBhvr>
+                                        <p:cTn id="30" dur="1" fill="hold">
+                                          <p:stCondLst>
+                                            <p:cond delay="0"/>
+                                          </p:stCondLst>
+                                        </p:cTn>
+                                        <p:tgtEl>
+                                          <p:spTgt spid="4">
+                                            <p:txEl>
+                                              <p:pRg st="11" end="11"/>
+                                            </p:txEl>
+                                          </p:spTgt>
+                                        </p:tgtEl>
+                                        <p:attrNameLst>
+                                          <p:attrName>style.visibility</p:attrName>
+                                        </p:attrNameLst>
+                                      </p:cBhvr>
+                                      <p:to>
+                                        <p:strVal val="visible"/>
+                                      </p:to>
+                                    </p:set>
+                                  </p:childTnLst>
+                                </p:cTn>
+                              </p:par>
+                            </p:childTnLst>
+                          </p:cTn>
+                        </p:par>
+                      </p:childTnLst>
+                    </p:cTn>
+                  </p:par>
+                  <p:par>
+                    <p:cTn id="31" fill="hold">
+                      <p:stCondLst>
+                        <p:cond delay="indefinite"/>
+                      </p:stCondLst>
+                      <p:childTnLst>
+                        <p:par>
+                          <p:cTn id="32" fill="hold">
+                            <p:stCondLst>
+                              <p:cond delay="0"/>
+                            </p:stCondLst>
+                            <p:childTnLst>
+                              <p:par>
+                                <p:cTn id="33" presetID="1" presetClass="entr" presetSubtype="0" fill="hold" nodeType="clickEffect">
+                                  <p:stCondLst>
+                                    <p:cond delay="0"/>
+                                  </p:stCondLst>
+                                  <p:childTnLst>
+                                    <p:set>
+                                      <p:cBhvr>
+                                        <p:cTn id="34" dur="1" fill="hold">
+                                          <p:stCondLst>
+                                            <p:cond delay="0"/>
+                                          </p:stCondLst>
+                                        </p:cTn>
+                                        <p:tgtEl>
+                                          <p:spTgt spid="4">
+                                            <p:txEl>
+                                              <p:pRg st="12" end="12"/>
+                                            </p:txEl>
+                                          </p:spTgt>
+                                        </p:tgtEl>
+                                        <p:attrNameLst>
+                                          <p:attrName>style.visibility</p:attrName>
+                                        </p:attrNameLst>
+                                      </p:cBhvr>
+                                      <p:to>
+                                        <p:strVal val="visible"/>
+                                      </p:to>
+                                    </p:set>
+                                  </p:childTnLst>
+                                </p:cTn>
+                              </p:par>
+                            </p:childTnLst>
+                          </p:cTn>
+                        </p:par>
+                      </p:childTnLst>
+                    </p:cTn>
+                  </p:par>
+                </p:childTnLst>
+              </p:cTn>
+              <p:prevCondLst>
+                <p:cond evt="onPrev" delay="0">
+                  <p:tgtEl>
+                    <p:sldTgt/>
+                  </p:tgtEl>
+                </p:cond>
+              </p:prevCondLst>
+              <p:nextCondLst>
+                <p:cond evt="onNext" delay="0">
+                  <p:tgtEl>
+                    <p:sldTgt/>
+                  </p:tgtEl>
+                </p:cond>
+              </p:nextCondLst>
+            </p:seq>
+          </p:childTnLst>
+        </p:cTn>
+      </p:par>
+    </p:tnLst>
+  </p:timing>
+</p:sld>
+</file>
+
+<file path=ppt/slides/slide12.xml><?xml version="1.0" encoding="utf-8"?>
+<p:sld xmlns:a="http://schemas.openxmlformats.org/drawingml/2006/main" xmlns:r="http://schemas.openxmlformats.org/officeDocument/2006/relationships" xmlns:p="http://schemas.openxmlformats.org/presentationml/2006/main">
+  <p:cSld>
+    <p:spTree>
+      <p:nvGrpSpPr>
+        <p:cNvPr id="1" name="">
+          <a:extLst>
+            <a:ext uri="{FF2B5EF4-FFF2-40B4-BE49-F238E27FC236}">
+              <a16:creationId xmlns:a16="http://schemas.microsoft.com/office/drawing/2014/main" id="{D0FA9A1F-DF43-6F6B-3197-133B606D6C73}"/>
+            </a:ext>
+          </a:extLst>
+        </p:cNvPr>
+        <p:cNvGrpSpPr/>
+        <p:nvPr/>
+      </p:nvGrpSpPr>
+      <p:grpSpPr>
+        <a:xfrm>
+          <a:off x="0" y="0"/>
+          <a:ext cx="0" cy="0"/>
+          <a:chOff x="0" y="0"/>
+          <a:chExt cx="0" cy="0"/>
+        </a:xfrm>
+      </p:grpSpPr>
+      <p:sp>
+        <p:nvSpPr>
+          <p:cNvPr id="3" name="Subtitle 2">
+            <a:extLst>
+              <a:ext uri="{FF2B5EF4-FFF2-40B4-BE49-F238E27FC236}">
+                <a16:creationId xmlns:a16="http://schemas.microsoft.com/office/drawing/2014/main" id="{9E2C2CBD-A948-BB41-A7D4-8C345D05C008}"/>
+              </a:ext>
+            </a:extLst>
+          </p:cNvPr>
+          <p:cNvSpPr>
+            <a:spLocks noGrp="1"/>
+          </p:cNvSpPr>
+          <p:nvPr>
+            <p:ph type="subTitle" idx="1"/>
+          </p:nvPr>
+        </p:nvSpPr>
+        <p:spPr>
+          <a:xfrm>
+            <a:off x="97970" y="293688"/>
+            <a:ext cx="9436448" cy="303212"/>
+          </a:xfrm>
+        </p:spPr>
+        <p:txBody>
+          <a:bodyPr>
+            <a:normAutofit fontScale="92500" lnSpcReduction="20000"/>
+          </a:bodyPr>
+          <a:lstStyle/>
+          <a:p>
+            <a:r>
+              <a:rPr lang="en-US" sz="1800" b="1" dirty="0"/>
+              <a:t>13.1 Creating ande manipulating Strings </a:t>
+            </a:r>
+            <a:r>
+              <a:rPr lang="en-US" sz="1800" dirty="0"/>
+              <a:t>– 13.1.6 Using the methods of the String class</a:t>
+            </a:r>
+            <a:endParaRPr lang="en-US" sz="1800" b="1" dirty="0"/>
+          </a:p>
+        </p:txBody>
+      </p:sp>
+      <p:sp>
+        <p:nvSpPr>
+          <p:cNvPr id="4" name="Subtitle 2">
+            <a:extLst>
+              <a:ext uri="{FF2B5EF4-FFF2-40B4-BE49-F238E27FC236}">
+                <a16:creationId xmlns:a16="http://schemas.microsoft.com/office/drawing/2014/main" id="{D35FBDCD-F7BB-B46D-4C68-6685ED516DC5}"/>
+              </a:ext>
+            </a:extLst>
+          </p:cNvPr>
+          <p:cNvSpPr txBox="1">
+            <a:spLocks/>
+          </p:cNvSpPr>
+          <p:nvPr/>
+        </p:nvSpPr>
+        <p:spPr>
+          <a:xfrm>
+            <a:off x="0" y="820738"/>
+            <a:ext cx="12192000" cy="6037262"/>
+          </a:xfrm>
+          <a:prstGeom prst="rect">
+            <a:avLst/>
+          </a:prstGeom>
+        </p:spPr>
+        <p:txBody>
+          <a:bodyPr vert="horz" lIns="91440" tIns="45720" rIns="91440" bIns="45720" rtlCol="0">
+            <a:normAutofit/>
+          </a:bodyPr>
+          <a:lstStyle>
+            <a:lvl1pPr marL="0" indent="0" algn="ctr" defTabSz="914400" rtl="0" eaLnBrk="1" latinLnBrk="0" hangingPunct="1">
+              <a:lnSpc>
+                <a:spcPct val="90000"/>
+              </a:lnSpc>
+              <a:spcBef>
+                <a:spcPts val="1000"/>
+              </a:spcBef>
+              <a:buFont typeface="Arial" panose="020B0604020202020204" pitchFamily="34" charset="0"/>
+              <a:buNone/>
+              <a:defRPr sz="2400" kern="1200">
+                <a:solidFill>
+                  <a:schemeClr val="tx1"/>
+                </a:solidFill>
+                <a:latin typeface="+mn-lt"/>
+                <a:ea typeface="+mn-ea"/>
+                <a:cs typeface="+mn-cs"/>
+              </a:defRPr>
+            </a:lvl1pPr>
+            <a:lvl2pPr marL="457200" indent="0" algn="ctr" defTabSz="914400" rtl="0" eaLnBrk="1" latinLnBrk="0" hangingPunct="1">
+              <a:lnSpc>
+                <a:spcPct val="90000"/>
+              </a:lnSpc>
+              <a:spcBef>
+                <a:spcPts val="500"/>
+              </a:spcBef>
+              <a:buFont typeface="Arial" panose="020B0604020202020204" pitchFamily="34" charset="0"/>
+              <a:buNone/>
+              <a:defRPr sz="2000" kern="1200">
+                <a:solidFill>
+                  <a:schemeClr val="tx1"/>
+                </a:solidFill>
+                <a:latin typeface="+mn-lt"/>
+                <a:ea typeface="+mn-ea"/>
+                <a:cs typeface="+mn-cs"/>
+              </a:defRPr>
+            </a:lvl2pPr>
+            <a:lvl3pPr marL="914400" indent="0" algn="ctr" defTabSz="914400" rtl="0" eaLnBrk="1" latinLnBrk="0" hangingPunct="1">
+              <a:lnSpc>
+                <a:spcPct val="90000"/>
+              </a:lnSpc>
+              <a:spcBef>
+                <a:spcPts val="500"/>
+              </a:spcBef>
+              <a:buFont typeface="Arial" panose="020B0604020202020204" pitchFamily="34" charset="0"/>
+              <a:buNone/>
+              <a:defRPr sz="1800" kern="1200">
+                <a:solidFill>
+                  <a:schemeClr val="tx1"/>
+                </a:solidFill>
+                <a:latin typeface="+mn-lt"/>
+                <a:ea typeface="+mn-ea"/>
+                <a:cs typeface="+mn-cs"/>
+              </a:defRPr>
+            </a:lvl3pPr>
+            <a:lvl4pPr marL="1371600" indent="0" algn="ctr" defTabSz="914400" rtl="0" eaLnBrk="1" latinLnBrk="0" hangingPunct="1">
+              <a:lnSpc>
+                <a:spcPct val="90000"/>
+              </a:lnSpc>
+              <a:spcBef>
+                <a:spcPts val="500"/>
+              </a:spcBef>
+              <a:buFont typeface="Arial" panose="020B0604020202020204" pitchFamily="34" charset="0"/>
+              <a:buNone/>
+              <a:defRPr sz="1600" kern="1200">
+                <a:solidFill>
+                  <a:schemeClr val="tx1"/>
+                </a:solidFill>
+                <a:latin typeface="+mn-lt"/>
+                <a:ea typeface="+mn-ea"/>
+                <a:cs typeface="+mn-cs"/>
+              </a:defRPr>
+            </a:lvl4pPr>
+            <a:lvl5pPr marL="1828800" indent="0" algn="ctr" defTabSz="914400" rtl="0" eaLnBrk="1" latinLnBrk="0" hangingPunct="1">
+              <a:lnSpc>
+                <a:spcPct val="90000"/>
+              </a:lnSpc>
+              <a:spcBef>
+                <a:spcPts val="500"/>
+              </a:spcBef>
+              <a:buFont typeface="Arial" panose="020B0604020202020204" pitchFamily="34" charset="0"/>
+              <a:buNone/>
+              <a:defRPr sz="1600" kern="1200">
+                <a:solidFill>
+                  <a:schemeClr val="tx1"/>
+                </a:solidFill>
+                <a:latin typeface="+mn-lt"/>
+                <a:ea typeface="+mn-ea"/>
+                <a:cs typeface="+mn-cs"/>
+              </a:defRPr>
+            </a:lvl5pPr>
+            <a:lvl6pPr marL="2286000" indent="0" algn="ctr" defTabSz="914400" rtl="0" eaLnBrk="1" latinLnBrk="0" hangingPunct="1">
+              <a:lnSpc>
+                <a:spcPct val="90000"/>
+              </a:lnSpc>
+              <a:spcBef>
+                <a:spcPts val="500"/>
+              </a:spcBef>
+              <a:buFont typeface="Arial" panose="020B0604020202020204" pitchFamily="34" charset="0"/>
+              <a:buNone/>
+              <a:defRPr sz="1600" kern="1200">
+                <a:solidFill>
+                  <a:schemeClr val="tx1"/>
+                </a:solidFill>
+                <a:latin typeface="+mn-lt"/>
+                <a:ea typeface="+mn-ea"/>
+                <a:cs typeface="+mn-cs"/>
+              </a:defRPr>
+            </a:lvl6pPr>
+            <a:lvl7pPr marL="2743200" indent="0" algn="ctr" defTabSz="914400" rtl="0" eaLnBrk="1" latinLnBrk="0" hangingPunct="1">
+              <a:lnSpc>
+                <a:spcPct val="90000"/>
+              </a:lnSpc>
+              <a:spcBef>
+                <a:spcPts val="500"/>
+              </a:spcBef>
+              <a:buFont typeface="Arial" panose="020B0604020202020204" pitchFamily="34" charset="0"/>
+              <a:buNone/>
+              <a:defRPr sz="1600" kern="1200">
+                <a:solidFill>
+                  <a:schemeClr val="tx1"/>
+                </a:solidFill>
+                <a:latin typeface="+mn-lt"/>
+                <a:ea typeface="+mn-ea"/>
+                <a:cs typeface="+mn-cs"/>
+              </a:defRPr>
+            </a:lvl7pPr>
+            <a:lvl8pPr marL="3200400" indent="0" algn="ctr" defTabSz="914400" rtl="0" eaLnBrk="1" latinLnBrk="0" hangingPunct="1">
+              <a:lnSpc>
+                <a:spcPct val="90000"/>
+              </a:lnSpc>
+              <a:spcBef>
+                <a:spcPts val="500"/>
+              </a:spcBef>
+              <a:buFont typeface="Arial" panose="020B0604020202020204" pitchFamily="34" charset="0"/>
+              <a:buNone/>
+              <a:defRPr sz="1600" kern="1200">
+                <a:solidFill>
+                  <a:schemeClr val="tx1"/>
+                </a:solidFill>
+                <a:latin typeface="+mn-lt"/>
+                <a:ea typeface="+mn-ea"/>
+                <a:cs typeface="+mn-cs"/>
+              </a:defRPr>
+            </a:lvl8pPr>
+            <a:lvl9pPr marL="3657600" indent="0" algn="ctr" defTabSz="914400" rtl="0" eaLnBrk="1" latinLnBrk="0" hangingPunct="1">
+              <a:lnSpc>
+                <a:spcPct val="90000"/>
+              </a:lnSpc>
+              <a:spcBef>
+                <a:spcPts val="500"/>
+              </a:spcBef>
+              <a:buFont typeface="Arial" panose="020B0604020202020204" pitchFamily="34" charset="0"/>
+              <a:buNone/>
+              <a:defRPr sz="1600" kern="1200">
+                <a:solidFill>
+                  <a:schemeClr val="tx1"/>
+                </a:solidFill>
+                <a:latin typeface="+mn-lt"/>
+                <a:ea typeface="+mn-ea"/>
+                <a:cs typeface="+mn-cs"/>
+              </a:defRPr>
+            </a:lvl9pPr>
+          </a:lstStyle>
+          <a:p>
+            <a:pPr algn="l"/>
+            <a:r>
+              <a:rPr lang="en-US" sz="1800" dirty="0"/>
+              <a:t>String concat(String str)</a:t>
+            </a:r>
+          </a:p>
+          <a:p>
+            <a:pPr algn="l"/>
+            <a:endParaRPr lang="en-US" sz="1800" dirty="0"/>
+          </a:p>
+          <a:p>
+            <a:pPr algn="l"/>
+            <a:r>
+              <a:rPr lang="en-US" sz="1800" dirty="0"/>
+              <a:t>String toLowerCase() / String toUpperCase()</a:t>
+            </a:r>
+          </a:p>
+          <a:p>
+            <a:pPr algn="l"/>
+            <a:endParaRPr lang="en-US" sz="1800" dirty="0"/>
+          </a:p>
+          <a:p>
+            <a:pPr algn="l"/>
+            <a:r>
+              <a:rPr lang="en-US" sz="1800" dirty="0"/>
+              <a:t>String replace (char oldChar, char newChar)</a:t>
+            </a:r>
+          </a:p>
+          <a:p>
+            <a:pPr algn="l"/>
+            <a:endParaRPr lang="en-US" sz="1800" dirty="0"/>
+          </a:p>
+          <a:p>
+            <a:pPr algn="l"/>
+            <a:r>
+              <a:rPr lang="en-US" sz="1800" dirty="0"/>
+              <a:t>String trim()</a:t>
+            </a:r>
+          </a:p>
+          <a:p>
+            <a:pPr algn="l"/>
+            <a:r>
+              <a:rPr lang="en-US" sz="1800" dirty="0"/>
+              <a:t>(code illustration snippet 22 – 23 - 24)</a:t>
+            </a:r>
+          </a:p>
+          <a:p>
+            <a:pPr algn="l"/>
+            <a:endParaRPr lang="en-US" sz="1800" dirty="0"/>
+          </a:p>
+          <a:p>
+            <a:pPr algn="l"/>
+            <a:r>
+              <a:rPr lang="en-US" sz="1800" dirty="0"/>
+              <a:t>boolean startWith(String prefix) </a:t>
+            </a:r>
+          </a:p>
+          <a:p>
+            <a:pPr algn="l"/>
+            <a:endParaRPr lang="en-US" sz="1800" dirty="0"/>
+          </a:p>
+          <a:p>
+            <a:pPr algn="l"/>
+            <a:r>
+              <a:rPr lang="en-US" sz="1800" dirty="0"/>
+              <a:t>boolean endWith(String suffix)</a:t>
+            </a:r>
+          </a:p>
+          <a:p>
+            <a:pPr algn="l"/>
+            <a:endParaRPr lang="en-US" sz="1800" dirty="0"/>
+          </a:p>
+          <a:p>
+            <a:pPr algn="l"/>
+            <a:r>
+              <a:rPr lang="en-US" sz="1800" dirty="0"/>
+              <a:t>boolean contains(CharSequence s)</a:t>
+            </a:r>
+          </a:p>
+          <a:p>
+            <a:pPr algn="l"/>
+            <a:endParaRPr lang="en-US" sz="1800" dirty="0"/>
+          </a:p>
+          <a:p>
+            <a:pPr algn="l"/>
+            <a:r>
+              <a:rPr lang="en-US" sz="1800" dirty="0"/>
+              <a:t>boolean equals(Object object) </a:t>
+            </a:r>
+            <a:r>
+              <a:rPr lang="en-US" sz="800" dirty="0"/>
+              <a:t>&lt;explain why it is Object ?&gt;</a:t>
+            </a:r>
+          </a:p>
+        </p:txBody>
+      </p:sp>
+    </p:spTree>
+    <p:extLst>
+      <p:ext uri="{BB962C8B-B14F-4D97-AF65-F5344CB8AC3E}">
+        <p14:creationId xmlns:p14="http://schemas.microsoft.com/office/powerpoint/2010/main" val="746855086"/>
+      </p:ext>
+    </p:extLst>
+  </p:cSld>
+  <p:clrMapOvr>
+    <a:masterClrMapping/>
+  </p:clrMapOvr>
+  <p:timing>
+    <p:tnLst>
+      <p:par>
+        <p:cTn id="1" dur="indefinite" restart="never" nodeType="tmRoot">
+          <p:childTnLst>
+            <p:seq concurrent="1" nextAc="seek">
+              <p:cTn id="2" dur="indefinite" nodeType="mainSeq">
+                <p:childTnLst>
+                  <p:par>
+                    <p:cTn id="3" fill="hold">
+                      <p:stCondLst>
+                        <p:cond delay="indefinite"/>
+                      </p:stCondLst>
+                      <p:childTnLst>
+                        <p:par>
+                          <p:cTn id="4" fill="hold">
+                            <p:stCondLst>
+                              <p:cond delay="0"/>
+                            </p:stCondLst>
+                            <p:childTnLst>
+                              <p:par>
+                                <p:cTn id="5" presetID="1" presetClass="entr" presetSubtype="0" fill="hold" nodeType="clickEffect">
+                                  <p:stCondLst>
+                                    <p:cond delay="0"/>
+                                  </p:stCondLst>
+                                  <p:childTnLst>
+                                    <p:set>
+                                      <p:cBhvr>
+                                        <p:cTn id="6" dur="1" fill="hold">
+                                          <p:stCondLst>
+                                            <p:cond delay="0"/>
+                                          </p:stCondLst>
+                                        </p:cTn>
+                                        <p:tgtEl>
+                                          <p:spTgt spid="4">
+                                            <p:txEl>
+                                              <p:pRg st="0" end="0"/>
+                                            </p:txEl>
+                                          </p:spTgt>
+                                        </p:tgtEl>
+                                        <p:attrNameLst>
+                                          <p:attrName>style.visibility</p:attrName>
+                                        </p:attrNameLst>
+                                      </p:cBhvr>
+                                      <p:to>
+                                        <p:strVal val="visible"/>
+                                      </p:to>
+                                    </p:set>
+                                  </p:childTnLst>
+                                </p:cTn>
+                              </p:par>
+                            </p:childTnLst>
+                          </p:cTn>
+                        </p:par>
+                      </p:childTnLst>
+                    </p:cTn>
+                  </p:par>
+                  <p:par>
+                    <p:cTn id="7" fill="hold">
+                      <p:stCondLst>
+                        <p:cond delay="indefinite"/>
+                      </p:stCondLst>
+                      <p:childTnLst>
+                        <p:par>
+                          <p:cTn id="8" fill="hold">
+                            <p:stCondLst>
+                              <p:cond delay="0"/>
+                            </p:stCondLst>
+                            <p:childTnLst>
+                              <p:par>
+                                <p:cTn id="9" presetID="1" presetClass="entr" presetSubtype="0" fill="hold" nodeType="clickEffect">
+                                  <p:stCondLst>
+                                    <p:cond delay="0"/>
+                                  </p:stCondLst>
+                                  <p:childTnLst>
+                                    <p:set>
+                                      <p:cBhvr>
+                                        <p:cTn id="10" dur="1" fill="hold">
+                                          <p:stCondLst>
+                                            <p:cond delay="0"/>
+                                          </p:stCondLst>
+                                        </p:cTn>
+                                        <p:tgtEl>
+                                          <p:spTgt spid="4">
+                                            <p:txEl>
+                                              <p:pRg st="2" end="2"/>
+                                            </p:txEl>
+                                          </p:spTgt>
+                                        </p:tgtEl>
+                                        <p:attrNameLst>
+                                          <p:attrName>style.visibility</p:attrName>
+                                        </p:attrNameLst>
+                                      </p:cBhvr>
+                                      <p:to>
+                                        <p:strVal val="visible"/>
+                                      </p:to>
+                                    </p:set>
+                                  </p:childTnLst>
+                                </p:cTn>
+                              </p:par>
+                            </p:childTnLst>
+                          </p:cTn>
+                        </p:par>
+                      </p:childTnLst>
+                    </p:cTn>
+                  </p:par>
+                  <p:par>
+                    <p:cTn id="11" fill="hold">
+                      <p:stCondLst>
+                        <p:cond delay="indefinite"/>
+                      </p:stCondLst>
+                      <p:childTnLst>
+                        <p:par>
+                          <p:cTn id="12" fill="hold">
+                            <p:stCondLst>
+                              <p:cond delay="0"/>
+                            </p:stCondLst>
+                            <p:childTnLst>
+                              <p:par>
+                                <p:cTn id="13" presetID="1" presetClass="entr" presetSubtype="0" fill="hold" nodeType="clickEffect">
+                                  <p:stCondLst>
+                                    <p:cond delay="0"/>
+                                  </p:stCondLst>
+                                  <p:childTnLst>
+                                    <p:set>
+                                      <p:cBhvr>
+                                        <p:cTn id="14" dur="1" fill="hold">
+                                          <p:stCondLst>
+                                            <p:cond delay="0"/>
+                                          </p:stCondLst>
+                                        </p:cTn>
+                                        <p:tgtEl>
+                                          <p:spTgt spid="4">
+                                            <p:txEl>
+                                              <p:pRg st="4" end="4"/>
+                                            </p:txEl>
+                                          </p:spTgt>
+                                        </p:tgtEl>
+                                        <p:attrNameLst>
+                                          <p:attrName>style.visibility</p:attrName>
+                                        </p:attrNameLst>
+                                      </p:cBhvr>
+                                      <p:to>
+                                        <p:strVal val="visible"/>
+                                      </p:to>
+                                    </p:set>
+                                  </p:childTnLst>
+                                </p:cTn>
+                              </p:par>
+                            </p:childTnLst>
+                          </p:cTn>
+                        </p:par>
+                      </p:childTnLst>
+                    </p:cTn>
+                  </p:par>
+                  <p:par>
+                    <p:cTn id="15" fill="hold">
+                      <p:stCondLst>
+                        <p:cond delay="indefinite"/>
+                      </p:stCondLst>
+                      <p:childTnLst>
+                        <p:par>
+                          <p:cTn id="16" fill="hold">
+                            <p:stCondLst>
+                              <p:cond delay="0"/>
+                            </p:stCondLst>
+                            <p:childTnLst>
+                              <p:par>
+                                <p:cTn id="17" presetID="1" presetClass="entr" presetSubtype="0" fill="hold" nodeType="clickEffect">
+                                  <p:stCondLst>
+                                    <p:cond delay="0"/>
+                                  </p:stCondLst>
+                                  <p:childTnLst>
+                                    <p:set>
+                                      <p:cBhvr>
+                                        <p:cTn id="18" dur="1" fill="hold">
+                                          <p:stCondLst>
+                                            <p:cond delay="0"/>
+                                          </p:stCondLst>
+                                        </p:cTn>
+                                        <p:tgtEl>
+                                          <p:spTgt spid="4">
+                                            <p:txEl>
+                                              <p:pRg st="6" end="6"/>
+                                            </p:txEl>
+                                          </p:spTgt>
+                                        </p:tgtEl>
+                                        <p:attrNameLst>
+                                          <p:attrName>style.visibility</p:attrName>
+                                        </p:attrNameLst>
+                                      </p:cBhvr>
+                                      <p:to>
+                                        <p:strVal val="visible"/>
+                                      </p:to>
+                                    </p:set>
+                                  </p:childTnLst>
+                                </p:cTn>
+                              </p:par>
+                            </p:childTnLst>
+                          </p:cTn>
+                        </p:par>
+                      </p:childTnLst>
+                    </p:cTn>
+                  </p:par>
+                  <p:par>
+                    <p:cTn id="19" fill="hold">
+                      <p:stCondLst>
+                        <p:cond delay="indefinite"/>
+                      </p:stCondLst>
+                      <p:childTnLst>
+                        <p:par>
+                          <p:cTn id="20" fill="hold">
+                            <p:stCondLst>
+                              <p:cond delay="0"/>
+                            </p:stCondLst>
+                            <p:childTnLst>
+                              <p:par>
+                                <p:cTn id="21" presetID="1" presetClass="entr" presetSubtype="0" fill="hold" nodeType="clickEffect">
+                                  <p:stCondLst>
+                                    <p:cond delay="0"/>
+                                  </p:stCondLst>
+                                  <p:childTnLst>
+                                    <p:set>
+                                      <p:cBhvr>
+                                        <p:cTn id="22" dur="1" fill="hold">
+                                          <p:stCondLst>
+                                            <p:cond delay="0"/>
+                                          </p:stCondLst>
+                                        </p:cTn>
+                                        <p:tgtEl>
+                                          <p:spTgt spid="4">
+                                            <p:txEl>
+                                              <p:pRg st="7" end="7"/>
+                                            </p:txEl>
+                                          </p:spTgt>
+                                        </p:tgtEl>
+                                        <p:attrNameLst>
+                                          <p:attrName>style.visibility</p:attrName>
+                                        </p:attrNameLst>
+                                      </p:cBhvr>
+                                      <p:to>
+                                        <p:strVal val="visible"/>
+                                      </p:to>
+                                    </p:set>
+                                  </p:childTnLst>
+                                </p:cTn>
+                              </p:par>
+                            </p:childTnLst>
+                          </p:cTn>
+                        </p:par>
+                      </p:childTnLst>
+                    </p:cTn>
+                  </p:par>
+                  <p:par>
+                    <p:cTn id="23" fill="hold">
+                      <p:stCondLst>
+                        <p:cond delay="indefinite"/>
+                      </p:stCondLst>
+                      <p:childTnLst>
+                        <p:par>
+                          <p:cTn id="24" fill="hold">
+                            <p:stCondLst>
+                              <p:cond delay="0"/>
+                            </p:stCondLst>
+                            <p:childTnLst>
+                              <p:par>
+                                <p:cTn id="25" presetID="1" presetClass="entr" presetSubtype="0" fill="hold" nodeType="clickEffect">
+                                  <p:stCondLst>
+                                    <p:cond delay="0"/>
+                                  </p:stCondLst>
+                                  <p:childTnLst>
+                                    <p:set>
+                                      <p:cBhvr>
+                                        <p:cTn id="26" dur="1" fill="hold">
+                                          <p:stCondLst>
+                                            <p:cond delay="0"/>
+                                          </p:stCondLst>
+                                        </p:cTn>
+                                        <p:tgtEl>
+                                          <p:spTgt spid="4">
+                                            <p:txEl>
+                                              <p:pRg st="9" end="9"/>
+                                            </p:txEl>
+                                          </p:spTgt>
+                                        </p:tgtEl>
+                                        <p:attrNameLst>
+                                          <p:attrName>style.visibility</p:attrName>
+                                        </p:attrNameLst>
+                                      </p:cBhvr>
+                                      <p:to>
+                                        <p:strVal val="visible"/>
+                                      </p:to>
+                                    </p:set>
+                                  </p:childTnLst>
+                                </p:cTn>
+                              </p:par>
+                            </p:childTnLst>
+                          </p:cTn>
+                        </p:par>
+                      </p:childTnLst>
+                    </p:cTn>
+                  </p:par>
+                  <p:par>
+                    <p:cTn id="27" fill="hold">
+                      <p:stCondLst>
+                        <p:cond delay="indefinite"/>
+                      </p:stCondLst>
+                      <p:childTnLst>
+                        <p:par>
+                          <p:cTn id="28" fill="hold">
+                            <p:stCondLst>
+                              <p:cond delay="0"/>
+                            </p:stCondLst>
+                            <p:childTnLst>
+                              <p:par>
+                                <p:cTn id="29" presetID="1" presetClass="entr" presetSubtype="0" fill="hold" nodeType="clickEffect">
+                                  <p:stCondLst>
+                                    <p:cond delay="0"/>
+                                  </p:stCondLst>
+                                  <p:childTnLst>
+                                    <p:set>
+                                      <p:cBhvr>
+                                        <p:cTn id="30" dur="1" fill="hold">
+                                          <p:stCondLst>
+                                            <p:cond delay="0"/>
+                                          </p:stCondLst>
+                                        </p:cTn>
+                                        <p:tgtEl>
+                                          <p:spTgt spid="4">
+                                            <p:txEl>
+                                              <p:pRg st="11" end="11"/>
+                                            </p:txEl>
+                                          </p:spTgt>
+                                        </p:tgtEl>
+                                        <p:attrNameLst>
+                                          <p:attrName>style.visibility</p:attrName>
+                                        </p:attrNameLst>
+                                      </p:cBhvr>
+                                      <p:to>
+                                        <p:strVal val="visible"/>
+                                      </p:to>
+                                    </p:set>
+                                  </p:childTnLst>
+                                </p:cTn>
+                              </p:par>
+                            </p:childTnLst>
+                          </p:cTn>
+                        </p:par>
+                      </p:childTnLst>
+                    </p:cTn>
+                  </p:par>
+                  <p:par>
+                    <p:cTn id="31" fill="hold">
+                      <p:stCondLst>
+                        <p:cond delay="indefinite"/>
+                      </p:stCondLst>
+                      <p:childTnLst>
+                        <p:par>
+                          <p:cTn id="32" fill="hold">
+                            <p:stCondLst>
+                              <p:cond delay="0"/>
+                            </p:stCondLst>
+                            <p:childTnLst>
+                              <p:par>
+                                <p:cTn id="33" presetID="1" presetClass="entr" presetSubtype="0" fill="hold" nodeType="clickEffect">
+                                  <p:stCondLst>
+                                    <p:cond delay="0"/>
+                                  </p:stCondLst>
+                                  <p:childTnLst>
+                                    <p:set>
+                                      <p:cBhvr>
+                                        <p:cTn id="34" dur="1" fill="hold">
+                                          <p:stCondLst>
+                                            <p:cond delay="0"/>
+                                          </p:stCondLst>
+                                        </p:cTn>
+                                        <p:tgtEl>
+                                          <p:spTgt spid="4">
+                                            <p:txEl>
+                                              <p:pRg st="13" end="13"/>
+                                            </p:txEl>
+                                          </p:spTgt>
+                                        </p:tgtEl>
+                                        <p:attrNameLst>
+                                          <p:attrName>style.visibility</p:attrName>
+                                        </p:attrNameLst>
+                                      </p:cBhvr>
+                                      <p:to>
+                                        <p:strVal val="visible"/>
+                                      </p:to>
+                                    </p:set>
+                                  </p:childTnLst>
+                                </p:cTn>
+                              </p:par>
+                            </p:childTnLst>
+                          </p:cTn>
+                        </p:par>
+                      </p:childTnLst>
+                    </p:cTn>
+                  </p:par>
+                  <p:par>
+                    <p:cTn id="35" fill="hold">
+                      <p:stCondLst>
+                        <p:cond delay="indefinite"/>
+                      </p:stCondLst>
+                      <p:childTnLst>
+                        <p:par>
+                          <p:cTn id="36" fill="hold">
+                            <p:stCondLst>
+                              <p:cond delay="0"/>
+                            </p:stCondLst>
+                            <p:childTnLst>
+                              <p:par>
+                                <p:cTn id="37" presetID="1" presetClass="entr" presetSubtype="0" fill="hold" nodeType="clickEffect">
+                                  <p:stCondLst>
+                                    <p:cond delay="0"/>
+                                  </p:stCondLst>
+                                  <p:childTnLst>
+                                    <p:set>
+                                      <p:cBhvr>
+                                        <p:cTn id="38" dur="1" fill="hold">
+                                          <p:stCondLst>
+                                            <p:cond delay="0"/>
+                                          </p:stCondLst>
+                                        </p:cTn>
+                                        <p:tgtEl>
+                                          <p:spTgt spid="4">
+                                            <p:txEl>
+                                              <p:pRg st="15" end="15"/>
+                                            </p:txEl>
+                                          </p:spTgt>
+                                        </p:tgtEl>
+                                        <p:attrNameLst>
+                                          <p:attrName>style.visibility</p:attrName>
+                                        </p:attrNameLst>
+                                      </p:cBhvr>
+                                      <p:to>
+                                        <p:strVal val="visible"/>
+                                      </p:to>
+                                    </p:set>
+                                  </p:childTnLst>
+                                </p:cTn>
+                              </p:par>
+                            </p:childTnLst>
+                          </p:cTn>
+                        </p:par>
+                      </p:childTnLst>
+                    </p:cTn>
+                  </p:par>
+                </p:childTnLst>
+              </p:cTn>
+              <p:prevCondLst>
+                <p:cond evt="onPrev" delay="0">
+                  <p:tgtEl>
+                    <p:sldTgt/>
+                  </p:tgtEl>
+                </p:cond>
+              </p:prevCondLst>
+              <p:nextCondLst>
+                <p:cond evt="onNext" delay="0">
+                  <p:tgtEl>
+                    <p:sldTgt/>
+                  </p:tgtEl>
+                </p:cond>
+              </p:nextCondLst>
+            </p:seq>
+          </p:childTnLst>
+        </p:cTn>
+      </p:par>
+    </p:tnLst>
+  </p:timing>
+</p:sld>
+</file>
+
+<file path=ppt/slides/slide13.xml><?xml version="1.0" encoding="utf-8"?>
+<p:sld xmlns:a="http://schemas.openxmlformats.org/drawingml/2006/main" xmlns:r="http://schemas.openxmlformats.org/officeDocument/2006/relationships" xmlns:p="http://schemas.openxmlformats.org/presentationml/2006/main">
+  <p:cSld>
+    <p:spTree>
+      <p:nvGrpSpPr>
+        <p:cNvPr id="1" name="">
+          <a:extLst>
+            <a:ext uri="{FF2B5EF4-FFF2-40B4-BE49-F238E27FC236}">
+              <a16:creationId xmlns:a16="http://schemas.microsoft.com/office/drawing/2014/main" id="{86554F7B-A9F1-66D9-132B-62DE209A02F8}"/>
+            </a:ext>
+          </a:extLst>
+        </p:cNvPr>
+        <p:cNvGrpSpPr/>
+        <p:nvPr/>
+      </p:nvGrpSpPr>
+      <p:grpSpPr>
+        <a:xfrm>
+          <a:off x="0" y="0"/>
+          <a:ext cx="0" cy="0"/>
+          <a:chOff x="0" y="0"/>
+          <a:chExt cx="0" cy="0"/>
+        </a:xfrm>
+      </p:grpSpPr>
+      <p:sp>
+        <p:nvSpPr>
+          <p:cNvPr id="3" name="Subtitle 2">
+            <a:extLst>
+              <a:ext uri="{FF2B5EF4-FFF2-40B4-BE49-F238E27FC236}">
+                <a16:creationId xmlns:a16="http://schemas.microsoft.com/office/drawing/2014/main" id="{CD3BEA8E-0D42-9073-46A9-7EE8FFC4ACDB}"/>
+              </a:ext>
+            </a:extLst>
+          </p:cNvPr>
+          <p:cNvSpPr>
+            <a:spLocks noGrp="1"/>
+          </p:cNvSpPr>
+          <p:nvPr>
+            <p:ph type="subTitle" idx="1"/>
+          </p:nvPr>
+        </p:nvSpPr>
+        <p:spPr>
+          <a:xfrm>
+            <a:off x="97970" y="293688"/>
+            <a:ext cx="9436448" cy="303212"/>
+          </a:xfrm>
+        </p:spPr>
+        <p:txBody>
+          <a:bodyPr>
+            <a:normAutofit fontScale="92500" lnSpcReduction="20000"/>
+          </a:bodyPr>
+          <a:lstStyle/>
+          <a:p>
+            <a:r>
+              <a:rPr lang="en-US" sz="1800" b="1" dirty="0"/>
+              <a:t>13.1 Creating ande manipulating Strings </a:t>
+            </a:r>
+            <a:r>
+              <a:rPr lang="en-US" sz="1800" dirty="0"/>
+              <a:t>– 13.1.6 Using the methods of the String class</a:t>
+            </a:r>
+            <a:endParaRPr lang="en-US" sz="1800" b="1" dirty="0"/>
+          </a:p>
+        </p:txBody>
+      </p:sp>
+      <p:sp>
+        <p:nvSpPr>
+          <p:cNvPr id="4" name="Subtitle 2">
+            <a:extLst>
+              <a:ext uri="{FF2B5EF4-FFF2-40B4-BE49-F238E27FC236}">
+                <a16:creationId xmlns:a16="http://schemas.microsoft.com/office/drawing/2014/main" id="{863F5619-3CA7-8EB7-1092-C6D96DB9048B}"/>
+              </a:ext>
+            </a:extLst>
+          </p:cNvPr>
+          <p:cNvSpPr txBox="1">
+            <a:spLocks/>
+          </p:cNvSpPr>
+          <p:nvPr/>
+        </p:nvSpPr>
+        <p:spPr>
+          <a:xfrm>
+            <a:off x="0" y="820738"/>
+            <a:ext cx="12192000" cy="6037262"/>
+          </a:xfrm>
+          <a:prstGeom prst="rect">
+            <a:avLst/>
+          </a:prstGeom>
+        </p:spPr>
+        <p:txBody>
+          <a:bodyPr vert="horz" lIns="91440" tIns="45720" rIns="91440" bIns="45720" rtlCol="0">
+            <a:normAutofit/>
+          </a:bodyPr>
+          <a:lstStyle>
+            <a:lvl1pPr marL="0" indent="0" algn="ctr" defTabSz="914400" rtl="0" eaLnBrk="1" latinLnBrk="0" hangingPunct="1">
+              <a:lnSpc>
+                <a:spcPct val="90000"/>
+              </a:lnSpc>
+              <a:spcBef>
+                <a:spcPts val="1000"/>
+              </a:spcBef>
+              <a:buFont typeface="Arial" panose="020B0604020202020204" pitchFamily="34" charset="0"/>
+              <a:buNone/>
+              <a:defRPr sz="2400" kern="1200">
+                <a:solidFill>
+                  <a:schemeClr val="tx1"/>
+                </a:solidFill>
+                <a:latin typeface="+mn-lt"/>
+                <a:ea typeface="+mn-ea"/>
+                <a:cs typeface="+mn-cs"/>
+              </a:defRPr>
+            </a:lvl1pPr>
+            <a:lvl2pPr marL="457200" indent="0" algn="ctr" defTabSz="914400" rtl="0" eaLnBrk="1" latinLnBrk="0" hangingPunct="1">
+              <a:lnSpc>
+                <a:spcPct val="90000"/>
+              </a:lnSpc>
+              <a:spcBef>
+                <a:spcPts val="500"/>
+              </a:spcBef>
+              <a:buFont typeface="Arial" panose="020B0604020202020204" pitchFamily="34" charset="0"/>
+              <a:buNone/>
+              <a:defRPr sz="2000" kern="1200">
+                <a:solidFill>
+                  <a:schemeClr val="tx1"/>
+                </a:solidFill>
+                <a:latin typeface="+mn-lt"/>
+                <a:ea typeface="+mn-ea"/>
+                <a:cs typeface="+mn-cs"/>
+              </a:defRPr>
+            </a:lvl2pPr>
+            <a:lvl3pPr marL="914400" indent="0" algn="ctr" defTabSz="914400" rtl="0" eaLnBrk="1" latinLnBrk="0" hangingPunct="1">
+              <a:lnSpc>
+                <a:spcPct val="90000"/>
+              </a:lnSpc>
+              <a:spcBef>
+                <a:spcPts val="500"/>
+              </a:spcBef>
+              <a:buFont typeface="Arial" panose="020B0604020202020204" pitchFamily="34" charset="0"/>
+              <a:buNone/>
+              <a:defRPr sz="1800" kern="1200">
+                <a:solidFill>
+                  <a:schemeClr val="tx1"/>
+                </a:solidFill>
+                <a:latin typeface="+mn-lt"/>
+                <a:ea typeface="+mn-ea"/>
+                <a:cs typeface="+mn-cs"/>
+              </a:defRPr>
+            </a:lvl3pPr>
+            <a:lvl4pPr marL="1371600" indent="0" algn="ctr" defTabSz="914400" rtl="0" eaLnBrk="1" latinLnBrk="0" hangingPunct="1">
+              <a:lnSpc>
+                <a:spcPct val="90000"/>
+              </a:lnSpc>
+              <a:spcBef>
+                <a:spcPts val="500"/>
+              </a:spcBef>
+              <a:buFont typeface="Arial" panose="020B0604020202020204" pitchFamily="34" charset="0"/>
+              <a:buNone/>
+              <a:defRPr sz="1600" kern="1200">
+                <a:solidFill>
+                  <a:schemeClr val="tx1"/>
+                </a:solidFill>
+                <a:latin typeface="+mn-lt"/>
+                <a:ea typeface="+mn-ea"/>
+                <a:cs typeface="+mn-cs"/>
+              </a:defRPr>
+            </a:lvl4pPr>
+            <a:lvl5pPr marL="1828800" indent="0" algn="ctr" defTabSz="914400" rtl="0" eaLnBrk="1" latinLnBrk="0" hangingPunct="1">
+              <a:lnSpc>
+                <a:spcPct val="90000"/>
+              </a:lnSpc>
+              <a:spcBef>
+                <a:spcPts val="500"/>
+              </a:spcBef>
+              <a:buFont typeface="Arial" panose="020B0604020202020204" pitchFamily="34" charset="0"/>
+              <a:buNone/>
+              <a:defRPr sz="1600" kern="1200">
+                <a:solidFill>
+                  <a:schemeClr val="tx1"/>
+                </a:solidFill>
+                <a:latin typeface="+mn-lt"/>
+                <a:ea typeface="+mn-ea"/>
+                <a:cs typeface="+mn-cs"/>
+              </a:defRPr>
+            </a:lvl5pPr>
+            <a:lvl6pPr marL="2286000" indent="0" algn="ctr" defTabSz="914400" rtl="0" eaLnBrk="1" latinLnBrk="0" hangingPunct="1">
+              <a:lnSpc>
+                <a:spcPct val="90000"/>
+              </a:lnSpc>
+              <a:spcBef>
+                <a:spcPts val="500"/>
+              </a:spcBef>
+              <a:buFont typeface="Arial" panose="020B0604020202020204" pitchFamily="34" charset="0"/>
+              <a:buNone/>
+              <a:defRPr sz="1600" kern="1200">
+                <a:solidFill>
+                  <a:schemeClr val="tx1"/>
+                </a:solidFill>
+                <a:latin typeface="+mn-lt"/>
+                <a:ea typeface="+mn-ea"/>
+                <a:cs typeface="+mn-cs"/>
+              </a:defRPr>
+            </a:lvl6pPr>
+            <a:lvl7pPr marL="2743200" indent="0" algn="ctr" defTabSz="914400" rtl="0" eaLnBrk="1" latinLnBrk="0" hangingPunct="1">
+              <a:lnSpc>
+                <a:spcPct val="90000"/>
+              </a:lnSpc>
+              <a:spcBef>
+                <a:spcPts val="500"/>
+              </a:spcBef>
+              <a:buFont typeface="Arial" panose="020B0604020202020204" pitchFamily="34" charset="0"/>
+              <a:buNone/>
+              <a:defRPr sz="1600" kern="1200">
+                <a:solidFill>
+                  <a:schemeClr val="tx1"/>
+                </a:solidFill>
+                <a:latin typeface="+mn-lt"/>
+                <a:ea typeface="+mn-ea"/>
+                <a:cs typeface="+mn-cs"/>
+              </a:defRPr>
+            </a:lvl7pPr>
+            <a:lvl8pPr marL="3200400" indent="0" algn="ctr" defTabSz="914400" rtl="0" eaLnBrk="1" latinLnBrk="0" hangingPunct="1">
+              <a:lnSpc>
+                <a:spcPct val="90000"/>
+              </a:lnSpc>
+              <a:spcBef>
+                <a:spcPts val="500"/>
+              </a:spcBef>
+              <a:buFont typeface="Arial" panose="020B0604020202020204" pitchFamily="34" charset="0"/>
+              <a:buNone/>
+              <a:defRPr sz="1600" kern="1200">
+                <a:solidFill>
+                  <a:schemeClr val="tx1"/>
+                </a:solidFill>
+                <a:latin typeface="+mn-lt"/>
+                <a:ea typeface="+mn-ea"/>
+                <a:cs typeface="+mn-cs"/>
+              </a:defRPr>
+            </a:lvl8pPr>
+            <a:lvl9pPr marL="3657600" indent="0" algn="ctr" defTabSz="914400" rtl="0" eaLnBrk="1" latinLnBrk="0" hangingPunct="1">
+              <a:lnSpc>
+                <a:spcPct val="90000"/>
+              </a:lnSpc>
+              <a:spcBef>
+                <a:spcPts val="500"/>
+              </a:spcBef>
+              <a:buFont typeface="Arial" panose="020B0604020202020204" pitchFamily="34" charset="0"/>
+              <a:buNone/>
+              <a:defRPr sz="1600" kern="1200">
+                <a:solidFill>
+                  <a:schemeClr val="tx1"/>
+                </a:solidFill>
+                <a:latin typeface="+mn-lt"/>
+                <a:ea typeface="+mn-ea"/>
+                <a:cs typeface="+mn-cs"/>
+              </a:defRPr>
+            </a:lvl9pPr>
+          </a:lstStyle>
+          <a:p>
+            <a:pPr algn="l"/>
+            <a:r>
+              <a:rPr lang="en-US" sz="1800" dirty="0"/>
+              <a:t>boolean equalsIgnoreCase(String anotherString)</a:t>
+            </a:r>
+          </a:p>
+        </p:txBody>
+      </p:sp>
+    </p:spTree>
+    <p:extLst>
+      <p:ext uri="{BB962C8B-B14F-4D97-AF65-F5344CB8AC3E}">
+        <p14:creationId xmlns:p14="http://schemas.microsoft.com/office/powerpoint/2010/main" val="2010519843"/>
+      </p:ext>
+    </p:extLst>
+  </p:cSld>
+  <p:clrMapOvr>
+    <a:masterClrMapping/>
+  </p:clrMapOvr>
+  <p:timing>
+    <p:tnLst>
+      <p:par>
+        <p:cTn id="1" dur="indefinite" restart="never" nodeType="tmRoot">
+          <p:childTnLst>
+            <p:seq concurrent="1" nextAc="seek">
+              <p:cTn id="2" dur="indefinite" nodeType="mainSeq">
+                <p:childTnLst>
+                  <p:par>
+                    <p:cTn id="3" fill="hold">
+                      <p:stCondLst>
+                        <p:cond delay="indefinite"/>
+                      </p:stCondLst>
+                      <p:childTnLst>
+                        <p:par>
+                          <p:cTn id="4" fill="hold">
+                            <p:stCondLst>
+                              <p:cond delay="0"/>
+                            </p:stCondLst>
+                            <p:childTnLst>
+                              <p:par>
+                                <p:cTn id="5" presetID="1" presetClass="entr" presetSubtype="0" fill="hold" nodeType="clickEffect">
+                                  <p:stCondLst>
+                                    <p:cond delay="0"/>
+                                  </p:stCondLst>
+                                  <p:childTnLst>
+                                    <p:set>
+                                      <p:cBhvr>
+                                        <p:cTn id="6" dur="1" fill="hold">
+                                          <p:stCondLst>
+                                            <p:cond delay="0"/>
+                                          </p:stCondLst>
+                                        </p:cTn>
+                                        <p:tgtEl>
+                                          <p:spTgt spid="4">
+                                            <p:txEl>
+                                              <p:pRg st="0" end="0"/>
+                                            </p:txEl>
+                                          </p:spTgt>
+                                        </p:tgtEl>
+                                        <p:attrNameLst>
+                                          <p:attrName>style.visibility</p:attrName>
+                                        </p:attrNameLst>
+                                      </p:cBhvr>
+                                      <p:to>
+                                        <p:strVal val="visible"/>
+                                      </p:to>
+                                    </p:set>
+                                  </p:childTnLst>
+                                </p:cTn>
+                              </p:par>
+                            </p:childTnLst>
+                          </p:cTn>
+                        </p:par>
+                      </p:childTnLst>
+                    </p:cTn>
+                  </p:par>
+                </p:childTnLst>
+              </p:cTn>
+              <p:prevCondLst>
+                <p:cond evt="onPrev" delay="0">
+                  <p:tgtEl>
+                    <p:sldTgt/>
+                  </p:tgtEl>
+                </p:cond>
+              </p:prevCondLst>
+              <p:nextCondLst>
+                <p:cond evt="onNext" delay="0">
+                  <p:tgtEl>
+                    <p:sldTgt/>
+                  </p:tgtEl>
+                </p:cond>
+              </p:nextCondLst>
+            </p:seq>
+          </p:childTnLst>
+        </p:cTn>
+      </p:par>
+    </p:tnLst>
+  </p:timing>
+</p:sld>
+</file>
+
+<file path=ppt/slides/slide14.xml><?xml version="1.0" encoding="utf-8"?>
+<p:sld xmlns:a="http://schemas.openxmlformats.org/drawingml/2006/main" xmlns:r="http://schemas.openxmlformats.org/officeDocument/2006/relationships" xmlns:p="http://schemas.openxmlformats.org/presentationml/2006/main">
+  <p:cSld>
+    <p:spTree>
+      <p:nvGrpSpPr>
+        <p:cNvPr id="1" name="">
+          <a:extLst>
+            <a:ext uri="{FF2B5EF4-FFF2-40B4-BE49-F238E27FC236}">
+              <a16:creationId xmlns:a16="http://schemas.microsoft.com/office/drawing/2014/main" id="{EFFD14CC-B6CA-5BE7-6CB2-17A8CE760343}"/>
+            </a:ext>
+          </a:extLst>
+        </p:cNvPr>
+        <p:cNvGrpSpPr/>
+        <p:nvPr/>
+      </p:nvGrpSpPr>
+      <p:grpSpPr>
+        <a:xfrm>
+          <a:off x="0" y="0"/>
+          <a:ext cx="0" cy="0"/>
+          <a:chOff x="0" y="0"/>
+          <a:chExt cx="0" cy="0"/>
+        </a:xfrm>
+      </p:grpSpPr>
+      <p:sp>
+        <p:nvSpPr>
+          <p:cNvPr id="3" name="Subtitle 2">
+            <a:extLst>
+              <a:ext uri="{FF2B5EF4-FFF2-40B4-BE49-F238E27FC236}">
+                <a16:creationId xmlns:a16="http://schemas.microsoft.com/office/drawing/2014/main" id="{C57B3F9D-3E80-9C63-4F57-20CBCC63B042}"/>
+              </a:ext>
+            </a:extLst>
+          </p:cNvPr>
+          <p:cNvSpPr>
+            <a:spLocks noGrp="1"/>
+          </p:cNvSpPr>
+          <p:nvPr>
+            <p:ph type="subTitle" idx="1"/>
+          </p:nvPr>
+        </p:nvSpPr>
+        <p:spPr>
+          <a:xfrm>
+            <a:off x="97970" y="293688"/>
+            <a:ext cx="9436448" cy="303212"/>
+          </a:xfrm>
+        </p:spPr>
+        <p:txBody>
+          <a:bodyPr>
+            <a:normAutofit fontScale="92500" lnSpcReduction="20000"/>
+          </a:bodyPr>
+          <a:lstStyle/>
+          <a:p>
+            <a:r>
+              <a:rPr lang="en-US" sz="1800" b="1" dirty="0"/>
+              <a:t>13.1 Creating ande manipulating Strings </a:t>
+            </a:r>
+            <a:r>
+              <a:rPr lang="en-US" sz="1800" dirty="0"/>
+              <a:t>– 13.1.7 Comparing String</a:t>
+            </a:r>
+            <a:endParaRPr lang="en-US" sz="1800" b="1" dirty="0"/>
+          </a:p>
+        </p:txBody>
+      </p:sp>
+      <p:sp>
+        <p:nvSpPr>
+          <p:cNvPr id="4" name="Subtitle 2">
+            <a:extLst>
+              <a:ext uri="{FF2B5EF4-FFF2-40B4-BE49-F238E27FC236}">
+                <a16:creationId xmlns:a16="http://schemas.microsoft.com/office/drawing/2014/main" id="{8039CDE7-AA3C-308E-887B-376646D6E24D}"/>
+              </a:ext>
+            </a:extLst>
+          </p:cNvPr>
+          <p:cNvSpPr txBox="1">
+            <a:spLocks/>
+          </p:cNvSpPr>
+          <p:nvPr/>
+        </p:nvSpPr>
+        <p:spPr>
+          <a:xfrm>
+            <a:off x="0" y="820738"/>
+            <a:ext cx="12192000" cy="6037262"/>
+          </a:xfrm>
+          <a:prstGeom prst="rect">
+            <a:avLst/>
+          </a:prstGeom>
+        </p:spPr>
+        <p:txBody>
+          <a:bodyPr vert="horz" lIns="91440" tIns="45720" rIns="91440" bIns="45720" rtlCol="0">
+            <a:normAutofit/>
+          </a:bodyPr>
+          <a:lstStyle>
+            <a:lvl1pPr marL="0" indent="0" algn="ctr" defTabSz="914400" rtl="0" eaLnBrk="1" latinLnBrk="0" hangingPunct="1">
+              <a:lnSpc>
+                <a:spcPct val="90000"/>
+              </a:lnSpc>
+              <a:spcBef>
+                <a:spcPts val="1000"/>
+              </a:spcBef>
+              <a:buFont typeface="Arial" panose="020B0604020202020204" pitchFamily="34" charset="0"/>
+              <a:buNone/>
+              <a:defRPr sz="2400" kern="1200">
+                <a:solidFill>
+                  <a:schemeClr val="tx1"/>
+                </a:solidFill>
+                <a:latin typeface="+mn-lt"/>
+                <a:ea typeface="+mn-ea"/>
+                <a:cs typeface="+mn-cs"/>
+              </a:defRPr>
+            </a:lvl1pPr>
+            <a:lvl2pPr marL="457200" indent="0" algn="ctr" defTabSz="914400" rtl="0" eaLnBrk="1" latinLnBrk="0" hangingPunct="1">
+              <a:lnSpc>
+                <a:spcPct val="90000"/>
+              </a:lnSpc>
+              <a:spcBef>
+                <a:spcPts val="500"/>
+              </a:spcBef>
+              <a:buFont typeface="Arial" panose="020B0604020202020204" pitchFamily="34" charset="0"/>
+              <a:buNone/>
+              <a:defRPr sz="2000" kern="1200">
+                <a:solidFill>
+                  <a:schemeClr val="tx1"/>
+                </a:solidFill>
+                <a:latin typeface="+mn-lt"/>
+                <a:ea typeface="+mn-ea"/>
+                <a:cs typeface="+mn-cs"/>
+              </a:defRPr>
+            </a:lvl2pPr>
+            <a:lvl3pPr marL="914400" indent="0" algn="ctr" defTabSz="914400" rtl="0" eaLnBrk="1" latinLnBrk="0" hangingPunct="1">
+              <a:lnSpc>
+                <a:spcPct val="90000"/>
+              </a:lnSpc>
+              <a:spcBef>
+                <a:spcPts val="500"/>
+              </a:spcBef>
+              <a:buFont typeface="Arial" panose="020B0604020202020204" pitchFamily="34" charset="0"/>
+              <a:buNone/>
+              <a:defRPr sz="1800" kern="1200">
+                <a:solidFill>
+                  <a:schemeClr val="tx1"/>
+                </a:solidFill>
+                <a:latin typeface="+mn-lt"/>
+                <a:ea typeface="+mn-ea"/>
+                <a:cs typeface="+mn-cs"/>
+              </a:defRPr>
+            </a:lvl3pPr>
+            <a:lvl4pPr marL="1371600" indent="0" algn="ctr" defTabSz="914400" rtl="0" eaLnBrk="1" latinLnBrk="0" hangingPunct="1">
+              <a:lnSpc>
+                <a:spcPct val="90000"/>
+              </a:lnSpc>
+              <a:spcBef>
+                <a:spcPts val="500"/>
+              </a:spcBef>
+              <a:buFont typeface="Arial" panose="020B0604020202020204" pitchFamily="34" charset="0"/>
+              <a:buNone/>
+              <a:defRPr sz="1600" kern="1200">
+                <a:solidFill>
+                  <a:schemeClr val="tx1"/>
+                </a:solidFill>
+                <a:latin typeface="+mn-lt"/>
+                <a:ea typeface="+mn-ea"/>
+                <a:cs typeface="+mn-cs"/>
+              </a:defRPr>
+            </a:lvl4pPr>
+            <a:lvl5pPr marL="1828800" indent="0" algn="ctr" defTabSz="914400" rtl="0" eaLnBrk="1" latinLnBrk="0" hangingPunct="1">
+              <a:lnSpc>
+                <a:spcPct val="90000"/>
+              </a:lnSpc>
+              <a:spcBef>
+                <a:spcPts val="500"/>
+              </a:spcBef>
+              <a:buFont typeface="Arial" panose="020B0604020202020204" pitchFamily="34" charset="0"/>
+              <a:buNone/>
+              <a:defRPr sz="1600" kern="1200">
+                <a:solidFill>
+                  <a:schemeClr val="tx1"/>
+                </a:solidFill>
+                <a:latin typeface="+mn-lt"/>
+                <a:ea typeface="+mn-ea"/>
+                <a:cs typeface="+mn-cs"/>
+              </a:defRPr>
+            </a:lvl5pPr>
+            <a:lvl6pPr marL="2286000" indent="0" algn="ctr" defTabSz="914400" rtl="0" eaLnBrk="1" latinLnBrk="0" hangingPunct="1">
+              <a:lnSpc>
+                <a:spcPct val="90000"/>
+              </a:lnSpc>
+              <a:spcBef>
+                <a:spcPts val="500"/>
+              </a:spcBef>
+              <a:buFont typeface="Arial" panose="020B0604020202020204" pitchFamily="34" charset="0"/>
+              <a:buNone/>
+              <a:defRPr sz="1600" kern="1200">
+                <a:solidFill>
+                  <a:schemeClr val="tx1"/>
+                </a:solidFill>
+                <a:latin typeface="+mn-lt"/>
+                <a:ea typeface="+mn-ea"/>
+                <a:cs typeface="+mn-cs"/>
+              </a:defRPr>
+            </a:lvl6pPr>
+            <a:lvl7pPr marL="2743200" indent="0" algn="ctr" defTabSz="914400" rtl="0" eaLnBrk="1" latinLnBrk="0" hangingPunct="1">
+              <a:lnSpc>
+                <a:spcPct val="90000"/>
+              </a:lnSpc>
+              <a:spcBef>
+                <a:spcPts val="500"/>
+              </a:spcBef>
+              <a:buFont typeface="Arial" panose="020B0604020202020204" pitchFamily="34" charset="0"/>
+              <a:buNone/>
+              <a:defRPr sz="1600" kern="1200">
+                <a:solidFill>
+                  <a:schemeClr val="tx1"/>
+                </a:solidFill>
+                <a:latin typeface="+mn-lt"/>
+                <a:ea typeface="+mn-ea"/>
+                <a:cs typeface="+mn-cs"/>
+              </a:defRPr>
+            </a:lvl7pPr>
+            <a:lvl8pPr marL="3200400" indent="0" algn="ctr" defTabSz="914400" rtl="0" eaLnBrk="1" latinLnBrk="0" hangingPunct="1">
+              <a:lnSpc>
+                <a:spcPct val="90000"/>
+              </a:lnSpc>
+              <a:spcBef>
+                <a:spcPts val="500"/>
+              </a:spcBef>
+              <a:buFont typeface="Arial" panose="020B0604020202020204" pitchFamily="34" charset="0"/>
+              <a:buNone/>
+              <a:defRPr sz="1600" kern="1200">
+                <a:solidFill>
+                  <a:schemeClr val="tx1"/>
+                </a:solidFill>
+                <a:latin typeface="+mn-lt"/>
+                <a:ea typeface="+mn-ea"/>
+                <a:cs typeface="+mn-cs"/>
+              </a:defRPr>
+            </a:lvl8pPr>
+            <a:lvl9pPr marL="3657600" indent="0" algn="ctr" defTabSz="914400" rtl="0" eaLnBrk="1" latinLnBrk="0" hangingPunct="1">
+              <a:lnSpc>
+                <a:spcPct val="90000"/>
+              </a:lnSpc>
+              <a:spcBef>
+                <a:spcPts val="500"/>
+              </a:spcBef>
+              <a:buFont typeface="Arial" panose="020B0604020202020204" pitchFamily="34" charset="0"/>
+              <a:buNone/>
+              <a:defRPr sz="1600" kern="1200">
+                <a:solidFill>
+                  <a:schemeClr val="tx1"/>
+                </a:solidFill>
+                <a:latin typeface="+mn-lt"/>
+                <a:ea typeface="+mn-ea"/>
+                <a:cs typeface="+mn-cs"/>
+              </a:defRPr>
+            </a:lvl9pPr>
+          </a:lstStyle>
+          <a:p>
+            <a:pPr algn="l"/>
+            <a:r>
+              <a:rPr lang="en-US" sz="1800" dirty="0"/>
+              <a:t>- There are ... ways to compare String </a:t>
+            </a:r>
+            <a:r>
+              <a:rPr lang="en-US" sz="800" dirty="0"/>
+              <a:t>&lt;talk about each way&gt;</a:t>
+            </a:r>
+          </a:p>
+          <a:p>
+            <a:pPr algn="l"/>
+            <a:r>
+              <a:rPr lang="en-US" sz="1800" dirty="0"/>
+              <a:t>- Using the "==" operator (code illustration snippet 25 – 26)</a:t>
+            </a:r>
+          </a:p>
+          <a:p>
+            <a:pPr algn="l"/>
+            <a:r>
+              <a:rPr lang="en-US" sz="1800" dirty="0"/>
+              <a:t>- The "equal" method: This method compares the ... directly of the String object. It doesn't care which ... object that the reference variable is pointing to. For example, (code illustration snippet 27) </a:t>
+            </a:r>
+          </a:p>
+          <a:p>
+            <a:pPr algn="l"/>
+            <a:r>
+              <a:rPr lang="en-US" sz="1800" dirty="0"/>
+              <a:t>- The code on snippet 26 could be fixed in 2 ways </a:t>
+            </a:r>
+            <a:r>
+              <a:rPr lang="en-US" sz="800" dirty="0"/>
+              <a:t>&lt;talk about 2 ways to fix this code using equals method&gt; </a:t>
+            </a:r>
+          </a:p>
+          <a:p>
+            <a:pPr algn="l"/>
+            <a:r>
+              <a:rPr lang="en-US" sz="1800" dirty="0"/>
+              <a:t>- However, using the way that using the String passed in as argument to invoke the method might result in ... =&gt; the other ways is much more safer to use </a:t>
+            </a:r>
+          </a:p>
+          <a:p>
+            <a:pPr algn="l"/>
+            <a:r>
+              <a:rPr lang="en-US" sz="1800" dirty="0"/>
+              <a:t>- There is also another method for String comparision, called ... This method also provide information about the position of the String in ... </a:t>
+            </a:r>
+          </a:p>
+          <a:p>
+            <a:pPr algn="l"/>
+            <a:r>
+              <a:rPr lang="en-US" sz="1800" dirty="0"/>
+              <a:t>- "compareTo" will return an ... value, which indicate that whether the String is ... (this also indicate the position of the String in ...). If 2 String is the same, the method returns ...</a:t>
+            </a:r>
+          </a:p>
+          <a:p>
+            <a:pPr algn="l"/>
+            <a:r>
+              <a:rPr lang="en-US" sz="1800" dirty="0"/>
+              <a:t>(code illustration snippet 28)</a:t>
+            </a:r>
+          </a:p>
+          <a:p>
+            <a:pPr algn="l"/>
+            <a:endParaRPr lang="en-US" sz="1800" dirty="0"/>
+          </a:p>
+        </p:txBody>
+      </p:sp>
+    </p:spTree>
+    <p:extLst>
+      <p:ext uri="{BB962C8B-B14F-4D97-AF65-F5344CB8AC3E}">
+        <p14:creationId xmlns:p14="http://schemas.microsoft.com/office/powerpoint/2010/main" val="1704580861"/>
+      </p:ext>
+    </p:extLst>
+  </p:cSld>
+  <p:clrMapOvr>
+    <a:masterClrMapping/>
+  </p:clrMapOvr>
+  <p:timing>
+    <p:tnLst>
+      <p:par>
+        <p:cTn id="1" dur="indefinite" restart="never" nodeType="tmRoot">
+          <p:childTnLst>
+            <p:seq concurrent="1" nextAc="seek">
+              <p:cTn id="2" dur="indefinite" nodeType="mainSeq">
+                <p:childTnLst>
+                  <p:par>
+                    <p:cTn id="3" fill="hold">
+                      <p:stCondLst>
+                        <p:cond delay="indefinite"/>
+                      </p:stCondLst>
+                      <p:childTnLst>
+                        <p:par>
+                          <p:cTn id="4" fill="hold">
+                            <p:stCondLst>
+                              <p:cond delay="0"/>
+                            </p:stCondLst>
+                            <p:childTnLst>
+                              <p:par>
+                                <p:cTn id="5" presetID="1" presetClass="entr" presetSubtype="0" fill="hold" nodeType="clickEffect">
+                                  <p:stCondLst>
+                                    <p:cond delay="0"/>
+                                  </p:stCondLst>
+                                  <p:childTnLst>
+                                    <p:set>
+                                      <p:cBhvr>
+                                        <p:cTn id="6" dur="1" fill="hold">
+                                          <p:stCondLst>
+                                            <p:cond delay="0"/>
+                                          </p:stCondLst>
+                                        </p:cTn>
+                                        <p:tgtEl>
+                                          <p:spTgt spid="4">
+                                            <p:txEl>
+                                              <p:pRg st="0" end="0"/>
+                                            </p:txEl>
+                                          </p:spTgt>
+                                        </p:tgtEl>
+                                        <p:attrNameLst>
+                                          <p:attrName>style.visibility</p:attrName>
+                                        </p:attrNameLst>
+                                      </p:cBhvr>
+                                      <p:to>
+                                        <p:strVal val="visible"/>
+                                      </p:to>
+                                    </p:set>
+                                  </p:childTnLst>
+                                </p:cTn>
+                              </p:par>
+                            </p:childTnLst>
+                          </p:cTn>
+                        </p:par>
+                      </p:childTnLst>
+                    </p:cTn>
+                  </p:par>
+                  <p:par>
+                    <p:cTn id="7" fill="hold">
+                      <p:stCondLst>
+                        <p:cond delay="indefinite"/>
+                      </p:stCondLst>
+                      <p:childTnLst>
+                        <p:par>
+                          <p:cTn id="8" fill="hold">
+                            <p:stCondLst>
+                              <p:cond delay="0"/>
+                            </p:stCondLst>
+                            <p:childTnLst>
+                              <p:par>
+                                <p:cTn id="9" presetID="1" presetClass="entr" presetSubtype="0" fill="hold" nodeType="clickEffect">
+                                  <p:stCondLst>
+                                    <p:cond delay="0"/>
+                                  </p:stCondLst>
+                                  <p:childTnLst>
+                                    <p:set>
+                                      <p:cBhvr>
+                                        <p:cTn id="10" dur="1" fill="hold">
+                                          <p:stCondLst>
+                                            <p:cond delay="0"/>
+                                          </p:stCondLst>
+                                        </p:cTn>
+                                        <p:tgtEl>
+                                          <p:spTgt spid="4">
+                                            <p:txEl>
+                                              <p:pRg st="1" end="1"/>
+                                            </p:txEl>
+                                          </p:spTgt>
+                                        </p:tgtEl>
+                                        <p:attrNameLst>
+                                          <p:attrName>style.visibility</p:attrName>
+                                        </p:attrNameLst>
+                                      </p:cBhvr>
+                                      <p:to>
+                                        <p:strVal val="visible"/>
+                                      </p:to>
+                                    </p:set>
+                                  </p:childTnLst>
+                                </p:cTn>
+                              </p:par>
+                            </p:childTnLst>
+                          </p:cTn>
+                        </p:par>
+                      </p:childTnLst>
+                    </p:cTn>
+                  </p:par>
+                  <p:par>
+                    <p:cTn id="11" fill="hold">
+                      <p:stCondLst>
+                        <p:cond delay="indefinite"/>
+                      </p:stCondLst>
+                      <p:childTnLst>
+                        <p:par>
+                          <p:cTn id="12" fill="hold">
+                            <p:stCondLst>
+                              <p:cond delay="0"/>
+                            </p:stCondLst>
+                            <p:childTnLst>
+                              <p:par>
+                                <p:cTn id="13" presetID="1" presetClass="entr" presetSubtype="0" fill="hold" nodeType="clickEffect">
+                                  <p:stCondLst>
+                                    <p:cond delay="0"/>
+                                  </p:stCondLst>
+                                  <p:childTnLst>
+                                    <p:set>
+                                      <p:cBhvr>
+                                        <p:cTn id="14" dur="1" fill="hold">
+                                          <p:stCondLst>
+                                            <p:cond delay="0"/>
+                                          </p:stCondLst>
+                                        </p:cTn>
+                                        <p:tgtEl>
+                                          <p:spTgt spid="4">
+                                            <p:txEl>
+                                              <p:pRg st="2" end="2"/>
+                                            </p:txEl>
+                                          </p:spTgt>
+                                        </p:tgtEl>
+                                        <p:attrNameLst>
+                                          <p:attrName>style.visibility</p:attrName>
+                                        </p:attrNameLst>
+                                      </p:cBhvr>
+                                      <p:to>
+                                        <p:strVal val="visible"/>
+                                      </p:to>
+                                    </p:set>
+                                  </p:childTnLst>
+                                </p:cTn>
+                              </p:par>
+                            </p:childTnLst>
+                          </p:cTn>
+                        </p:par>
+                      </p:childTnLst>
+                    </p:cTn>
+                  </p:par>
+                  <p:par>
+                    <p:cTn id="15" fill="hold">
+                      <p:stCondLst>
+                        <p:cond delay="indefinite"/>
+                      </p:stCondLst>
+                      <p:childTnLst>
+                        <p:par>
+                          <p:cTn id="16" fill="hold">
+                            <p:stCondLst>
+                              <p:cond delay="0"/>
+                            </p:stCondLst>
+                            <p:childTnLst>
+                              <p:par>
+                                <p:cTn id="17" presetID="1" presetClass="entr" presetSubtype="0" fill="hold" nodeType="clickEffect">
+                                  <p:stCondLst>
+                                    <p:cond delay="0"/>
+                                  </p:stCondLst>
+                                  <p:childTnLst>
+                                    <p:set>
+                                      <p:cBhvr>
+                                        <p:cTn id="18" dur="1" fill="hold">
+                                          <p:stCondLst>
+                                            <p:cond delay="0"/>
+                                          </p:stCondLst>
+                                        </p:cTn>
+                                        <p:tgtEl>
+                                          <p:spTgt spid="4">
+                                            <p:txEl>
+                                              <p:pRg st="3" end="3"/>
+                                            </p:txEl>
+                                          </p:spTgt>
+                                        </p:tgtEl>
+                                        <p:attrNameLst>
+                                          <p:attrName>style.visibility</p:attrName>
+                                        </p:attrNameLst>
+                                      </p:cBhvr>
+                                      <p:to>
+                                        <p:strVal val="visible"/>
+                                      </p:to>
+                                    </p:set>
+                                  </p:childTnLst>
+                                </p:cTn>
+                              </p:par>
+                            </p:childTnLst>
+                          </p:cTn>
+                        </p:par>
+                      </p:childTnLst>
+                    </p:cTn>
+                  </p:par>
+                  <p:par>
+                    <p:cTn id="19" fill="hold">
+                      <p:stCondLst>
+                        <p:cond delay="indefinite"/>
+                      </p:stCondLst>
+                      <p:childTnLst>
+                        <p:par>
+                          <p:cTn id="20" fill="hold">
+                            <p:stCondLst>
+                              <p:cond delay="0"/>
+                            </p:stCondLst>
+                            <p:childTnLst>
+                              <p:par>
+                                <p:cTn id="21" presetID="1" presetClass="entr" presetSubtype="0" fill="hold" nodeType="clickEffect">
+                                  <p:stCondLst>
+                                    <p:cond delay="0"/>
+                                  </p:stCondLst>
+                                  <p:childTnLst>
+                                    <p:set>
+                                      <p:cBhvr>
+                                        <p:cTn id="22" dur="1" fill="hold">
+                                          <p:stCondLst>
+                                            <p:cond delay="0"/>
+                                          </p:stCondLst>
+                                        </p:cTn>
+                                        <p:tgtEl>
+                                          <p:spTgt spid="4">
+                                            <p:txEl>
+                                              <p:pRg st="4" end="4"/>
+                                            </p:txEl>
+                                          </p:spTgt>
+                                        </p:tgtEl>
+                                        <p:attrNameLst>
+                                          <p:attrName>style.visibility</p:attrName>
+                                        </p:attrNameLst>
+                                      </p:cBhvr>
+                                      <p:to>
+                                        <p:strVal val="visible"/>
+                                      </p:to>
+                                    </p:set>
+                                  </p:childTnLst>
+                                </p:cTn>
+                              </p:par>
+                            </p:childTnLst>
+                          </p:cTn>
+                        </p:par>
+                      </p:childTnLst>
+                    </p:cTn>
+                  </p:par>
+                  <p:par>
+                    <p:cTn id="23" fill="hold">
+                      <p:stCondLst>
+                        <p:cond delay="indefinite"/>
+                      </p:stCondLst>
+                      <p:childTnLst>
+                        <p:par>
+                          <p:cTn id="24" fill="hold">
+                            <p:stCondLst>
+                              <p:cond delay="0"/>
+                            </p:stCondLst>
+                            <p:childTnLst>
+                              <p:par>
+                                <p:cTn id="25" presetID="1" presetClass="entr" presetSubtype="0" fill="hold" nodeType="clickEffect">
+                                  <p:stCondLst>
+                                    <p:cond delay="0"/>
+                                  </p:stCondLst>
+                                  <p:childTnLst>
+                                    <p:set>
+                                      <p:cBhvr>
+                                        <p:cTn id="26" dur="1" fill="hold">
+                                          <p:stCondLst>
+                                            <p:cond delay="0"/>
+                                          </p:stCondLst>
+                                        </p:cTn>
+                                        <p:tgtEl>
+                                          <p:spTgt spid="4">
+                                            <p:txEl>
+                                              <p:pRg st="5" end="5"/>
+                                            </p:txEl>
+                                          </p:spTgt>
+                                        </p:tgtEl>
+                                        <p:attrNameLst>
+                                          <p:attrName>style.visibility</p:attrName>
+                                        </p:attrNameLst>
+                                      </p:cBhvr>
+                                      <p:to>
+                                        <p:strVal val="visible"/>
+                                      </p:to>
+                                    </p:set>
+                                  </p:childTnLst>
+                                </p:cTn>
+                              </p:par>
+                            </p:childTnLst>
+                          </p:cTn>
+                        </p:par>
+                      </p:childTnLst>
+                    </p:cTn>
+                  </p:par>
+                  <p:par>
+                    <p:cTn id="27" fill="hold">
+                      <p:stCondLst>
+                        <p:cond delay="indefinite"/>
+                      </p:stCondLst>
+                      <p:childTnLst>
+                        <p:par>
+                          <p:cTn id="28" fill="hold">
+                            <p:stCondLst>
+                              <p:cond delay="0"/>
+                            </p:stCondLst>
+                            <p:childTnLst>
+                              <p:par>
+                                <p:cTn id="29" presetID="1" presetClass="entr" presetSubtype="0" fill="hold" nodeType="clickEffect">
+                                  <p:stCondLst>
+                                    <p:cond delay="0"/>
+                                  </p:stCondLst>
+                                  <p:childTnLst>
+                                    <p:set>
+                                      <p:cBhvr>
+                                        <p:cTn id="30" dur="1" fill="hold">
+                                          <p:stCondLst>
+                                            <p:cond delay="0"/>
+                                          </p:stCondLst>
+                                        </p:cTn>
+                                        <p:tgtEl>
+                                          <p:spTgt spid="4">
+                                            <p:txEl>
+                                              <p:pRg st="6" end="6"/>
+                                            </p:txEl>
+                                          </p:spTgt>
+                                        </p:tgtEl>
+                                        <p:attrNameLst>
+                                          <p:attrName>style.visibility</p:attrName>
+                                        </p:attrNameLst>
+                                      </p:cBhvr>
+                                      <p:to>
+                                        <p:strVal val="visible"/>
+                                      </p:to>
+                                    </p:set>
+                                  </p:childTnLst>
+                                </p:cTn>
+                              </p:par>
+                            </p:childTnLst>
+                          </p:cTn>
+                        </p:par>
+                      </p:childTnLst>
+                    </p:cTn>
+                  </p:par>
+                  <p:par>
+                    <p:cTn id="31" fill="hold">
+                      <p:stCondLst>
+                        <p:cond delay="indefinite"/>
+                      </p:stCondLst>
+                      <p:childTnLst>
+                        <p:par>
+                          <p:cTn id="32" fill="hold">
+                            <p:stCondLst>
+                              <p:cond delay="0"/>
+                            </p:stCondLst>
+                            <p:childTnLst>
+                              <p:par>
+                                <p:cTn id="33" presetID="1" presetClass="entr" presetSubtype="0" fill="hold" nodeType="clickEffect">
+                                  <p:stCondLst>
+                                    <p:cond delay="0"/>
+                                  </p:stCondLst>
+                                  <p:childTnLst>
+                                    <p:set>
+                                      <p:cBhvr>
+                                        <p:cTn id="34" dur="1" fill="hold">
+                                          <p:stCondLst>
+                                            <p:cond delay="0"/>
+                                          </p:stCondLst>
+                                        </p:cTn>
+                                        <p:tgtEl>
+                                          <p:spTgt spid="4">
+                                            <p:txEl>
+                                              <p:pRg st="7" end="7"/>
+                                            </p:txEl>
+                                          </p:spTgt>
+                                        </p:tgtEl>
+                                        <p:attrNameLst>
+                                          <p:attrName>style.visibility</p:attrName>
+                                        </p:attrNameLst>
+                                      </p:cBhvr>
+                                      <p:to>
+                                        <p:strVal val="visible"/>
+                                      </p:to>
+                                    </p:set>
+                                  </p:childTnLst>
+                                </p:cTn>
+                              </p:par>
+                            </p:childTnLst>
+                          </p:cTn>
+                        </p:par>
+                      </p:childTnLst>
+                    </p:cTn>
+                  </p:par>
+                </p:childTnLst>
+              </p:cTn>
+              <p:prevCondLst>
+                <p:cond evt="onPrev" delay="0">
+                  <p:tgtEl>
+                    <p:sldTgt/>
+                  </p:tgtEl>
+                </p:cond>
+              </p:prevCondLst>
+              <p:nextCondLst>
+                <p:cond evt="onNext" delay="0">
+                  <p:tgtEl>
+                    <p:sldTgt/>
+                  </p:tgtEl>
+                </p:cond>
+              </p:nextCondLst>
+            </p:seq>
+          </p:childTnLst>
+        </p:cTn>
+      </p:par>
+    </p:tnLst>
+  </p:timing>
+</p:sld>
+</file>
+
+<file path=ppt/slides/slide15.xml><?xml version="1.0" encoding="utf-8"?>
+<p:sld xmlns:a="http://schemas.openxmlformats.org/drawingml/2006/main" xmlns:r="http://schemas.openxmlformats.org/officeDocument/2006/relationships" xmlns:p="http://schemas.openxmlformats.org/presentationml/2006/main">
+  <p:cSld>
+    <p:spTree>
+      <p:nvGrpSpPr>
+        <p:cNvPr id="1" name="">
+          <a:extLst>
+            <a:ext uri="{FF2B5EF4-FFF2-40B4-BE49-F238E27FC236}">
+              <a16:creationId xmlns:a16="http://schemas.microsoft.com/office/drawing/2014/main" id="{6A74518E-5855-ED62-0CFF-0F7803683D2A}"/>
+            </a:ext>
+          </a:extLst>
+        </p:cNvPr>
+        <p:cNvGrpSpPr/>
+        <p:nvPr/>
+      </p:nvGrpSpPr>
+      <p:grpSpPr>
+        <a:xfrm>
+          <a:off x="0" y="0"/>
+          <a:ext cx="0" cy="0"/>
+          <a:chOff x="0" y="0"/>
+          <a:chExt cx="0" cy="0"/>
+        </a:xfrm>
+      </p:grpSpPr>
+      <p:sp>
+        <p:nvSpPr>
+          <p:cNvPr id="3" name="Subtitle 2">
+            <a:extLst>
+              <a:ext uri="{FF2B5EF4-FFF2-40B4-BE49-F238E27FC236}">
+                <a16:creationId xmlns:a16="http://schemas.microsoft.com/office/drawing/2014/main" id="{5CDD8E4A-5BC5-4CD2-B220-99F70F5B7EB9}"/>
+              </a:ext>
+            </a:extLst>
+          </p:cNvPr>
+          <p:cNvSpPr>
+            <a:spLocks noGrp="1"/>
+          </p:cNvSpPr>
+          <p:nvPr>
+            <p:ph type="subTitle" idx="1"/>
+          </p:nvPr>
+        </p:nvSpPr>
+        <p:spPr>
+          <a:xfrm>
+            <a:off x="97970" y="293688"/>
+            <a:ext cx="9436448" cy="303212"/>
+          </a:xfrm>
+        </p:spPr>
+        <p:txBody>
+          <a:bodyPr>
+            <a:normAutofit fontScale="92500" lnSpcReduction="20000"/>
+          </a:bodyPr>
+          <a:lstStyle/>
+          <a:p>
+            <a:r>
+              <a:rPr lang="en-US" sz="1800" b="1" dirty="0"/>
+              <a:t>13.2 Formatting Strings</a:t>
+            </a:r>
+          </a:p>
+        </p:txBody>
+      </p:sp>
+      <p:sp>
+        <p:nvSpPr>
+          <p:cNvPr id="4" name="Subtitle 2">
+            <a:extLst>
+              <a:ext uri="{FF2B5EF4-FFF2-40B4-BE49-F238E27FC236}">
+                <a16:creationId xmlns:a16="http://schemas.microsoft.com/office/drawing/2014/main" id="{2E173E2B-A874-0449-3FCD-F0F4A775D18E}"/>
+              </a:ext>
+            </a:extLst>
+          </p:cNvPr>
+          <p:cNvSpPr txBox="1">
+            <a:spLocks/>
+          </p:cNvSpPr>
+          <p:nvPr/>
+        </p:nvSpPr>
+        <p:spPr>
+          <a:xfrm>
+            <a:off x="0" y="820738"/>
+            <a:ext cx="12192000" cy="6037262"/>
+          </a:xfrm>
+          <a:prstGeom prst="rect">
+            <a:avLst/>
+          </a:prstGeom>
+        </p:spPr>
+        <p:txBody>
+          <a:bodyPr vert="horz" lIns="91440" tIns="45720" rIns="91440" bIns="45720" rtlCol="0">
+            <a:normAutofit/>
+          </a:bodyPr>
+          <a:lstStyle>
+            <a:lvl1pPr marL="0" indent="0" algn="ctr" defTabSz="914400" rtl="0" eaLnBrk="1" latinLnBrk="0" hangingPunct="1">
+              <a:lnSpc>
+                <a:spcPct val="90000"/>
+              </a:lnSpc>
+              <a:spcBef>
+                <a:spcPts val="1000"/>
+              </a:spcBef>
+              <a:buFont typeface="Arial" panose="020B0604020202020204" pitchFamily="34" charset="0"/>
+              <a:buNone/>
+              <a:defRPr sz="2400" kern="1200">
+                <a:solidFill>
+                  <a:schemeClr val="tx1"/>
+                </a:solidFill>
+                <a:latin typeface="+mn-lt"/>
+                <a:ea typeface="+mn-ea"/>
+                <a:cs typeface="+mn-cs"/>
+              </a:defRPr>
+            </a:lvl1pPr>
+            <a:lvl2pPr marL="457200" indent="0" algn="ctr" defTabSz="914400" rtl="0" eaLnBrk="1" latinLnBrk="0" hangingPunct="1">
+              <a:lnSpc>
+                <a:spcPct val="90000"/>
+              </a:lnSpc>
+              <a:spcBef>
+                <a:spcPts val="500"/>
+              </a:spcBef>
+              <a:buFont typeface="Arial" panose="020B0604020202020204" pitchFamily="34" charset="0"/>
+              <a:buNone/>
+              <a:defRPr sz="2000" kern="1200">
+                <a:solidFill>
+                  <a:schemeClr val="tx1"/>
+                </a:solidFill>
+                <a:latin typeface="+mn-lt"/>
+                <a:ea typeface="+mn-ea"/>
+                <a:cs typeface="+mn-cs"/>
+              </a:defRPr>
+            </a:lvl2pPr>
+            <a:lvl3pPr marL="914400" indent="0" algn="ctr" defTabSz="914400" rtl="0" eaLnBrk="1" latinLnBrk="0" hangingPunct="1">
+              <a:lnSpc>
+                <a:spcPct val="90000"/>
+              </a:lnSpc>
+              <a:spcBef>
+                <a:spcPts val="500"/>
+              </a:spcBef>
+              <a:buFont typeface="Arial" panose="020B0604020202020204" pitchFamily="34" charset="0"/>
+              <a:buNone/>
+              <a:defRPr sz="1800" kern="1200">
+                <a:solidFill>
+                  <a:schemeClr val="tx1"/>
+                </a:solidFill>
+                <a:latin typeface="+mn-lt"/>
+                <a:ea typeface="+mn-ea"/>
+                <a:cs typeface="+mn-cs"/>
+              </a:defRPr>
+            </a:lvl3pPr>
+            <a:lvl4pPr marL="1371600" indent="0" algn="ctr" defTabSz="914400" rtl="0" eaLnBrk="1" latinLnBrk="0" hangingPunct="1">
+              <a:lnSpc>
+                <a:spcPct val="90000"/>
+              </a:lnSpc>
+              <a:spcBef>
+                <a:spcPts val="500"/>
+              </a:spcBef>
+              <a:buFont typeface="Arial" panose="020B0604020202020204" pitchFamily="34" charset="0"/>
+              <a:buNone/>
+              <a:defRPr sz="1600" kern="1200">
+                <a:solidFill>
+                  <a:schemeClr val="tx1"/>
+                </a:solidFill>
+                <a:latin typeface="+mn-lt"/>
+                <a:ea typeface="+mn-ea"/>
+                <a:cs typeface="+mn-cs"/>
+              </a:defRPr>
+            </a:lvl4pPr>
+            <a:lvl5pPr marL="1828800" indent="0" algn="ctr" defTabSz="914400" rtl="0" eaLnBrk="1" latinLnBrk="0" hangingPunct="1">
+              <a:lnSpc>
+                <a:spcPct val="90000"/>
+              </a:lnSpc>
+              <a:spcBef>
+                <a:spcPts val="500"/>
+              </a:spcBef>
+              <a:buFont typeface="Arial" panose="020B0604020202020204" pitchFamily="34" charset="0"/>
+              <a:buNone/>
+              <a:defRPr sz="1600" kern="1200">
+                <a:solidFill>
+                  <a:schemeClr val="tx1"/>
+                </a:solidFill>
+                <a:latin typeface="+mn-lt"/>
+                <a:ea typeface="+mn-ea"/>
+                <a:cs typeface="+mn-cs"/>
+              </a:defRPr>
+            </a:lvl5pPr>
+            <a:lvl6pPr marL="2286000" indent="0" algn="ctr" defTabSz="914400" rtl="0" eaLnBrk="1" latinLnBrk="0" hangingPunct="1">
+              <a:lnSpc>
+                <a:spcPct val="90000"/>
+              </a:lnSpc>
+              <a:spcBef>
+                <a:spcPts val="500"/>
+              </a:spcBef>
+              <a:buFont typeface="Arial" panose="020B0604020202020204" pitchFamily="34" charset="0"/>
+              <a:buNone/>
+              <a:defRPr sz="1600" kern="1200">
+                <a:solidFill>
+                  <a:schemeClr val="tx1"/>
+                </a:solidFill>
+                <a:latin typeface="+mn-lt"/>
+                <a:ea typeface="+mn-ea"/>
+                <a:cs typeface="+mn-cs"/>
+              </a:defRPr>
+            </a:lvl6pPr>
+            <a:lvl7pPr marL="2743200" indent="0" algn="ctr" defTabSz="914400" rtl="0" eaLnBrk="1" latinLnBrk="0" hangingPunct="1">
+              <a:lnSpc>
+                <a:spcPct val="90000"/>
+              </a:lnSpc>
+              <a:spcBef>
+                <a:spcPts val="500"/>
+              </a:spcBef>
+              <a:buFont typeface="Arial" panose="020B0604020202020204" pitchFamily="34" charset="0"/>
+              <a:buNone/>
+              <a:defRPr sz="1600" kern="1200">
+                <a:solidFill>
+                  <a:schemeClr val="tx1"/>
+                </a:solidFill>
+                <a:latin typeface="+mn-lt"/>
+                <a:ea typeface="+mn-ea"/>
+                <a:cs typeface="+mn-cs"/>
+              </a:defRPr>
+            </a:lvl7pPr>
+            <a:lvl8pPr marL="3200400" indent="0" algn="ctr" defTabSz="914400" rtl="0" eaLnBrk="1" latinLnBrk="0" hangingPunct="1">
+              <a:lnSpc>
+                <a:spcPct val="90000"/>
+              </a:lnSpc>
+              <a:spcBef>
+                <a:spcPts val="500"/>
+              </a:spcBef>
+              <a:buFont typeface="Arial" panose="020B0604020202020204" pitchFamily="34" charset="0"/>
+              <a:buNone/>
+              <a:defRPr sz="1600" kern="1200">
+                <a:solidFill>
+                  <a:schemeClr val="tx1"/>
+                </a:solidFill>
+                <a:latin typeface="+mn-lt"/>
+                <a:ea typeface="+mn-ea"/>
+                <a:cs typeface="+mn-cs"/>
+              </a:defRPr>
+            </a:lvl8pPr>
+            <a:lvl9pPr marL="3657600" indent="0" algn="ctr" defTabSz="914400" rtl="0" eaLnBrk="1" latinLnBrk="0" hangingPunct="1">
+              <a:lnSpc>
+                <a:spcPct val="90000"/>
+              </a:lnSpc>
+              <a:spcBef>
+                <a:spcPts val="500"/>
+              </a:spcBef>
+              <a:buFont typeface="Arial" panose="020B0604020202020204" pitchFamily="34" charset="0"/>
+              <a:buNone/>
+              <a:defRPr sz="1600" kern="1200">
+                <a:solidFill>
+                  <a:schemeClr val="tx1"/>
+                </a:solidFill>
+                <a:latin typeface="+mn-lt"/>
+                <a:ea typeface="+mn-ea"/>
+                <a:cs typeface="+mn-cs"/>
+              </a:defRPr>
+            </a:lvl9pPr>
+          </a:lstStyle>
+          <a:p>
+            <a:pPr algn="l"/>
+            <a:r>
+              <a:rPr lang="en-US" sz="1800" dirty="0"/>
+              <a:t>- We have used print/println to print many things to the console, now what happen if we want to print out a preformatted String bundled with multiple variables ? </a:t>
+            </a:r>
+            <a:r>
+              <a:rPr lang="en-US" sz="800" dirty="0"/>
+              <a:t>&lt;what we will usually do ?&gt;</a:t>
+            </a:r>
+          </a:p>
+          <a:p>
+            <a:pPr algn="l"/>
+            <a:r>
+              <a:rPr lang="en-US" sz="1800" dirty="0"/>
+              <a:t>- However, using the concatenation way is a bit too ... if the number of variables ...</a:t>
+            </a:r>
+          </a:p>
+          <a:p>
+            <a:pPr algn="l"/>
+            <a:r>
+              <a:rPr lang="en-US" sz="1800" dirty="0"/>
+              <a:t>- Instead, we could ... all the variables with 3 values "...", "..." and "..." and pack all variables we need to ... into the String to a parameter list</a:t>
+            </a:r>
+          </a:p>
+          <a:p>
+            <a:pPr algn="l"/>
+            <a:r>
+              <a:rPr lang="en-US" sz="1800" dirty="0"/>
+              <a:t>- Remember that the variable "out" in sout() is a ... variable of the ... class, its type is ... and this class has a method called "..."</a:t>
+            </a:r>
+          </a:p>
+          <a:p>
+            <a:pPr algn="l"/>
+            <a:r>
+              <a:rPr lang="en-US" sz="1800" dirty="0"/>
+              <a:t>– The "format" method will write a ... with specified format and variable into an ...</a:t>
+            </a:r>
+          </a:p>
+          <a:p>
+            <a:pPr algn="l"/>
+            <a:r>
+              <a:rPr lang="en-US" sz="1800" dirty="0"/>
+              <a:t>– The "format" method accepts 2 arguments, the first one is called ... with a type of String, this is where we store our ...</a:t>
+            </a:r>
+          </a:p>
+          <a:p>
+            <a:pPr algn="l"/>
+            <a:r>
+              <a:rPr lang="en-US" sz="1800" dirty="0"/>
+              <a:t>– Another arguments is ..., which is a "varargs", this is where we store our ...</a:t>
+            </a:r>
+          </a:p>
+          <a:p>
+            <a:pPr algn="l"/>
+            <a:r>
+              <a:rPr lang="en-US" sz="1800" dirty="0"/>
+              <a:t>- "PrintStream" class also contains ... method, which behaves the same as the "format" method</a:t>
+            </a:r>
+          </a:p>
+          <a:p>
+            <a:pPr algn="l"/>
+            <a:r>
+              <a:rPr lang="en-US" sz="1800" dirty="0"/>
+              <a:t>- There are only ... types of format specification we only need to remember:</a:t>
+            </a:r>
+          </a:p>
+          <a:p>
+            <a:pPr algn="l"/>
+            <a:r>
+              <a:rPr lang="en-US" sz="1800" dirty="0"/>
+              <a:t>%s</a:t>
+            </a:r>
+          </a:p>
+          <a:p>
+            <a:pPr algn="l"/>
+            <a:endParaRPr lang="en-US" sz="1800" dirty="0"/>
+          </a:p>
+          <a:p>
+            <a:pPr algn="l"/>
+            <a:r>
+              <a:rPr lang="en-US" sz="1800" dirty="0"/>
+              <a:t>%d </a:t>
+            </a:r>
+          </a:p>
+          <a:p>
+            <a:pPr algn="l"/>
+            <a:endParaRPr lang="en-US" sz="1800" dirty="0"/>
+          </a:p>
+          <a:p>
+            <a:pPr algn="l"/>
+            <a:r>
+              <a:rPr lang="en-US" sz="1800" dirty="0"/>
+              <a:t>%n</a:t>
+            </a:r>
+          </a:p>
+        </p:txBody>
+      </p:sp>
+    </p:spTree>
+    <p:extLst>
+      <p:ext uri="{BB962C8B-B14F-4D97-AF65-F5344CB8AC3E}">
+        <p14:creationId xmlns:p14="http://schemas.microsoft.com/office/powerpoint/2010/main" val="3535079395"/>
+      </p:ext>
+    </p:extLst>
+  </p:cSld>
+  <p:clrMapOvr>
+    <a:masterClrMapping/>
+  </p:clrMapOvr>
+  <p:timing>
+    <p:tnLst>
+      <p:par>
+        <p:cTn id="1" dur="indefinite" restart="never" nodeType="tmRoot">
+          <p:childTnLst>
+            <p:seq concurrent="1" nextAc="seek">
+              <p:cTn id="2" dur="indefinite" nodeType="mainSeq">
+                <p:childTnLst>
+                  <p:par>
+                    <p:cTn id="3" fill="hold">
+                      <p:stCondLst>
+                        <p:cond delay="indefinite"/>
+                      </p:stCondLst>
+                      <p:childTnLst>
+                        <p:par>
+                          <p:cTn id="4" fill="hold">
+                            <p:stCondLst>
+                              <p:cond delay="0"/>
+                            </p:stCondLst>
+                            <p:childTnLst>
+                              <p:par>
+                                <p:cTn id="5" presetID="1" presetClass="entr" presetSubtype="0" fill="hold" nodeType="clickEffect">
+                                  <p:stCondLst>
+                                    <p:cond delay="0"/>
+                                  </p:stCondLst>
+                                  <p:childTnLst>
+                                    <p:set>
+                                      <p:cBhvr>
+                                        <p:cTn id="6" dur="1" fill="hold">
+                                          <p:stCondLst>
+                                            <p:cond delay="0"/>
+                                          </p:stCondLst>
+                                        </p:cTn>
+                                        <p:tgtEl>
+                                          <p:spTgt spid="4">
+                                            <p:txEl>
+                                              <p:pRg st="0" end="0"/>
+                                            </p:txEl>
+                                          </p:spTgt>
+                                        </p:tgtEl>
+                                        <p:attrNameLst>
+                                          <p:attrName>style.visibility</p:attrName>
+                                        </p:attrNameLst>
+                                      </p:cBhvr>
+                                      <p:to>
+                                        <p:strVal val="visible"/>
+                                      </p:to>
+                                    </p:set>
+                                  </p:childTnLst>
+                                </p:cTn>
+                              </p:par>
+                            </p:childTnLst>
+                          </p:cTn>
+                        </p:par>
+                      </p:childTnLst>
+                    </p:cTn>
+                  </p:par>
+                  <p:par>
+                    <p:cTn id="7" fill="hold">
+                      <p:stCondLst>
+                        <p:cond delay="indefinite"/>
+                      </p:stCondLst>
+                      <p:childTnLst>
+                        <p:par>
+                          <p:cTn id="8" fill="hold">
+                            <p:stCondLst>
+                              <p:cond delay="0"/>
+                            </p:stCondLst>
+                            <p:childTnLst>
+                              <p:par>
+                                <p:cTn id="9" presetID="1" presetClass="entr" presetSubtype="0" fill="hold" nodeType="clickEffect">
+                                  <p:stCondLst>
+                                    <p:cond delay="0"/>
+                                  </p:stCondLst>
+                                  <p:childTnLst>
+                                    <p:set>
+                                      <p:cBhvr>
+                                        <p:cTn id="10" dur="1" fill="hold">
+                                          <p:stCondLst>
+                                            <p:cond delay="0"/>
+                                          </p:stCondLst>
+                                        </p:cTn>
+                                        <p:tgtEl>
+                                          <p:spTgt spid="4">
+                                            <p:txEl>
+                                              <p:pRg st="1" end="1"/>
+                                            </p:txEl>
+                                          </p:spTgt>
+                                        </p:tgtEl>
+                                        <p:attrNameLst>
+                                          <p:attrName>style.visibility</p:attrName>
+                                        </p:attrNameLst>
+                                      </p:cBhvr>
+                                      <p:to>
+                                        <p:strVal val="visible"/>
+                                      </p:to>
+                                    </p:set>
+                                  </p:childTnLst>
+                                </p:cTn>
+                              </p:par>
+                            </p:childTnLst>
+                          </p:cTn>
+                        </p:par>
+                      </p:childTnLst>
+                    </p:cTn>
+                  </p:par>
+                  <p:par>
+                    <p:cTn id="11" fill="hold">
+                      <p:stCondLst>
+                        <p:cond delay="indefinite"/>
+                      </p:stCondLst>
+                      <p:childTnLst>
+                        <p:par>
+                          <p:cTn id="12" fill="hold">
+                            <p:stCondLst>
+                              <p:cond delay="0"/>
+                            </p:stCondLst>
+                            <p:childTnLst>
+                              <p:par>
+                                <p:cTn id="13" presetID="1" presetClass="entr" presetSubtype="0" fill="hold" nodeType="clickEffect">
+                                  <p:stCondLst>
+                                    <p:cond delay="0"/>
+                                  </p:stCondLst>
+                                  <p:childTnLst>
+                                    <p:set>
+                                      <p:cBhvr>
+                                        <p:cTn id="14" dur="1" fill="hold">
+                                          <p:stCondLst>
+                                            <p:cond delay="0"/>
+                                          </p:stCondLst>
+                                        </p:cTn>
+                                        <p:tgtEl>
+                                          <p:spTgt spid="4">
+                                            <p:txEl>
+                                              <p:pRg st="2" end="2"/>
+                                            </p:txEl>
+                                          </p:spTgt>
+                                        </p:tgtEl>
+                                        <p:attrNameLst>
+                                          <p:attrName>style.visibility</p:attrName>
+                                        </p:attrNameLst>
+                                      </p:cBhvr>
+                                      <p:to>
+                                        <p:strVal val="visible"/>
+                                      </p:to>
+                                    </p:set>
+                                  </p:childTnLst>
+                                </p:cTn>
+                              </p:par>
+                            </p:childTnLst>
+                          </p:cTn>
+                        </p:par>
+                      </p:childTnLst>
+                    </p:cTn>
+                  </p:par>
+                  <p:par>
+                    <p:cTn id="15" fill="hold">
+                      <p:stCondLst>
+                        <p:cond delay="indefinite"/>
+                      </p:stCondLst>
+                      <p:childTnLst>
+                        <p:par>
+                          <p:cTn id="16" fill="hold">
+                            <p:stCondLst>
+                              <p:cond delay="0"/>
+                            </p:stCondLst>
+                            <p:childTnLst>
+                              <p:par>
+                                <p:cTn id="17" presetID="1" presetClass="entr" presetSubtype="0" fill="hold" nodeType="clickEffect">
+                                  <p:stCondLst>
+                                    <p:cond delay="0"/>
+                                  </p:stCondLst>
+                                  <p:childTnLst>
+                                    <p:set>
+                                      <p:cBhvr>
+                                        <p:cTn id="18" dur="1" fill="hold">
+                                          <p:stCondLst>
+                                            <p:cond delay="0"/>
+                                          </p:stCondLst>
+                                        </p:cTn>
+                                        <p:tgtEl>
+                                          <p:spTgt spid="4">
+                                            <p:txEl>
+                                              <p:pRg st="3" end="3"/>
+                                            </p:txEl>
+                                          </p:spTgt>
+                                        </p:tgtEl>
+                                        <p:attrNameLst>
+                                          <p:attrName>style.visibility</p:attrName>
+                                        </p:attrNameLst>
+                                      </p:cBhvr>
+                                      <p:to>
+                                        <p:strVal val="visible"/>
+                                      </p:to>
+                                    </p:set>
+                                  </p:childTnLst>
+                                </p:cTn>
+                              </p:par>
+                            </p:childTnLst>
+                          </p:cTn>
+                        </p:par>
+                      </p:childTnLst>
+                    </p:cTn>
+                  </p:par>
+                  <p:par>
+                    <p:cTn id="19" fill="hold">
+                      <p:stCondLst>
+                        <p:cond delay="indefinite"/>
+                      </p:stCondLst>
+                      <p:childTnLst>
+                        <p:par>
+                          <p:cTn id="20" fill="hold">
+                            <p:stCondLst>
+                              <p:cond delay="0"/>
+                            </p:stCondLst>
+                            <p:childTnLst>
+                              <p:par>
+                                <p:cTn id="21" presetID="1" presetClass="entr" presetSubtype="0" fill="hold" nodeType="clickEffect">
+                                  <p:stCondLst>
+                                    <p:cond delay="0"/>
+                                  </p:stCondLst>
+                                  <p:childTnLst>
+                                    <p:set>
+                                      <p:cBhvr>
+                                        <p:cTn id="22" dur="1" fill="hold">
+                                          <p:stCondLst>
+                                            <p:cond delay="0"/>
+                                          </p:stCondLst>
+                                        </p:cTn>
+                                        <p:tgtEl>
+                                          <p:spTgt spid="4">
+                                            <p:txEl>
+                                              <p:pRg st="4" end="4"/>
+                                            </p:txEl>
+                                          </p:spTgt>
+                                        </p:tgtEl>
+                                        <p:attrNameLst>
+                                          <p:attrName>style.visibility</p:attrName>
+                                        </p:attrNameLst>
+                                      </p:cBhvr>
+                                      <p:to>
+                                        <p:strVal val="visible"/>
+                                      </p:to>
+                                    </p:set>
+                                  </p:childTnLst>
+                                </p:cTn>
+                              </p:par>
+                            </p:childTnLst>
+                          </p:cTn>
+                        </p:par>
+                      </p:childTnLst>
+                    </p:cTn>
+                  </p:par>
+                  <p:par>
+                    <p:cTn id="23" fill="hold">
+                      <p:stCondLst>
+                        <p:cond delay="indefinite"/>
+                      </p:stCondLst>
+                      <p:childTnLst>
+                        <p:par>
+                          <p:cTn id="24" fill="hold">
+                            <p:stCondLst>
+                              <p:cond delay="0"/>
+                            </p:stCondLst>
+                            <p:childTnLst>
+                              <p:par>
+                                <p:cTn id="25" presetID="1" presetClass="entr" presetSubtype="0" fill="hold" nodeType="clickEffect">
+                                  <p:stCondLst>
+                                    <p:cond delay="0"/>
+                                  </p:stCondLst>
+                                  <p:childTnLst>
+                                    <p:set>
+                                      <p:cBhvr>
+                                        <p:cTn id="26" dur="1" fill="hold">
+                                          <p:stCondLst>
+                                            <p:cond delay="0"/>
+                                          </p:stCondLst>
+                                        </p:cTn>
+                                        <p:tgtEl>
+                                          <p:spTgt spid="4">
+                                            <p:txEl>
+                                              <p:pRg st="5" end="5"/>
+                                            </p:txEl>
+                                          </p:spTgt>
+                                        </p:tgtEl>
+                                        <p:attrNameLst>
+                                          <p:attrName>style.visibility</p:attrName>
+                                        </p:attrNameLst>
+                                      </p:cBhvr>
+                                      <p:to>
+                                        <p:strVal val="visible"/>
+                                      </p:to>
+                                    </p:set>
+                                  </p:childTnLst>
+                                </p:cTn>
+                              </p:par>
+                            </p:childTnLst>
+                          </p:cTn>
+                        </p:par>
+                      </p:childTnLst>
+                    </p:cTn>
+                  </p:par>
+                  <p:par>
+                    <p:cTn id="27" fill="hold">
+                      <p:stCondLst>
+                        <p:cond delay="indefinite"/>
+                      </p:stCondLst>
+                      <p:childTnLst>
+                        <p:par>
+                          <p:cTn id="28" fill="hold">
+                            <p:stCondLst>
+                              <p:cond delay="0"/>
+                            </p:stCondLst>
+                            <p:childTnLst>
+                              <p:par>
+                                <p:cTn id="29" presetID="1" presetClass="entr" presetSubtype="0" fill="hold" nodeType="clickEffect">
+                                  <p:stCondLst>
+                                    <p:cond delay="0"/>
+                                  </p:stCondLst>
+                                  <p:childTnLst>
+                                    <p:set>
+                                      <p:cBhvr>
+                                        <p:cTn id="30" dur="1" fill="hold">
+                                          <p:stCondLst>
+                                            <p:cond delay="0"/>
+                                          </p:stCondLst>
+                                        </p:cTn>
+                                        <p:tgtEl>
+                                          <p:spTgt spid="4">
+                                            <p:txEl>
+                                              <p:pRg st="6" end="6"/>
+                                            </p:txEl>
+                                          </p:spTgt>
+                                        </p:tgtEl>
+                                        <p:attrNameLst>
+                                          <p:attrName>style.visibility</p:attrName>
+                                        </p:attrNameLst>
+                                      </p:cBhvr>
+                                      <p:to>
+                                        <p:strVal val="visible"/>
+                                      </p:to>
+                                    </p:set>
+                                  </p:childTnLst>
+                                </p:cTn>
+                              </p:par>
+                            </p:childTnLst>
+                          </p:cTn>
+                        </p:par>
+                      </p:childTnLst>
+                    </p:cTn>
+                  </p:par>
+                  <p:par>
+                    <p:cTn id="31" fill="hold">
+                      <p:stCondLst>
+                        <p:cond delay="indefinite"/>
+                      </p:stCondLst>
+                      <p:childTnLst>
+                        <p:par>
+                          <p:cTn id="32" fill="hold">
+                            <p:stCondLst>
+                              <p:cond delay="0"/>
+                            </p:stCondLst>
+                            <p:childTnLst>
+                              <p:par>
+                                <p:cTn id="33" presetID="1" presetClass="entr" presetSubtype="0" fill="hold" nodeType="clickEffect">
+                                  <p:stCondLst>
+                                    <p:cond delay="0"/>
+                                  </p:stCondLst>
+                                  <p:childTnLst>
+                                    <p:set>
+                                      <p:cBhvr>
+                                        <p:cTn id="34" dur="1" fill="hold">
+                                          <p:stCondLst>
+                                            <p:cond delay="0"/>
+                                          </p:stCondLst>
+                                        </p:cTn>
+                                        <p:tgtEl>
+                                          <p:spTgt spid="4">
+                                            <p:txEl>
+                                              <p:pRg st="7" end="7"/>
+                                            </p:txEl>
+                                          </p:spTgt>
+                                        </p:tgtEl>
+                                        <p:attrNameLst>
+                                          <p:attrName>style.visibility</p:attrName>
+                                        </p:attrNameLst>
+                                      </p:cBhvr>
+                                      <p:to>
+                                        <p:strVal val="visible"/>
+                                      </p:to>
+                                    </p:set>
+                                  </p:childTnLst>
+                                </p:cTn>
+                              </p:par>
+                            </p:childTnLst>
+                          </p:cTn>
+                        </p:par>
+                      </p:childTnLst>
+                    </p:cTn>
+                  </p:par>
+                  <p:par>
+                    <p:cTn id="35" fill="hold">
+                      <p:stCondLst>
+                        <p:cond delay="indefinite"/>
+                      </p:stCondLst>
+                      <p:childTnLst>
+                        <p:par>
+                          <p:cTn id="36" fill="hold">
+                            <p:stCondLst>
+                              <p:cond delay="0"/>
+                            </p:stCondLst>
+                            <p:childTnLst>
+                              <p:par>
+                                <p:cTn id="37" presetID="1" presetClass="entr" presetSubtype="0" fill="hold" nodeType="clickEffect">
+                                  <p:stCondLst>
+                                    <p:cond delay="0"/>
+                                  </p:stCondLst>
+                                  <p:childTnLst>
+                                    <p:set>
+                                      <p:cBhvr>
+                                        <p:cTn id="38" dur="1" fill="hold">
+                                          <p:stCondLst>
+                                            <p:cond delay="0"/>
+                                          </p:stCondLst>
+                                        </p:cTn>
+                                        <p:tgtEl>
+                                          <p:spTgt spid="4">
+                                            <p:txEl>
+                                              <p:pRg st="8" end="8"/>
+                                            </p:txEl>
+                                          </p:spTgt>
+                                        </p:tgtEl>
+                                        <p:attrNameLst>
+                                          <p:attrName>style.visibility</p:attrName>
+                                        </p:attrNameLst>
+                                      </p:cBhvr>
+                                      <p:to>
+                                        <p:strVal val="visible"/>
+                                      </p:to>
+                                    </p:set>
+                                  </p:childTnLst>
+                                </p:cTn>
+                              </p:par>
+                            </p:childTnLst>
+                          </p:cTn>
+                        </p:par>
+                      </p:childTnLst>
+                    </p:cTn>
+                  </p:par>
+                  <p:par>
+                    <p:cTn id="39" fill="hold">
+                      <p:stCondLst>
+                        <p:cond delay="indefinite"/>
+                      </p:stCondLst>
+                      <p:childTnLst>
+                        <p:par>
+                          <p:cTn id="40" fill="hold">
+                            <p:stCondLst>
+                              <p:cond delay="0"/>
+                            </p:stCondLst>
+                            <p:childTnLst>
+                              <p:par>
+                                <p:cTn id="41" presetID="1" presetClass="entr" presetSubtype="0" fill="hold" nodeType="clickEffect">
+                                  <p:stCondLst>
+                                    <p:cond delay="0"/>
+                                  </p:stCondLst>
+                                  <p:childTnLst>
+                                    <p:set>
+                                      <p:cBhvr>
+                                        <p:cTn id="42" dur="1" fill="hold">
+                                          <p:stCondLst>
+                                            <p:cond delay="0"/>
+                                          </p:stCondLst>
+                                        </p:cTn>
+                                        <p:tgtEl>
+                                          <p:spTgt spid="4">
+                                            <p:txEl>
+                                              <p:pRg st="9" end="9"/>
+                                            </p:txEl>
+                                          </p:spTgt>
+                                        </p:tgtEl>
+                                        <p:attrNameLst>
+                                          <p:attrName>style.visibility</p:attrName>
+                                        </p:attrNameLst>
+                                      </p:cBhvr>
+                                      <p:to>
+                                        <p:strVal val="visible"/>
+                                      </p:to>
+                                    </p:set>
+                                  </p:childTnLst>
+                                </p:cTn>
+                              </p:par>
+                            </p:childTnLst>
+                          </p:cTn>
+                        </p:par>
+                      </p:childTnLst>
+                    </p:cTn>
+                  </p:par>
+                  <p:par>
+                    <p:cTn id="43" fill="hold">
+                      <p:stCondLst>
+                        <p:cond delay="indefinite"/>
+                      </p:stCondLst>
+                      <p:childTnLst>
+                        <p:par>
+                          <p:cTn id="44" fill="hold">
+                            <p:stCondLst>
+                              <p:cond delay="0"/>
+                            </p:stCondLst>
+                            <p:childTnLst>
+                              <p:par>
+                                <p:cTn id="45" presetID="1" presetClass="entr" presetSubtype="0" fill="hold" nodeType="clickEffect">
+                                  <p:stCondLst>
+                                    <p:cond delay="0"/>
+                                  </p:stCondLst>
+                                  <p:childTnLst>
+                                    <p:set>
+                                      <p:cBhvr>
+                                        <p:cTn id="46" dur="1" fill="hold">
+                                          <p:stCondLst>
+                                            <p:cond delay="0"/>
+                                          </p:stCondLst>
+                                        </p:cTn>
+                                        <p:tgtEl>
+                                          <p:spTgt spid="4">
+                                            <p:txEl>
+                                              <p:pRg st="11" end="11"/>
+                                            </p:txEl>
+                                          </p:spTgt>
+                                        </p:tgtEl>
+                                        <p:attrNameLst>
+                                          <p:attrName>style.visibility</p:attrName>
+                                        </p:attrNameLst>
+                                      </p:cBhvr>
+                                      <p:to>
+                                        <p:strVal val="visible"/>
+                                      </p:to>
+                                    </p:set>
+                                  </p:childTnLst>
+                                </p:cTn>
+                              </p:par>
+                            </p:childTnLst>
+                          </p:cTn>
+                        </p:par>
+                      </p:childTnLst>
+                    </p:cTn>
+                  </p:par>
+                  <p:par>
+                    <p:cTn id="47" fill="hold">
+                      <p:stCondLst>
+                        <p:cond delay="indefinite"/>
+                      </p:stCondLst>
+                      <p:childTnLst>
+                        <p:par>
+                          <p:cTn id="48" fill="hold">
+                            <p:stCondLst>
+                              <p:cond delay="0"/>
+                            </p:stCondLst>
+                            <p:childTnLst>
+                              <p:par>
+                                <p:cTn id="49" presetID="1" presetClass="entr" presetSubtype="0" fill="hold" nodeType="clickEffect">
+                                  <p:stCondLst>
+                                    <p:cond delay="0"/>
+                                  </p:stCondLst>
+                                  <p:childTnLst>
+                                    <p:set>
+                                      <p:cBhvr>
+                                        <p:cTn id="50" dur="1" fill="hold">
+                                          <p:stCondLst>
+                                            <p:cond delay="0"/>
+                                          </p:stCondLst>
+                                        </p:cTn>
+                                        <p:tgtEl>
+                                          <p:spTgt spid="4">
+                                            <p:txEl>
+                                              <p:pRg st="13" end="13"/>
+                                            </p:txEl>
+                                          </p:spTgt>
+                                        </p:tgtEl>
+                                        <p:attrNameLst>
+                                          <p:attrName>style.visibility</p:attrName>
+                                        </p:attrNameLst>
+                                      </p:cBhvr>
+                                      <p:to>
+                                        <p:strVal val="visible"/>
+                                      </p:to>
+                                    </p:set>
+                                  </p:childTnLst>
+                                </p:cTn>
+                              </p:par>
+                            </p:childTnLst>
+                          </p:cTn>
+                        </p:par>
+                      </p:childTnLst>
+                    </p:cTn>
+                  </p:par>
+                </p:childTnLst>
+              </p:cTn>
+              <p:prevCondLst>
+                <p:cond evt="onPrev" delay="0">
+                  <p:tgtEl>
+                    <p:sldTgt/>
+                  </p:tgtEl>
+                </p:cond>
+              </p:prevCondLst>
+              <p:nextCondLst>
+                <p:cond evt="onNext" delay="0">
+                  <p:tgtEl>
+                    <p:sldTgt/>
+                  </p:tgtEl>
+                </p:cond>
+              </p:nextCondLst>
+            </p:seq>
+          </p:childTnLst>
+        </p:cTn>
+      </p:par>
+    </p:tnLst>
+  </p:timing>
+</p:sld>
+</file>
+
+<file path=ppt/slides/slide16.xml><?xml version="1.0" encoding="utf-8"?>
+<p:sld xmlns:a="http://schemas.openxmlformats.org/drawingml/2006/main" xmlns:r="http://schemas.openxmlformats.org/officeDocument/2006/relationships" xmlns:p="http://schemas.openxmlformats.org/presentationml/2006/main">
+  <p:cSld>
+    <p:spTree>
+      <p:nvGrpSpPr>
+        <p:cNvPr id="1" name="">
+          <a:extLst>
+            <a:ext uri="{FF2B5EF4-FFF2-40B4-BE49-F238E27FC236}">
+              <a16:creationId xmlns:a16="http://schemas.microsoft.com/office/drawing/2014/main" id="{089FF797-270A-F010-3F24-8E7E36D6F838}"/>
+            </a:ext>
+          </a:extLst>
+        </p:cNvPr>
+        <p:cNvGrpSpPr/>
+        <p:nvPr/>
+      </p:nvGrpSpPr>
+      <p:grpSpPr>
+        <a:xfrm>
+          <a:off x="0" y="0"/>
+          <a:ext cx="0" cy="0"/>
+          <a:chOff x="0" y="0"/>
+          <a:chExt cx="0" cy="0"/>
+        </a:xfrm>
+      </p:grpSpPr>
+      <p:sp>
+        <p:nvSpPr>
+          <p:cNvPr id="3" name="Subtitle 2">
+            <a:extLst>
+              <a:ext uri="{FF2B5EF4-FFF2-40B4-BE49-F238E27FC236}">
+                <a16:creationId xmlns:a16="http://schemas.microsoft.com/office/drawing/2014/main" id="{AAD2EE2A-C3EB-4BB7-583C-30C85FF73D36}"/>
+              </a:ext>
+            </a:extLst>
+          </p:cNvPr>
+          <p:cNvSpPr>
+            <a:spLocks noGrp="1"/>
+          </p:cNvSpPr>
+          <p:nvPr>
+            <p:ph type="subTitle" idx="1"/>
+          </p:nvPr>
+        </p:nvSpPr>
+        <p:spPr>
+          <a:xfrm>
+            <a:off x="97970" y="293688"/>
+            <a:ext cx="9436448" cy="303212"/>
+          </a:xfrm>
+        </p:spPr>
+        <p:txBody>
+          <a:bodyPr>
+            <a:normAutofit fontScale="92500" lnSpcReduction="20000"/>
+          </a:bodyPr>
+          <a:lstStyle/>
+          <a:p>
+            <a:r>
+              <a:rPr lang="en-US" sz="1800" b="1" dirty="0"/>
+              <a:t>13.2 Formatting Strings</a:t>
+            </a:r>
+          </a:p>
+        </p:txBody>
+      </p:sp>
+      <p:sp>
+        <p:nvSpPr>
+          <p:cNvPr id="4" name="Subtitle 2">
+            <a:extLst>
+              <a:ext uri="{FF2B5EF4-FFF2-40B4-BE49-F238E27FC236}">
+                <a16:creationId xmlns:a16="http://schemas.microsoft.com/office/drawing/2014/main" id="{560EDB4D-4D38-BA20-D36B-FFCDE8D5081B}"/>
+              </a:ext>
+            </a:extLst>
+          </p:cNvPr>
+          <p:cNvSpPr txBox="1">
+            <a:spLocks/>
+          </p:cNvSpPr>
+          <p:nvPr/>
+        </p:nvSpPr>
+        <p:spPr>
+          <a:xfrm>
+            <a:off x="0" y="820738"/>
+            <a:ext cx="12192000" cy="6037262"/>
+          </a:xfrm>
+          <a:prstGeom prst="rect">
+            <a:avLst/>
+          </a:prstGeom>
+        </p:spPr>
+        <p:txBody>
+          <a:bodyPr vert="horz" lIns="91440" tIns="45720" rIns="91440" bIns="45720" rtlCol="0">
+            <a:normAutofit/>
+          </a:bodyPr>
+          <a:lstStyle>
+            <a:lvl1pPr marL="0" indent="0" algn="ctr" defTabSz="914400" rtl="0" eaLnBrk="1" latinLnBrk="0" hangingPunct="1">
+              <a:lnSpc>
+                <a:spcPct val="90000"/>
+              </a:lnSpc>
+              <a:spcBef>
+                <a:spcPts val="1000"/>
+              </a:spcBef>
+              <a:buFont typeface="Arial" panose="020B0604020202020204" pitchFamily="34" charset="0"/>
+              <a:buNone/>
+              <a:defRPr sz="2400" kern="1200">
+                <a:solidFill>
+                  <a:schemeClr val="tx1"/>
+                </a:solidFill>
+                <a:latin typeface="+mn-lt"/>
+                <a:ea typeface="+mn-ea"/>
+                <a:cs typeface="+mn-cs"/>
+              </a:defRPr>
+            </a:lvl1pPr>
+            <a:lvl2pPr marL="457200" indent="0" algn="ctr" defTabSz="914400" rtl="0" eaLnBrk="1" latinLnBrk="0" hangingPunct="1">
+              <a:lnSpc>
+                <a:spcPct val="90000"/>
+              </a:lnSpc>
+              <a:spcBef>
+                <a:spcPts val="500"/>
+              </a:spcBef>
+              <a:buFont typeface="Arial" panose="020B0604020202020204" pitchFamily="34" charset="0"/>
+              <a:buNone/>
+              <a:defRPr sz="2000" kern="1200">
+                <a:solidFill>
+                  <a:schemeClr val="tx1"/>
+                </a:solidFill>
+                <a:latin typeface="+mn-lt"/>
+                <a:ea typeface="+mn-ea"/>
+                <a:cs typeface="+mn-cs"/>
+              </a:defRPr>
+            </a:lvl2pPr>
+            <a:lvl3pPr marL="914400" indent="0" algn="ctr" defTabSz="914400" rtl="0" eaLnBrk="1" latinLnBrk="0" hangingPunct="1">
+              <a:lnSpc>
+                <a:spcPct val="90000"/>
+              </a:lnSpc>
+              <a:spcBef>
+                <a:spcPts val="500"/>
+              </a:spcBef>
+              <a:buFont typeface="Arial" panose="020B0604020202020204" pitchFamily="34" charset="0"/>
+              <a:buNone/>
+              <a:defRPr sz="1800" kern="1200">
+                <a:solidFill>
+                  <a:schemeClr val="tx1"/>
+                </a:solidFill>
+                <a:latin typeface="+mn-lt"/>
+                <a:ea typeface="+mn-ea"/>
+                <a:cs typeface="+mn-cs"/>
+              </a:defRPr>
+            </a:lvl3pPr>
+            <a:lvl4pPr marL="1371600" indent="0" algn="ctr" defTabSz="914400" rtl="0" eaLnBrk="1" latinLnBrk="0" hangingPunct="1">
+              <a:lnSpc>
+                <a:spcPct val="90000"/>
+              </a:lnSpc>
+              <a:spcBef>
+                <a:spcPts val="500"/>
+              </a:spcBef>
+              <a:buFont typeface="Arial" panose="020B0604020202020204" pitchFamily="34" charset="0"/>
+              <a:buNone/>
+              <a:defRPr sz="1600" kern="1200">
+                <a:solidFill>
+                  <a:schemeClr val="tx1"/>
+                </a:solidFill>
+                <a:latin typeface="+mn-lt"/>
+                <a:ea typeface="+mn-ea"/>
+                <a:cs typeface="+mn-cs"/>
+              </a:defRPr>
+            </a:lvl4pPr>
+            <a:lvl5pPr marL="1828800" indent="0" algn="ctr" defTabSz="914400" rtl="0" eaLnBrk="1" latinLnBrk="0" hangingPunct="1">
+              <a:lnSpc>
+                <a:spcPct val="90000"/>
+              </a:lnSpc>
+              <a:spcBef>
+                <a:spcPts val="500"/>
+              </a:spcBef>
+              <a:buFont typeface="Arial" panose="020B0604020202020204" pitchFamily="34" charset="0"/>
+              <a:buNone/>
+              <a:defRPr sz="1600" kern="1200">
+                <a:solidFill>
+                  <a:schemeClr val="tx1"/>
+                </a:solidFill>
+                <a:latin typeface="+mn-lt"/>
+                <a:ea typeface="+mn-ea"/>
+                <a:cs typeface="+mn-cs"/>
+              </a:defRPr>
+            </a:lvl5pPr>
+            <a:lvl6pPr marL="2286000" indent="0" algn="ctr" defTabSz="914400" rtl="0" eaLnBrk="1" latinLnBrk="0" hangingPunct="1">
+              <a:lnSpc>
+                <a:spcPct val="90000"/>
+              </a:lnSpc>
+              <a:spcBef>
+                <a:spcPts val="500"/>
+              </a:spcBef>
+              <a:buFont typeface="Arial" panose="020B0604020202020204" pitchFamily="34" charset="0"/>
+              <a:buNone/>
+              <a:defRPr sz="1600" kern="1200">
+                <a:solidFill>
+                  <a:schemeClr val="tx1"/>
+                </a:solidFill>
+                <a:latin typeface="+mn-lt"/>
+                <a:ea typeface="+mn-ea"/>
+                <a:cs typeface="+mn-cs"/>
+              </a:defRPr>
+            </a:lvl6pPr>
+            <a:lvl7pPr marL="2743200" indent="0" algn="ctr" defTabSz="914400" rtl="0" eaLnBrk="1" latinLnBrk="0" hangingPunct="1">
+              <a:lnSpc>
+                <a:spcPct val="90000"/>
+              </a:lnSpc>
+              <a:spcBef>
+                <a:spcPts val="500"/>
+              </a:spcBef>
+              <a:buFont typeface="Arial" panose="020B0604020202020204" pitchFamily="34" charset="0"/>
+              <a:buNone/>
+              <a:defRPr sz="1600" kern="1200">
+                <a:solidFill>
+                  <a:schemeClr val="tx1"/>
+                </a:solidFill>
+                <a:latin typeface="+mn-lt"/>
+                <a:ea typeface="+mn-ea"/>
+                <a:cs typeface="+mn-cs"/>
+              </a:defRPr>
+            </a:lvl7pPr>
+            <a:lvl8pPr marL="3200400" indent="0" algn="ctr" defTabSz="914400" rtl="0" eaLnBrk="1" latinLnBrk="0" hangingPunct="1">
+              <a:lnSpc>
+                <a:spcPct val="90000"/>
+              </a:lnSpc>
+              <a:spcBef>
+                <a:spcPts val="500"/>
+              </a:spcBef>
+              <a:buFont typeface="Arial" panose="020B0604020202020204" pitchFamily="34" charset="0"/>
+              <a:buNone/>
+              <a:defRPr sz="1600" kern="1200">
+                <a:solidFill>
+                  <a:schemeClr val="tx1"/>
+                </a:solidFill>
+                <a:latin typeface="+mn-lt"/>
+                <a:ea typeface="+mn-ea"/>
+                <a:cs typeface="+mn-cs"/>
+              </a:defRPr>
+            </a:lvl8pPr>
+            <a:lvl9pPr marL="3657600" indent="0" algn="ctr" defTabSz="914400" rtl="0" eaLnBrk="1" latinLnBrk="0" hangingPunct="1">
+              <a:lnSpc>
+                <a:spcPct val="90000"/>
+              </a:lnSpc>
+              <a:spcBef>
+                <a:spcPts val="500"/>
+              </a:spcBef>
+              <a:buFont typeface="Arial" panose="020B0604020202020204" pitchFamily="34" charset="0"/>
+              <a:buNone/>
+              <a:defRPr sz="1600" kern="1200">
+                <a:solidFill>
+                  <a:schemeClr val="tx1"/>
+                </a:solidFill>
+                <a:latin typeface="+mn-lt"/>
+                <a:ea typeface="+mn-ea"/>
+                <a:cs typeface="+mn-cs"/>
+              </a:defRPr>
+            </a:lvl9pPr>
+          </a:lstStyle>
+          <a:p>
+            <a:pPr algn="l"/>
+            <a:r>
+              <a:rPr lang="en-US" sz="1800" dirty="0"/>
+              <a:t>- %d can only hold ... datatype (if we try to insert ... and ... =&gt;Exception) </a:t>
+            </a:r>
+          </a:p>
+          <a:p>
+            <a:pPr algn="l"/>
+            <a:r>
+              <a:rPr lang="en-US" sz="1800" dirty="0"/>
+              <a:t>- However, since many datatypes can be ... to String =&gt; %s can ...</a:t>
+            </a:r>
+          </a:p>
+          <a:p>
+            <a:pPr algn="l"/>
+            <a:r>
+              <a:rPr lang="en-US" sz="1800" dirty="0"/>
+              <a:t>– If the number of format specifier &gt; number of ... =&gt; Exception</a:t>
+            </a:r>
+          </a:p>
+          <a:p>
+            <a:pPr algn="l"/>
+            <a:r>
+              <a:rPr lang="en-US" sz="1800" dirty="0"/>
+              <a:t>(code illustration snippet 29)</a:t>
+            </a:r>
+          </a:p>
+          <a:p>
+            <a:pPr algn="l"/>
+            <a:r>
+              <a:rPr lang="en-US" sz="1800" dirty="0"/>
+              <a:t>- The String class also have a ... version of "format" method, which only ... the formatted string itself, not ... it out</a:t>
+            </a:r>
+          </a:p>
+        </p:txBody>
+      </p:sp>
+    </p:spTree>
+    <p:extLst>
+      <p:ext uri="{BB962C8B-B14F-4D97-AF65-F5344CB8AC3E}">
+        <p14:creationId xmlns:p14="http://schemas.microsoft.com/office/powerpoint/2010/main" val="3410723161"/>
+      </p:ext>
+    </p:extLst>
+  </p:cSld>
+  <p:clrMapOvr>
+    <a:masterClrMapping/>
+  </p:clrMapOvr>
+  <p:timing>
+    <p:tnLst>
+      <p:par>
+        <p:cTn id="1" dur="indefinite" restart="never" nodeType="tmRoot">
+          <p:childTnLst>
+            <p:seq concurrent="1" nextAc="seek">
+              <p:cTn id="2" dur="indefinite" nodeType="mainSeq">
+                <p:childTnLst>
+                  <p:par>
+                    <p:cTn id="3" fill="hold">
+                      <p:stCondLst>
+                        <p:cond delay="indefinite"/>
+                      </p:stCondLst>
+                      <p:childTnLst>
+                        <p:par>
+                          <p:cTn id="4" fill="hold">
+                            <p:stCondLst>
+                              <p:cond delay="0"/>
+                            </p:stCondLst>
+                            <p:childTnLst>
+                              <p:par>
+                                <p:cTn id="5" presetID="1" presetClass="entr" presetSubtype="0" fill="hold" nodeType="clickEffect">
+                                  <p:stCondLst>
+                                    <p:cond delay="0"/>
+                                  </p:stCondLst>
+                                  <p:childTnLst>
+                                    <p:set>
+                                      <p:cBhvr>
+                                        <p:cTn id="6" dur="1" fill="hold">
+                                          <p:stCondLst>
+                                            <p:cond delay="0"/>
+                                          </p:stCondLst>
+                                        </p:cTn>
+                                        <p:tgtEl>
+                                          <p:spTgt spid="4">
+                                            <p:txEl>
+                                              <p:pRg st="0" end="0"/>
+                                            </p:txEl>
+                                          </p:spTgt>
+                                        </p:tgtEl>
+                                        <p:attrNameLst>
+                                          <p:attrName>style.visibility</p:attrName>
+                                        </p:attrNameLst>
+                                      </p:cBhvr>
+                                      <p:to>
+                                        <p:strVal val="visible"/>
+                                      </p:to>
+                                    </p:set>
+                                  </p:childTnLst>
+                                </p:cTn>
+                              </p:par>
+                            </p:childTnLst>
+                          </p:cTn>
+                        </p:par>
+                      </p:childTnLst>
+                    </p:cTn>
+                  </p:par>
+                  <p:par>
+                    <p:cTn id="7" fill="hold">
+                      <p:stCondLst>
+                        <p:cond delay="indefinite"/>
+                      </p:stCondLst>
+                      <p:childTnLst>
+                        <p:par>
+                          <p:cTn id="8" fill="hold">
+                            <p:stCondLst>
+                              <p:cond delay="0"/>
+                            </p:stCondLst>
+                            <p:childTnLst>
+                              <p:par>
+                                <p:cTn id="9" presetID="1" presetClass="entr" presetSubtype="0" fill="hold" nodeType="clickEffect">
+                                  <p:stCondLst>
+                                    <p:cond delay="0"/>
+                                  </p:stCondLst>
+                                  <p:childTnLst>
+                                    <p:set>
+                                      <p:cBhvr>
+                                        <p:cTn id="10" dur="1" fill="hold">
+                                          <p:stCondLst>
+                                            <p:cond delay="0"/>
+                                          </p:stCondLst>
+                                        </p:cTn>
+                                        <p:tgtEl>
+                                          <p:spTgt spid="4">
+                                            <p:txEl>
+                                              <p:pRg st="1" end="1"/>
+                                            </p:txEl>
+                                          </p:spTgt>
+                                        </p:tgtEl>
+                                        <p:attrNameLst>
+                                          <p:attrName>style.visibility</p:attrName>
+                                        </p:attrNameLst>
+                                      </p:cBhvr>
+                                      <p:to>
+                                        <p:strVal val="visible"/>
+                                      </p:to>
+                                    </p:set>
+                                  </p:childTnLst>
+                                </p:cTn>
+                              </p:par>
+                            </p:childTnLst>
+                          </p:cTn>
+                        </p:par>
+                      </p:childTnLst>
+                    </p:cTn>
+                  </p:par>
+                  <p:par>
+                    <p:cTn id="11" fill="hold">
+                      <p:stCondLst>
+                        <p:cond delay="indefinite"/>
+                      </p:stCondLst>
+                      <p:childTnLst>
+                        <p:par>
+                          <p:cTn id="12" fill="hold">
+                            <p:stCondLst>
+                              <p:cond delay="0"/>
+                            </p:stCondLst>
+                            <p:childTnLst>
+                              <p:par>
+                                <p:cTn id="13" presetID="1" presetClass="entr" presetSubtype="0" fill="hold" nodeType="clickEffect">
+                                  <p:stCondLst>
+                                    <p:cond delay="0"/>
+                                  </p:stCondLst>
+                                  <p:childTnLst>
+                                    <p:set>
+                                      <p:cBhvr>
+                                        <p:cTn id="14" dur="1" fill="hold">
+                                          <p:stCondLst>
+                                            <p:cond delay="0"/>
+                                          </p:stCondLst>
+                                        </p:cTn>
+                                        <p:tgtEl>
+                                          <p:spTgt spid="4">
+                                            <p:txEl>
+                                              <p:pRg st="2" end="2"/>
+                                            </p:txEl>
+                                          </p:spTgt>
+                                        </p:tgtEl>
+                                        <p:attrNameLst>
+                                          <p:attrName>style.visibility</p:attrName>
+                                        </p:attrNameLst>
+                                      </p:cBhvr>
+                                      <p:to>
+                                        <p:strVal val="visible"/>
+                                      </p:to>
+                                    </p:set>
+                                  </p:childTnLst>
+                                </p:cTn>
+                              </p:par>
+                            </p:childTnLst>
+                          </p:cTn>
+                        </p:par>
+                      </p:childTnLst>
+                    </p:cTn>
+                  </p:par>
+                  <p:par>
+                    <p:cTn id="15" fill="hold">
+                      <p:stCondLst>
+                        <p:cond delay="indefinite"/>
+                      </p:stCondLst>
+                      <p:childTnLst>
+                        <p:par>
+                          <p:cTn id="16" fill="hold">
+                            <p:stCondLst>
+                              <p:cond delay="0"/>
+                            </p:stCondLst>
+                            <p:childTnLst>
+                              <p:par>
+                                <p:cTn id="17" presetID="1" presetClass="entr" presetSubtype="0" fill="hold" nodeType="clickEffect">
+                                  <p:stCondLst>
+                                    <p:cond delay="0"/>
+                                  </p:stCondLst>
+                                  <p:childTnLst>
+                                    <p:set>
+                                      <p:cBhvr>
+                                        <p:cTn id="18" dur="1" fill="hold">
+                                          <p:stCondLst>
+                                            <p:cond delay="0"/>
+                                          </p:stCondLst>
+                                        </p:cTn>
+                                        <p:tgtEl>
+                                          <p:spTgt spid="4">
+                                            <p:txEl>
+                                              <p:pRg st="3" end="3"/>
+                                            </p:txEl>
+                                          </p:spTgt>
+                                        </p:tgtEl>
+                                        <p:attrNameLst>
+                                          <p:attrName>style.visibility</p:attrName>
+                                        </p:attrNameLst>
+                                      </p:cBhvr>
+                                      <p:to>
+                                        <p:strVal val="visible"/>
+                                      </p:to>
+                                    </p:set>
+                                  </p:childTnLst>
+                                </p:cTn>
+                              </p:par>
+                            </p:childTnLst>
+                          </p:cTn>
+                        </p:par>
+                      </p:childTnLst>
+                    </p:cTn>
+                  </p:par>
+                  <p:par>
+                    <p:cTn id="19" fill="hold">
+                      <p:stCondLst>
+                        <p:cond delay="indefinite"/>
+                      </p:stCondLst>
+                      <p:childTnLst>
+                        <p:par>
+                          <p:cTn id="20" fill="hold">
+                            <p:stCondLst>
+                              <p:cond delay="0"/>
+                            </p:stCondLst>
+                            <p:childTnLst>
+                              <p:par>
+                                <p:cTn id="21" presetID="1" presetClass="entr" presetSubtype="0" fill="hold" nodeType="clickEffect">
+                                  <p:stCondLst>
+                                    <p:cond delay="0"/>
+                                  </p:stCondLst>
+                                  <p:childTnLst>
+                                    <p:set>
+                                      <p:cBhvr>
+                                        <p:cTn id="22" dur="1" fill="hold">
+                                          <p:stCondLst>
+                                            <p:cond delay="0"/>
+                                          </p:stCondLst>
+                                        </p:cTn>
+                                        <p:tgtEl>
+                                          <p:spTgt spid="4">
+                                            <p:txEl>
+                                              <p:pRg st="4" end="4"/>
+                                            </p:txEl>
+                                          </p:spTgt>
+                                        </p:tgtEl>
+                                        <p:attrNameLst>
+                                          <p:attrName>style.visibility</p:attrName>
+                                        </p:attrNameLst>
+                                      </p:cBhvr>
+                                      <p:to>
+                                        <p:strVal val="visible"/>
+                                      </p:to>
+                                    </p:set>
+                                  </p:childTnLst>
+                                </p:cTn>
+                              </p:par>
+                            </p:childTnLst>
+                          </p:cTn>
+                        </p:par>
+                      </p:childTnLst>
+                    </p:cTn>
+                  </p:par>
+                </p:childTnLst>
+              </p:cTn>
+              <p:prevCondLst>
+                <p:cond evt="onPrev" delay="0">
+                  <p:tgtEl>
+                    <p:sldTgt/>
+                  </p:tgtEl>
+                </p:cond>
+              </p:prevCondLst>
+              <p:nextCondLst>
+                <p:cond evt="onNext" delay="0">
+                  <p:tgtEl>
+                    <p:sldTgt/>
+                  </p:tgtEl>
+                </p:cond>
+              </p:nextCondLst>
+            </p:seq>
+          </p:childTnLst>
+        </p:cTn>
+      </p:par>
+    </p:tnLst>
+  </p:timing>
+</p:sld>
+</file>
+
 <file path=ppt/slides/slide2.xml><?xml version="1.0" encoding="utf-8"?>
+<p:sld xmlns:a="http://schemas.openxmlformats.org/drawingml/2006/main" xmlns:r="http://schemas.openxmlformats.org/officeDocument/2006/relationships" xmlns:p="http://schemas.openxmlformats.org/presentationml/2006/main">
+  <p:cSld>
+    <p:spTree>
+      <p:nvGrpSpPr>
+        <p:cNvPr id="1" name="">
+          <a:extLst>
+            <a:ext uri="{FF2B5EF4-FFF2-40B4-BE49-F238E27FC236}">
+              <a16:creationId xmlns:a16="http://schemas.microsoft.com/office/drawing/2014/main" id="{56B71A36-5735-D7A4-DE58-D5FD26D13A65}"/>
+            </a:ext>
+          </a:extLst>
+        </p:cNvPr>
+        <p:cNvGrpSpPr/>
+        <p:nvPr/>
+      </p:nvGrpSpPr>
+      <p:grpSpPr>
+        <a:xfrm>
+          <a:off x="0" y="0"/>
+          <a:ext cx="0" cy="0"/>
+          <a:chOff x="0" y="0"/>
+          <a:chExt cx="0" cy="0"/>
+        </a:xfrm>
+      </p:grpSpPr>
+      <p:sp>
+        <p:nvSpPr>
+          <p:cNvPr id="3" name="Subtitle 2">
+            <a:extLst>
+              <a:ext uri="{FF2B5EF4-FFF2-40B4-BE49-F238E27FC236}">
+                <a16:creationId xmlns:a16="http://schemas.microsoft.com/office/drawing/2014/main" id="{1632153C-1F34-611B-C5BC-6CD48A85E25C}"/>
+              </a:ext>
+            </a:extLst>
+          </p:cNvPr>
+          <p:cNvSpPr>
+            <a:spLocks noGrp="1"/>
+          </p:cNvSpPr>
+          <p:nvPr>
+            <p:ph type="subTitle" idx="1"/>
+          </p:nvPr>
+        </p:nvSpPr>
+        <p:spPr>
+          <a:xfrm>
+            <a:off x="1524000" y="2601119"/>
+            <a:ext cx="9144000" cy="1655762"/>
+          </a:xfrm>
+        </p:spPr>
+        <p:txBody>
+          <a:bodyPr/>
+          <a:lstStyle/>
+          <a:p>
+            <a:r>
+              <a:rPr lang="en-US" dirty="0"/>
+              <a:t>Chapter 12 – Working with Math and Random Classes</a:t>
+            </a:r>
+          </a:p>
+        </p:txBody>
+      </p:sp>
+    </p:spTree>
+    <p:extLst>
+      <p:ext uri="{BB962C8B-B14F-4D97-AF65-F5344CB8AC3E}">
+        <p14:creationId xmlns:p14="http://schemas.microsoft.com/office/powerpoint/2010/main" val="1473588978"/>
+      </p:ext>
+    </p:extLst>
+  </p:cSld>
+  <p:clrMapOvr>
+    <a:masterClrMapping/>
+  </p:clrMapOvr>
+</p:sld>
+</file>
+
+<file path=ppt/slides/slide3.xml><?xml version="1.0" encoding="utf-8"?>
 <p:sld xmlns:a="http://schemas.openxmlformats.org/drawingml/2006/main" xmlns:r="http://schemas.openxmlformats.org/officeDocument/2006/relationships" xmlns:p="http://schemas.openxmlformats.org/presentationml/2006/main">
   <p:cSld>
     <p:spTree>
@@ -5421,12 +10310,4144 @@
               <a:t>- The return type of the method also ... with the argument type of the method  </a:t>
             </a:r>
           </a:p>
+          <a:p>
+            <a:pPr algn="l"/>
+            <a:r>
+              <a:rPr lang="en-US" sz="1800" dirty="0"/>
+              <a:t>(code illustration snippet 1 – 2 – 3 – 4)</a:t>
+            </a:r>
+          </a:p>
+          <a:p>
+            <a:pPr algn="l"/>
+            <a:r>
+              <a:rPr lang="en-US" sz="1800" dirty="0"/>
+              <a:t>- The method "Math.random()" return a value in range ... &lt; x &lt; ... (the type of value return is ...)</a:t>
+            </a:r>
+          </a:p>
+          <a:p>
+            <a:pPr algn="l"/>
+            <a:r>
+              <a:rPr lang="en-US" sz="1800" dirty="0"/>
+              <a:t>(code illustration snippet 5)</a:t>
+            </a:r>
+          </a:p>
         </p:txBody>
       </p:sp>
     </p:spTree>
     <p:extLst>
       <p:ext uri="{BB962C8B-B14F-4D97-AF65-F5344CB8AC3E}">
         <p14:creationId xmlns:p14="http://schemas.microsoft.com/office/powerpoint/2010/main" val="3250148969"/>
+      </p:ext>
+    </p:extLst>
+  </p:cSld>
+  <p:clrMapOvr>
+    <a:masterClrMapping/>
+  </p:clrMapOvr>
+  <p:timing>
+    <p:tnLst>
+      <p:par>
+        <p:cTn id="1" dur="indefinite" restart="never" nodeType="tmRoot">
+          <p:childTnLst>
+            <p:seq concurrent="1" nextAc="seek">
+              <p:cTn id="2" dur="indefinite" nodeType="mainSeq">
+                <p:childTnLst>
+                  <p:par>
+                    <p:cTn id="3" fill="hold">
+                      <p:stCondLst>
+                        <p:cond delay="indefinite"/>
+                      </p:stCondLst>
+                      <p:childTnLst>
+                        <p:par>
+                          <p:cTn id="4" fill="hold">
+                            <p:stCondLst>
+                              <p:cond delay="0"/>
+                            </p:stCondLst>
+                            <p:childTnLst>
+                              <p:par>
+                                <p:cTn id="5" presetID="1" presetClass="entr" presetSubtype="0" fill="hold" nodeType="clickEffect">
+                                  <p:stCondLst>
+                                    <p:cond delay="0"/>
+                                  </p:stCondLst>
+                                  <p:childTnLst>
+                                    <p:set>
+                                      <p:cBhvr>
+                                        <p:cTn id="6" dur="1" fill="hold">
+                                          <p:stCondLst>
+                                            <p:cond delay="0"/>
+                                          </p:stCondLst>
+                                        </p:cTn>
+                                        <p:tgtEl>
+                                          <p:spTgt spid="4">
+                                            <p:txEl>
+                                              <p:pRg st="0" end="0"/>
+                                            </p:txEl>
+                                          </p:spTgt>
+                                        </p:tgtEl>
+                                        <p:attrNameLst>
+                                          <p:attrName>style.visibility</p:attrName>
+                                        </p:attrNameLst>
+                                      </p:cBhvr>
+                                      <p:to>
+                                        <p:strVal val="visible"/>
+                                      </p:to>
+                                    </p:set>
+                                  </p:childTnLst>
+                                </p:cTn>
+                              </p:par>
+                            </p:childTnLst>
+                          </p:cTn>
+                        </p:par>
+                      </p:childTnLst>
+                    </p:cTn>
+                  </p:par>
+                  <p:par>
+                    <p:cTn id="7" fill="hold">
+                      <p:stCondLst>
+                        <p:cond delay="indefinite"/>
+                      </p:stCondLst>
+                      <p:childTnLst>
+                        <p:par>
+                          <p:cTn id="8" fill="hold">
+                            <p:stCondLst>
+                              <p:cond delay="0"/>
+                            </p:stCondLst>
+                            <p:childTnLst>
+                              <p:par>
+                                <p:cTn id="9" presetID="1" presetClass="entr" presetSubtype="0" fill="hold" nodeType="clickEffect">
+                                  <p:stCondLst>
+                                    <p:cond delay="0"/>
+                                  </p:stCondLst>
+                                  <p:childTnLst>
+                                    <p:set>
+                                      <p:cBhvr>
+                                        <p:cTn id="10" dur="1" fill="hold">
+                                          <p:stCondLst>
+                                            <p:cond delay="0"/>
+                                          </p:stCondLst>
+                                        </p:cTn>
+                                        <p:tgtEl>
+                                          <p:spTgt spid="4">
+                                            <p:txEl>
+                                              <p:pRg st="1" end="1"/>
+                                            </p:txEl>
+                                          </p:spTgt>
+                                        </p:tgtEl>
+                                        <p:attrNameLst>
+                                          <p:attrName>style.visibility</p:attrName>
+                                        </p:attrNameLst>
+                                      </p:cBhvr>
+                                      <p:to>
+                                        <p:strVal val="visible"/>
+                                      </p:to>
+                                    </p:set>
+                                  </p:childTnLst>
+                                </p:cTn>
+                              </p:par>
+                            </p:childTnLst>
+                          </p:cTn>
+                        </p:par>
+                      </p:childTnLst>
+                    </p:cTn>
+                  </p:par>
+                  <p:par>
+                    <p:cTn id="11" fill="hold">
+                      <p:stCondLst>
+                        <p:cond delay="indefinite"/>
+                      </p:stCondLst>
+                      <p:childTnLst>
+                        <p:par>
+                          <p:cTn id="12" fill="hold">
+                            <p:stCondLst>
+                              <p:cond delay="0"/>
+                            </p:stCondLst>
+                            <p:childTnLst>
+                              <p:par>
+                                <p:cTn id="13" presetID="1" presetClass="entr" presetSubtype="0" fill="hold" nodeType="clickEffect">
+                                  <p:stCondLst>
+                                    <p:cond delay="0"/>
+                                  </p:stCondLst>
+                                  <p:childTnLst>
+                                    <p:set>
+                                      <p:cBhvr>
+                                        <p:cTn id="14" dur="1" fill="hold">
+                                          <p:stCondLst>
+                                            <p:cond delay="0"/>
+                                          </p:stCondLst>
+                                        </p:cTn>
+                                        <p:tgtEl>
+                                          <p:spTgt spid="4">
+                                            <p:txEl>
+                                              <p:pRg st="2" end="2"/>
+                                            </p:txEl>
+                                          </p:spTgt>
+                                        </p:tgtEl>
+                                        <p:attrNameLst>
+                                          <p:attrName>style.visibility</p:attrName>
+                                        </p:attrNameLst>
+                                      </p:cBhvr>
+                                      <p:to>
+                                        <p:strVal val="visible"/>
+                                      </p:to>
+                                    </p:set>
+                                  </p:childTnLst>
+                                </p:cTn>
+                              </p:par>
+                            </p:childTnLst>
+                          </p:cTn>
+                        </p:par>
+                      </p:childTnLst>
+                    </p:cTn>
+                  </p:par>
+                  <p:par>
+                    <p:cTn id="15" fill="hold">
+                      <p:stCondLst>
+                        <p:cond delay="indefinite"/>
+                      </p:stCondLst>
+                      <p:childTnLst>
+                        <p:par>
+                          <p:cTn id="16" fill="hold">
+                            <p:stCondLst>
+                              <p:cond delay="0"/>
+                            </p:stCondLst>
+                            <p:childTnLst>
+                              <p:par>
+                                <p:cTn id="17" presetID="1" presetClass="entr" presetSubtype="0" fill="hold" nodeType="clickEffect">
+                                  <p:stCondLst>
+                                    <p:cond delay="0"/>
+                                  </p:stCondLst>
+                                  <p:childTnLst>
+                                    <p:set>
+                                      <p:cBhvr>
+                                        <p:cTn id="18" dur="1" fill="hold">
+                                          <p:stCondLst>
+                                            <p:cond delay="0"/>
+                                          </p:stCondLst>
+                                        </p:cTn>
+                                        <p:tgtEl>
+                                          <p:spTgt spid="4">
+                                            <p:txEl>
+                                              <p:pRg st="3" end="3"/>
+                                            </p:txEl>
+                                          </p:spTgt>
+                                        </p:tgtEl>
+                                        <p:attrNameLst>
+                                          <p:attrName>style.visibility</p:attrName>
+                                        </p:attrNameLst>
+                                      </p:cBhvr>
+                                      <p:to>
+                                        <p:strVal val="visible"/>
+                                      </p:to>
+                                    </p:set>
+                                  </p:childTnLst>
+                                </p:cTn>
+                              </p:par>
+                            </p:childTnLst>
+                          </p:cTn>
+                        </p:par>
+                      </p:childTnLst>
+                    </p:cTn>
+                  </p:par>
+                  <p:par>
+                    <p:cTn id="19" fill="hold">
+                      <p:stCondLst>
+                        <p:cond delay="indefinite"/>
+                      </p:stCondLst>
+                      <p:childTnLst>
+                        <p:par>
+                          <p:cTn id="20" fill="hold">
+                            <p:stCondLst>
+                              <p:cond delay="0"/>
+                            </p:stCondLst>
+                            <p:childTnLst>
+                              <p:par>
+                                <p:cTn id="21" presetID="1" presetClass="entr" presetSubtype="0" fill="hold" nodeType="clickEffect">
+                                  <p:stCondLst>
+                                    <p:cond delay="0"/>
+                                  </p:stCondLst>
+                                  <p:childTnLst>
+                                    <p:set>
+                                      <p:cBhvr>
+                                        <p:cTn id="22" dur="1" fill="hold">
+                                          <p:stCondLst>
+                                            <p:cond delay="0"/>
+                                          </p:stCondLst>
+                                        </p:cTn>
+                                        <p:tgtEl>
+                                          <p:spTgt spid="4">
+                                            <p:txEl>
+                                              <p:pRg st="4" end="4"/>
+                                            </p:txEl>
+                                          </p:spTgt>
+                                        </p:tgtEl>
+                                        <p:attrNameLst>
+                                          <p:attrName>style.visibility</p:attrName>
+                                        </p:attrNameLst>
+                                      </p:cBhvr>
+                                      <p:to>
+                                        <p:strVal val="visible"/>
+                                      </p:to>
+                                    </p:set>
+                                  </p:childTnLst>
+                                </p:cTn>
+                              </p:par>
+                            </p:childTnLst>
+                          </p:cTn>
+                        </p:par>
+                      </p:childTnLst>
+                    </p:cTn>
+                  </p:par>
+                  <p:par>
+                    <p:cTn id="23" fill="hold">
+                      <p:stCondLst>
+                        <p:cond delay="indefinite"/>
+                      </p:stCondLst>
+                      <p:childTnLst>
+                        <p:par>
+                          <p:cTn id="24" fill="hold">
+                            <p:stCondLst>
+                              <p:cond delay="0"/>
+                            </p:stCondLst>
+                            <p:childTnLst>
+                              <p:par>
+                                <p:cTn id="25" presetID="1" presetClass="entr" presetSubtype="0" fill="hold" nodeType="clickEffect">
+                                  <p:stCondLst>
+                                    <p:cond delay="0"/>
+                                  </p:stCondLst>
+                                  <p:childTnLst>
+                                    <p:set>
+                                      <p:cBhvr>
+                                        <p:cTn id="26" dur="1" fill="hold">
+                                          <p:stCondLst>
+                                            <p:cond delay="0"/>
+                                          </p:stCondLst>
+                                        </p:cTn>
+                                        <p:tgtEl>
+                                          <p:spTgt spid="4">
+                                            <p:txEl>
+                                              <p:pRg st="5" end="5"/>
+                                            </p:txEl>
+                                          </p:spTgt>
+                                        </p:tgtEl>
+                                        <p:attrNameLst>
+                                          <p:attrName>style.visibility</p:attrName>
+                                        </p:attrNameLst>
+                                      </p:cBhvr>
+                                      <p:to>
+                                        <p:strVal val="visible"/>
+                                      </p:to>
+                                    </p:set>
+                                  </p:childTnLst>
+                                </p:cTn>
+                              </p:par>
+                            </p:childTnLst>
+                          </p:cTn>
+                        </p:par>
+                      </p:childTnLst>
+                    </p:cTn>
+                  </p:par>
+                  <p:par>
+                    <p:cTn id="27" fill="hold">
+                      <p:stCondLst>
+                        <p:cond delay="indefinite"/>
+                      </p:stCondLst>
+                      <p:childTnLst>
+                        <p:par>
+                          <p:cTn id="28" fill="hold">
+                            <p:stCondLst>
+                              <p:cond delay="0"/>
+                            </p:stCondLst>
+                            <p:childTnLst>
+                              <p:par>
+                                <p:cTn id="29" presetID="1" presetClass="entr" presetSubtype="0" fill="hold" nodeType="clickEffect">
+                                  <p:stCondLst>
+                                    <p:cond delay="0"/>
+                                  </p:stCondLst>
+                                  <p:childTnLst>
+                                    <p:set>
+                                      <p:cBhvr>
+                                        <p:cTn id="30" dur="1" fill="hold">
+                                          <p:stCondLst>
+                                            <p:cond delay="0"/>
+                                          </p:stCondLst>
+                                        </p:cTn>
+                                        <p:tgtEl>
+                                          <p:spTgt spid="4">
+                                            <p:txEl>
+                                              <p:pRg st="6" end="6"/>
+                                            </p:txEl>
+                                          </p:spTgt>
+                                        </p:tgtEl>
+                                        <p:attrNameLst>
+                                          <p:attrName>style.visibility</p:attrName>
+                                        </p:attrNameLst>
+                                      </p:cBhvr>
+                                      <p:to>
+                                        <p:strVal val="visible"/>
+                                      </p:to>
+                                    </p:set>
+                                  </p:childTnLst>
+                                </p:cTn>
+                              </p:par>
+                            </p:childTnLst>
+                          </p:cTn>
+                        </p:par>
+                      </p:childTnLst>
+                    </p:cTn>
+                  </p:par>
+                </p:childTnLst>
+              </p:cTn>
+              <p:prevCondLst>
+                <p:cond evt="onPrev" delay="0">
+                  <p:tgtEl>
+                    <p:sldTgt/>
+                  </p:tgtEl>
+                </p:cond>
+              </p:prevCondLst>
+              <p:nextCondLst>
+                <p:cond evt="onNext" delay="0">
+                  <p:tgtEl>
+                    <p:sldTgt/>
+                  </p:tgtEl>
+                </p:cond>
+              </p:nextCondLst>
+            </p:seq>
+          </p:childTnLst>
+        </p:cTn>
+      </p:par>
+    </p:tnLst>
+  </p:timing>
+</p:sld>
+</file>
+
+<file path=ppt/slides/slide4.xml><?xml version="1.0" encoding="utf-8"?>
+<p:sld xmlns:a="http://schemas.openxmlformats.org/drawingml/2006/main" xmlns:r="http://schemas.openxmlformats.org/officeDocument/2006/relationships" xmlns:p="http://schemas.openxmlformats.org/presentationml/2006/main">
+  <p:cSld>
+    <p:spTree>
+      <p:nvGrpSpPr>
+        <p:cNvPr id="1" name="">
+          <a:extLst>
+            <a:ext uri="{FF2B5EF4-FFF2-40B4-BE49-F238E27FC236}">
+              <a16:creationId xmlns:a16="http://schemas.microsoft.com/office/drawing/2014/main" id="{2CDB7F5B-53C1-B203-D0DD-EC1A861D5402}"/>
+            </a:ext>
+          </a:extLst>
+        </p:cNvPr>
+        <p:cNvGrpSpPr/>
+        <p:nvPr/>
+      </p:nvGrpSpPr>
+      <p:grpSpPr>
+        <a:xfrm>
+          <a:off x="0" y="0"/>
+          <a:ext cx="0" cy="0"/>
+          <a:chOff x="0" y="0"/>
+          <a:chExt cx="0" cy="0"/>
+        </a:xfrm>
+      </p:grpSpPr>
+      <p:sp>
+        <p:nvSpPr>
+          <p:cNvPr id="3" name="Subtitle 2">
+            <a:extLst>
+              <a:ext uri="{FF2B5EF4-FFF2-40B4-BE49-F238E27FC236}">
+                <a16:creationId xmlns:a16="http://schemas.microsoft.com/office/drawing/2014/main" id="{76AEF208-AB5D-CD32-B7A0-71F2B4BFCB6C}"/>
+              </a:ext>
+            </a:extLst>
+          </p:cNvPr>
+          <p:cNvSpPr>
+            <a:spLocks noGrp="1"/>
+          </p:cNvSpPr>
+          <p:nvPr>
+            <p:ph type="subTitle" idx="1"/>
+          </p:nvPr>
+        </p:nvSpPr>
+        <p:spPr>
+          <a:xfrm>
+            <a:off x="97970" y="293688"/>
+            <a:ext cx="9436448" cy="303212"/>
+          </a:xfrm>
+        </p:spPr>
+        <p:txBody>
+          <a:bodyPr>
+            <a:normAutofit fontScale="92500" lnSpcReduction="20000"/>
+          </a:bodyPr>
+          <a:lstStyle/>
+          <a:p>
+            <a:r>
+              <a:rPr lang="en-US" sz="1800" b="1" dirty="0"/>
+              <a:t>12.2 Using the Random class</a:t>
+            </a:r>
+          </a:p>
+        </p:txBody>
+      </p:sp>
+      <p:sp>
+        <p:nvSpPr>
+          <p:cNvPr id="4" name="Subtitle 2">
+            <a:extLst>
+              <a:ext uri="{FF2B5EF4-FFF2-40B4-BE49-F238E27FC236}">
+                <a16:creationId xmlns:a16="http://schemas.microsoft.com/office/drawing/2014/main" id="{6496B4E7-9846-2C1C-AEBE-ECF00C1CA3B4}"/>
+              </a:ext>
+            </a:extLst>
+          </p:cNvPr>
+          <p:cNvSpPr txBox="1">
+            <a:spLocks/>
+          </p:cNvSpPr>
+          <p:nvPr/>
+        </p:nvSpPr>
+        <p:spPr>
+          <a:xfrm>
+            <a:off x="0" y="820738"/>
+            <a:ext cx="12192000" cy="6037262"/>
+          </a:xfrm>
+          <a:prstGeom prst="rect">
+            <a:avLst/>
+          </a:prstGeom>
+        </p:spPr>
+        <p:txBody>
+          <a:bodyPr vert="horz" lIns="91440" tIns="45720" rIns="91440" bIns="45720" rtlCol="0">
+            <a:normAutofit/>
+          </a:bodyPr>
+          <a:lstStyle>
+            <a:lvl1pPr marL="0" indent="0" algn="ctr" defTabSz="914400" rtl="0" eaLnBrk="1" latinLnBrk="0" hangingPunct="1">
+              <a:lnSpc>
+                <a:spcPct val="90000"/>
+              </a:lnSpc>
+              <a:spcBef>
+                <a:spcPts val="1000"/>
+              </a:spcBef>
+              <a:buFont typeface="Arial" panose="020B0604020202020204" pitchFamily="34" charset="0"/>
+              <a:buNone/>
+              <a:defRPr sz="2400" kern="1200">
+                <a:solidFill>
+                  <a:schemeClr val="tx1"/>
+                </a:solidFill>
+                <a:latin typeface="+mn-lt"/>
+                <a:ea typeface="+mn-ea"/>
+                <a:cs typeface="+mn-cs"/>
+              </a:defRPr>
+            </a:lvl1pPr>
+            <a:lvl2pPr marL="457200" indent="0" algn="ctr" defTabSz="914400" rtl="0" eaLnBrk="1" latinLnBrk="0" hangingPunct="1">
+              <a:lnSpc>
+                <a:spcPct val="90000"/>
+              </a:lnSpc>
+              <a:spcBef>
+                <a:spcPts val="500"/>
+              </a:spcBef>
+              <a:buFont typeface="Arial" panose="020B0604020202020204" pitchFamily="34" charset="0"/>
+              <a:buNone/>
+              <a:defRPr sz="2000" kern="1200">
+                <a:solidFill>
+                  <a:schemeClr val="tx1"/>
+                </a:solidFill>
+                <a:latin typeface="+mn-lt"/>
+                <a:ea typeface="+mn-ea"/>
+                <a:cs typeface="+mn-cs"/>
+              </a:defRPr>
+            </a:lvl2pPr>
+            <a:lvl3pPr marL="914400" indent="0" algn="ctr" defTabSz="914400" rtl="0" eaLnBrk="1" latinLnBrk="0" hangingPunct="1">
+              <a:lnSpc>
+                <a:spcPct val="90000"/>
+              </a:lnSpc>
+              <a:spcBef>
+                <a:spcPts val="500"/>
+              </a:spcBef>
+              <a:buFont typeface="Arial" panose="020B0604020202020204" pitchFamily="34" charset="0"/>
+              <a:buNone/>
+              <a:defRPr sz="1800" kern="1200">
+                <a:solidFill>
+                  <a:schemeClr val="tx1"/>
+                </a:solidFill>
+                <a:latin typeface="+mn-lt"/>
+                <a:ea typeface="+mn-ea"/>
+                <a:cs typeface="+mn-cs"/>
+              </a:defRPr>
+            </a:lvl3pPr>
+            <a:lvl4pPr marL="1371600" indent="0" algn="ctr" defTabSz="914400" rtl="0" eaLnBrk="1" latinLnBrk="0" hangingPunct="1">
+              <a:lnSpc>
+                <a:spcPct val="90000"/>
+              </a:lnSpc>
+              <a:spcBef>
+                <a:spcPts val="500"/>
+              </a:spcBef>
+              <a:buFont typeface="Arial" panose="020B0604020202020204" pitchFamily="34" charset="0"/>
+              <a:buNone/>
+              <a:defRPr sz="1600" kern="1200">
+                <a:solidFill>
+                  <a:schemeClr val="tx1"/>
+                </a:solidFill>
+                <a:latin typeface="+mn-lt"/>
+                <a:ea typeface="+mn-ea"/>
+                <a:cs typeface="+mn-cs"/>
+              </a:defRPr>
+            </a:lvl4pPr>
+            <a:lvl5pPr marL="1828800" indent="0" algn="ctr" defTabSz="914400" rtl="0" eaLnBrk="1" latinLnBrk="0" hangingPunct="1">
+              <a:lnSpc>
+                <a:spcPct val="90000"/>
+              </a:lnSpc>
+              <a:spcBef>
+                <a:spcPts val="500"/>
+              </a:spcBef>
+              <a:buFont typeface="Arial" panose="020B0604020202020204" pitchFamily="34" charset="0"/>
+              <a:buNone/>
+              <a:defRPr sz="1600" kern="1200">
+                <a:solidFill>
+                  <a:schemeClr val="tx1"/>
+                </a:solidFill>
+                <a:latin typeface="+mn-lt"/>
+                <a:ea typeface="+mn-ea"/>
+                <a:cs typeface="+mn-cs"/>
+              </a:defRPr>
+            </a:lvl5pPr>
+            <a:lvl6pPr marL="2286000" indent="0" algn="ctr" defTabSz="914400" rtl="0" eaLnBrk="1" latinLnBrk="0" hangingPunct="1">
+              <a:lnSpc>
+                <a:spcPct val="90000"/>
+              </a:lnSpc>
+              <a:spcBef>
+                <a:spcPts val="500"/>
+              </a:spcBef>
+              <a:buFont typeface="Arial" panose="020B0604020202020204" pitchFamily="34" charset="0"/>
+              <a:buNone/>
+              <a:defRPr sz="1600" kern="1200">
+                <a:solidFill>
+                  <a:schemeClr val="tx1"/>
+                </a:solidFill>
+                <a:latin typeface="+mn-lt"/>
+                <a:ea typeface="+mn-ea"/>
+                <a:cs typeface="+mn-cs"/>
+              </a:defRPr>
+            </a:lvl6pPr>
+            <a:lvl7pPr marL="2743200" indent="0" algn="ctr" defTabSz="914400" rtl="0" eaLnBrk="1" latinLnBrk="0" hangingPunct="1">
+              <a:lnSpc>
+                <a:spcPct val="90000"/>
+              </a:lnSpc>
+              <a:spcBef>
+                <a:spcPts val="500"/>
+              </a:spcBef>
+              <a:buFont typeface="Arial" panose="020B0604020202020204" pitchFamily="34" charset="0"/>
+              <a:buNone/>
+              <a:defRPr sz="1600" kern="1200">
+                <a:solidFill>
+                  <a:schemeClr val="tx1"/>
+                </a:solidFill>
+                <a:latin typeface="+mn-lt"/>
+                <a:ea typeface="+mn-ea"/>
+                <a:cs typeface="+mn-cs"/>
+              </a:defRPr>
+            </a:lvl7pPr>
+            <a:lvl8pPr marL="3200400" indent="0" algn="ctr" defTabSz="914400" rtl="0" eaLnBrk="1" latinLnBrk="0" hangingPunct="1">
+              <a:lnSpc>
+                <a:spcPct val="90000"/>
+              </a:lnSpc>
+              <a:spcBef>
+                <a:spcPts val="500"/>
+              </a:spcBef>
+              <a:buFont typeface="Arial" panose="020B0604020202020204" pitchFamily="34" charset="0"/>
+              <a:buNone/>
+              <a:defRPr sz="1600" kern="1200">
+                <a:solidFill>
+                  <a:schemeClr val="tx1"/>
+                </a:solidFill>
+                <a:latin typeface="+mn-lt"/>
+                <a:ea typeface="+mn-ea"/>
+                <a:cs typeface="+mn-cs"/>
+              </a:defRPr>
+            </a:lvl8pPr>
+            <a:lvl9pPr marL="3657600" indent="0" algn="ctr" defTabSz="914400" rtl="0" eaLnBrk="1" latinLnBrk="0" hangingPunct="1">
+              <a:lnSpc>
+                <a:spcPct val="90000"/>
+              </a:lnSpc>
+              <a:spcBef>
+                <a:spcPts val="500"/>
+              </a:spcBef>
+              <a:buFont typeface="Arial" panose="020B0604020202020204" pitchFamily="34" charset="0"/>
+              <a:buNone/>
+              <a:defRPr sz="1600" kern="1200">
+                <a:solidFill>
+                  <a:schemeClr val="tx1"/>
+                </a:solidFill>
+                <a:latin typeface="+mn-lt"/>
+                <a:ea typeface="+mn-ea"/>
+                <a:cs typeface="+mn-cs"/>
+              </a:defRPr>
+            </a:lvl9pPr>
+          </a:lstStyle>
+          <a:p>
+            <a:pPr algn="l"/>
+            <a:r>
+              <a:rPr lang="en-US" sz="1800" dirty="0"/>
+              <a:t>- Random class is declared in package </a:t>
+            </a:r>
+            <a:r>
+              <a:rPr lang="en-US" sz="1800" b="1" dirty="0"/>
+              <a:t>java.&lt;?&gt;</a:t>
+            </a:r>
+          </a:p>
+          <a:p>
+            <a:pPr algn="l"/>
+            <a:r>
+              <a:rPr lang="en-US" sz="1800" dirty="0"/>
+              <a:t>- It is a comprehensive and complicated class for ... usage, it generates </a:t>
+            </a:r>
+            <a:r>
+              <a:rPr lang="en-US" sz="1800" b="1" dirty="0"/>
+              <a:t>pseudorandom </a:t>
+            </a:r>
+            <a:r>
+              <a:rPr lang="en-US" sz="1800" dirty="0"/>
+              <a:t>value </a:t>
+            </a:r>
+            <a:r>
+              <a:rPr lang="en-US" sz="800" dirty="0"/>
+              <a:t>&lt;explain this&gt;</a:t>
+            </a:r>
+          </a:p>
+          <a:p>
+            <a:pPr algn="l"/>
+            <a:r>
+              <a:rPr lang="en-US" sz="1800" dirty="0"/>
+              <a:t>- Oracle documentation said that "the ... method is much more simpler to use" but somehow Oracle still acknowledge this as important class</a:t>
+            </a:r>
+          </a:p>
+          <a:p>
+            <a:pPr algn="l"/>
+            <a:r>
+              <a:rPr lang="en-US" sz="1800" dirty="0"/>
+              <a:t>(code illustration snippet 6)</a:t>
+            </a:r>
+            <a:r>
+              <a:rPr lang="en-US" sz="800" b="1" dirty="0"/>
+              <a:t>  </a:t>
+            </a:r>
+          </a:p>
+          <a:p>
+            <a:pPr algn="l"/>
+            <a:r>
+              <a:rPr lang="en-US" sz="1800" dirty="0"/>
+              <a:t>- Unlike "Math.Random()", if you want to generate a number with a specific type, you must ...</a:t>
+            </a:r>
+          </a:p>
+          <a:p>
+            <a:pPr algn="l"/>
+            <a:r>
+              <a:rPr lang="en-US" sz="800" dirty="0"/>
+              <a:t>&lt;mention another variant of nextInt() method&gt;</a:t>
+            </a:r>
+          </a:p>
+          <a:p>
+            <a:pPr algn="l"/>
+            <a:r>
+              <a:rPr lang="en-US" sz="1800" dirty="0"/>
+              <a:t>- Random class has ... constructors (no args, </a:t>
+            </a:r>
+            <a:r>
+              <a:rPr lang="en-US" sz="1800" b="1" dirty="0"/>
+              <a:t>seed</a:t>
+            </a:r>
+            <a:r>
+              <a:rPr lang="en-US" sz="1800" dirty="0"/>
+              <a:t>)</a:t>
+            </a:r>
+          </a:p>
+          <a:p>
+            <a:pPr algn="l"/>
+            <a:r>
+              <a:rPr lang="en-US" sz="1800" dirty="0"/>
+              <a:t>– "Seed" has a type of ..., it is used to ...</a:t>
+            </a:r>
+          </a:p>
+          <a:p>
+            <a:pPr algn="l"/>
+            <a:r>
+              <a:rPr lang="en-US" sz="1800" dirty="0"/>
+              <a:t>– 2 numbers generated with the same seed =&gt; ?</a:t>
+            </a:r>
+          </a:p>
+          <a:p>
+            <a:pPr algn="l"/>
+            <a:r>
+              <a:rPr lang="en-US" sz="1800" dirty="0"/>
+              <a:t>(code illustration snippet 7) </a:t>
+            </a:r>
+          </a:p>
+          <a:p>
+            <a:pPr algn="l"/>
+            <a:r>
+              <a:rPr lang="en-US" sz="1800" dirty="0"/>
+              <a:t>- The no-arg constructor will mostly generate ... =&gt; It is best to use this constructor</a:t>
+            </a:r>
+          </a:p>
+          <a:p>
+            <a:pPr algn="l"/>
+            <a:r>
+              <a:rPr lang="en-US" sz="1800" dirty="0"/>
+              <a:t>&lt;mention about how to reset seed ?&gt; </a:t>
+            </a:r>
+          </a:p>
+          <a:p>
+            <a:pPr algn="l"/>
+            <a:r>
+              <a:rPr lang="en-US" sz="1800" dirty="0"/>
+              <a:t>(code illustration snippet 8)</a:t>
+            </a:r>
+          </a:p>
+          <a:p>
+            <a:pPr algn="l"/>
+            <a:r>
+              <a:rPr lang="en-US" sz="1800" dirty="0"/>
+              <a:t>- The Random class is only useful when you need to generate a ... of random numbers </a:t>
+            </a:r>
+          </a:p>
+        </p:txBody>
+      </p:sp>
+    </p:spTree>
+    <p:extLst>
+      <p:ext uri="{BB962C8B-B14F-4D97-AF65-F5344CB8AC3E}">
+        <p14:creationId xmlns:p14="http://schemas.microsoft.com/office/powerpoint/2010/main" val="1412804240"/>
+      </p:ext>
+    </p:extLst>
+  </p:cSld>
+  <p:clrMapOvr>
+    <a:masterClrMapping/>
+  </p:clrMapOvr>
+  <p:timing>
+    <p:tnLst>
+      <p:par>
+        <p:cTn id="1" dur="indefinite" restart="never" nodeType="tmRoot">
+          <p:childTnLst>
+            <p:seq concurrent="1" nextAc="seek">
+              <p:cTn id="2" dur="indefinite" nodeType="mainSeq">
+                <p:childTnLst>
+                  <p:par>
+                    <p:cTn id="3" fill="hold">
+                      <p:stCondLst>
+                        <p:cond delay="indefinite"/>
+                      </p:stCondLst>
+                      <p:childTnLst>
+                        <p:par>
+                          <p:cTn id="4" fill="hold">
+                            <p:stCondLst>
+                              <p:cond delay="0"/>
+                            </p:stCondLst>
+                            <p:childTnLst>
+                              <p:par>
+                                <p:cTn id="5" presetID="1" presetClass="entr" presetSubtype="0" fill="hold" nodeType="clickEffect">
+                                  <p:stCondLst>
+                                    <p:cond delay="0"/>
+                                  </p:stCondLst>
+                                  <p:childTnLst>
+                                    <p:set>
+                                      <p:cBhvr>
+                                        <p:cTn id="6" dur="1" fill="hold">
+                                          <p:stCondLst>
+                                            <p:cond delay="0"/>
+                                          </p:stCondLst>
+                                        </p:cTn>
+                                        <p:tgtEl>
+                                          <p:spTgt spid="4">
+                                            <p:txEl>
+                                              <p:pRg st="0" end="0"/>
+                                            </p:txEl>
+                                          </p:spTgt>
+                                        </p:tgtEl>
+                                        <p:attrNameLst>
+                                          <p:attrName>style.visibility</p:attrName>
+                                        </p:attrNameLst>
+                                      </p:cBhvr>
+                                      <p:to>
+                                        <p:strVal val="visible"/>
+                                      </p:to>
+                                    </p:set>
+                                  </p:childTnLst>
+                                </p:cTn>
+                              </p:par>
+                            </p:childTnLst>
+                          </p:cTn>
+                        </p:par>
+                      </p:childTnLst>
+                    </p:cTn>
+                  </p:par>
+                  <p:par>
+                    <p:cTn id="7" fill="hold">
+                      <p:stCondLst>
+                        <p:cond delay="indefinite"/>
+                      </p:stCondLst>
+                      <p:childTnLst>
+                        <p:par>
+                          <p:cTn id="8" fill="hold">
+                            <p:stCondLst>
+                              <p:cond delay="0"/>
+                            </p:stCondLst>
+                            <p:childTnLst>
+                              <p:par>
+                                <p:cTn id="9" presetID="1" presetClass="entr" presetSubtype="0" fill="hold" nodeType="clickEffect">
+                                  <p:stCondLst>
+                                    <p:cond delay="0"/>
+                                  </p:stCondLst>
+                                  <p:childTnLst>
+                                    <p:set>
+                                      <p:cBhvr>
+                                        <p:cTn id="10" dur="1" fill="hold">
+                                          <p:stCondLst>
+                                            <p:cond delay="0"/>
+                                          </p:stCondLst>
+                                        </p:cTn>
+                                        <p:tgtEl>
+                                          <p:spTgt spid="4">
+                                            <p:txEl>
+                                              <p:pRg st="1" end="1"/>
+                                            </p:txEl>
+                                          </p:spTgt>
+                                        </p:tgtEl>
+                                        <p:attrNameLst>
+                                          <p:attrName>style.visibility</p:attrName>
+                                        </p:attrNameLst>
+                                      </p:cBhvr>
+                                      <p:to>
+                                        <p:strVal val="visible"/>
+                                      </p:to>
+                                    </p:set>
+                                  </p:childTnLst>
+                                </p:cTn>
+                              </p:par>
+                            </p:childTnLst>
+                          </p:cTn>
+                        </p:par>
+                      </p:childTnLst>
+                    </p:cTn>
+                  </p:par>
+                  <p:par>
+                    <p:cTn id="11" fill="hold">
+                      <p:stCondLst>
+                        <p:cond delay="indefinite"/>
+                      </p:stCondLst>
+                      <p:childTnLst>
+                        <p:par>
+                          <p:cTn id="12" fill="hold">
+                            <p:stCondLst>
+                              <p:cond delay="0"/>
+                            </p:stCondLst>
+                            <p:childTnLst>
+                              <p:par>
+                                <p:cTn id="13" presetID="1" presetClass="entr" presetSubtype="0" fill="hold" nodeType="clickEffect">
+                                  <p:stCondLst>
+                                    <p:cond delay="0"/>
+                                  </p:stCondLst>
+                                  <p:childTnLst>
+                                    <p:set>
+                                      <p:cBhvr>
+                                        <p:cTn id="14" dur="1" fill="hold">
+                                          <p:stCondLst>
+                                            <p:cond delay="0"/>
+                                          </p:stCondLst>
+                                        </p:cTn>
+                                        <p:tgtEl>
+                                          <p:spTgt spid="4">
+                                            <p:txEl>
+                                              <p:pRg st="2" end="2"/>
+                                            </p:txEl>
+                                          </p:spTgt>
+                                        </p:tgtEl>
+                                        <p:attrNameLst>
+                                          <p:attrName>style.visibility</p:attrName>
+                                        </p:attrNameLst>
+                                      </p:cBhvr>
+                                      <p:to>
+                                        <p:strVal val="visible"/>
+                                      </p:to>
+                                    </p:set>
+                                  </p:childTnLst>
+                                </p:cTn>
+                              </p:par>
+                            </p:childTnLst>
+                          </p:cTn>
+                        </p:par>
+                      </p:childTnLst>
+                    </p:cTn>
+                  </p:par>
+                  <p:par>
+                    <p:cTn id="15" fill="hold">
+                      <p:stCondLst>
+                        <p:cond delay="indefinite"/>
+                      </p:stCondLst>
+                      <p:childTnLst>
+                        <p:par>
+                          <p:cTn id="16" fill="hold">
+                            <p:stCondLst>
+                              <p:cond delay="0"/>
+                            </p:stCondLst>
+                            <p:childTnLst>
+                              <p:par>
+                                <p:cTn id="17" presetID="1" presetClass="entr" presetSubtype="0" fill="hold" nodeType="clickEffect">
+                                  <p:stCondLst>
+                                    <p:cond delay="0"/>
+                                  </p:stCondLst>
+                                  <p:childTnLst>
+                                    <p:set>
+                                      <p:cBhvr>
+                                        <p:cTn id="18" dur="1" fill="hold">
+                                          <p:stCondLst>
+                                            <p:cond delay="0"/>
+                                          </p:stCondLst>
+                                        </p:cTn>
+                                        <p:tgtEl>
+                                          <p:spTgt spid="4">
+                                            <p:txEl>
+                                              <p:pRg st="3" end="3"/>
+                                            </p:txEl>
+                                          </p:spTgt>
+                                        </p:tgtEl>
+                                        <p:attrNameLst>
+                                          <p:attrName>style.visibility</p:attrName>
+                                        </p:attrNameLst>
+                                      </p:cBhvr>
+                                      <p:to>
+                                        <p:strVal val="visible"/>
+                                      </p:to>
+                                    </p:set>
+                                  </p:childTnLst>
+                                </p:cTn>
+                              </p:par>
+                            </p:childTnLst>
+                          </p:cTn>
+                        </p:par>
+                      </p:childTnLst>
+                    </p:cTn>
+                  </p:par>
+                  <p:par>
+                    <p:cTn id="19" fill="hold">
+                      <p:stCondLst>
+                        <p:cond delay="indefinite"/>
+                      </p:stCondLst>
+                      <p:childTnLst>
+                        <p:par>
+                          <p:cTn id="20" fill="hold">
+                            <p:stCondLst>
+                              <p:cond delay="0"/>
+                            </p:stCondLst>
+                            <p:childTnLst>
+                              <p:par>
+                                <p:cTn id="21" presetID="1" presetClass="entr" presetSubtype="0" fill="hold" nodeType="clickEffect">
+                                  <p:stCondLst>
+                                    <p:cond delay="0"/>
+                                  </p:stCondLst>
+                                  <p:childTnLst>
+                                    <p:set>
+                                      <p:cBhvr>
+                                        <p:cTn id="22" dur="1" fill="hold">
+                                          <p:stCondLst>
+                                            <p:cond delay="0"/>
+                                          </p:stCondLst>
+                                        </p:cTn>
+                                        <p:tgtEl>
+                                          <p:spTgt spid="4">
+                                            <p:txEl>
+                                              <p:pRg st="4" end="4"/>
+                                            </p:txEl>
+                                          </p:spTgt>
+                                        </p:tgtEl>
+                                        <p:attrNameLst>
+                                          <p:attrName>style.visibility</p:attrName>
+                                        </p:attrNameLst>
+                                      </p:cBhvr>
+                                      <p:to>
+                                        <p:strVal val="visible"/>
+                                      </p:to>
+                                    </p:set>
+                                  </p:childTnLst>
+                                </p:cTn>
+                              </p:par>
+                            </p:childTnLst>
+                          </p:cTn>
+                        </p:par>
+                      </p:childTnLst>
+                    </p:cTn>
+                  </p:par>
+                  <p:par>
+                    <p:cTn id="23" fill="hold">
+                      <p:stCondLst>
+                        <p:cond delay="indefinite"/>
+                      </p:stCondLst>
+                      <p:childTnLst>
+                        <p:par>
+                          <p:cTn id="24" fill="hold">
+                            <p:stCondLst>
+                              <p:cond delay="0"/>
+                            </p:stCondLst>
+                            <p:childTnLst>
+                              <p:par>
+                                <p:cTn id="25" presetID="1" presetClass="entr" presetSubtype="0" fill="hold" nodeType="clickEffect">
+                                  <p:stCondLst>
+                                    <p:cond delay="0"/>
+                                  </p:stCondLst>
+                                  <p:childTnLst>
+                                    <p:set>
+                                      <p:cBhvr>
+                                        <p:cTn id="26" dur="1" fill="hold">
+                                          <p:stCondLst>
+                                            <p:cond delay="0"/>
+                                          </p:stCondLst>
+                                        </p:cTn>
+                                        <p:tgtEl>
+                                          <p:spTgt spid="4">
+                                            <p:txEl>
+                                              <p:pRg st="5" end="5"/>
+                                            </p:txEl>
+                                          </p:spTgt>
+                                        </p:tgtEl>
+                                        <p:attrNameLst>
+                                          <p:attrName>style.visibility</p:attrName>
+                                        </p:attrNameLst>
+                                      </p:cBhvr>
+                                      <p:to>
+                                        <p:strVal val="visible"/>
+                                      </p:to>
+                                    </p:set>
+                                  </p:childTnLst>
+                                </p:cTn>
+                              </p:par>
+                            </p:childTnLst>
+                          </p:cTn>
+                        </p:par>
+                      </p:childTnLst>
+                    </p:cTn>
+                  </p:par>
+                  <p:par>
+                    <p:cTn id="27" fill="hold">
+                      <p:stCondLst>
+                        <p:cond delay="indefinite"/>
+                      </p:stCondLst>
+                      <p:childTnLst>
+                        <p:par>
+                          <p:cTn id="28" fill="hold">
+                            <p:stCondLst>
+                              <p:cond delay="0"/>
+                            </p:stCondLst>
+                            <p:childTnLst>
+                              <p:par>
+                                <p:cTn id="29" presetID="1" presetClass="entr" presetSubtype="0" fill="hold" nodeType="clickEffect">
+                                  <p:stCondLst>
+                                    <p:cond delay="0"/>
+                                  </p:stCondLst>
+                                  <p:childTnLst>
+                                    <p:set>
+                                      <p:cBhvr>
+                                        <p:cTn id="30" dur="1" fill="hold">
+                                          <p:stCondLst>
+                                            <p:cond delay="0"/>
+                                          </p:stCondLst>
+                                        </p:cTn>
+                                        <p:tgtEl>
+                                          <p:spTgt spid="4">
+                                            <p:txEl>
+                                              <p:pRg st="6" end="6"/>
+                                            </p:txEl>
+                                          </p:spTgt>
+                                        </p:tgtEl>
+                                        <p:attrNameLst>
+                                          <p:attrName>style.visibility</p:attrName>
+                                        </p:attrNameLst>
+                                      </p:cBhvr>
+                                      <p:to>
+                                        <p:strVal val="visible"/>
+                                      </p:to>
+                                    </p:set>
+                                  </p:childTnLst>
+                                </p:cTn>
+                              </p:par>
+                            </p:childTnLst>
+                          </p:cTn>
+                        </p:par>
+                      </p:childTnLst>
+                    </p:cTn>
+                  </p:par>
+                  <p:par>
+                    <p:cTn id="31" fill="hold">
+                      <p:stCondLst>
+                        <p:cond delay="indefinite"/>
+                      </p:stCondLst>
+                      <p:childTnLst>
+                        <p:par>
+                          <p:cTn id="32" fill="hold">
+                            <p:stCondLst>
+                              <p:cond delay="0"/>
+                            </p:stCondLst>
+                            <p:childTnLst>
+                              <p:par>
+                                <p:cTn id="33" presetID="1" presetClass="entr" presetSubtype="0" fill="hold" nodeType="clickEffect">
+                                  <p:stCondLst>
+                                    <p:cond delay="0"/>
+                                  </p:stCondLst>
+                                  <p:childTnLst>
+                                    <p:set>
+                                      <p:cBhvr>
+                                        <p:cTn id="34" dur="1" fill="hold">
+                                          <p:stCondLst>
+                                            <p:cond delay="0"/>
+                                          </p:stCondLst>
+                                        </p:cTn>
+                                        <p:tgtEl>
+                                          <p:spTgt spid="4">
+                                            <p:txEl>
+                                              <p:pRg st="7" end="7"/>
+                                            </p:txEl>
+                                          </p:spTgt>
+                                        </p:tgtEl>
+                                        <p:attrNameLst>
+                                          <p:attrName>style.visibility</p:attrName>
+                                        </p:attrNameLst>
+                                      </p:cBhvr>
+                                      <p:to>
+                                        <p:strVal val="visible"/>
+                                      </p:to>
+                                    </p:set>
+                                  </p:childTnLst>
+                                </p:cTn>
+                              </p:par>
+                            </p:childTnLst>
+                          </p:cTn>
+                        </p:par>
+                      </p:childTnLst>
+                    </p:cTn>
+                  </p:par>
+                  <p:par>
+                    <p:cTn id="35" fill="hold">
+                      <p:stCondLst>
+                        <p:cond delay="indefinite"/>
+                      </p:stCondLst>
+                      <p:childTnLst>
+                        <p:par>
+                          <p:cTn id="36" fill="hold">
+                            <p:stCondLst>
+                              <p:cond delay="0"/>
+                            </p:stCondLst>
+                            <p:childTnLst>
+                              <p:par>
+                                <p:cTn id="37" presetID="1" presetClass="entr" presetSubtype="0" fill="hold" nodeType="clickEffect">
+                                  <p:stCondLst>
+                                    <p:cond delay="0"/>
+                                  </p:stCondLst>
+                                  <p:childTnLst>
+                                    <p:set>
+                                      <p:cBhvr>
+                                        <p:cTn id="38" dur="1" fill="hold">
+                                          <p:stCondLst>
+                                            <p:cond delay="0"/>
+                                          </p:stCondLst>
+                                        </p:cTn>
+                                        <p:tgtEl>
+                                          <p:spTgt spid="4">
+                                            <p:txEl>
+                                              <p:pRg st="8" end="8"/>
+                                            </p:txEl>
+                                          </p:spTgt>
+                                        </p:tgtEl>
+                                        <p:attrNameLst>
+                                          <p:attrName>style.visibility</p:attrName>
+                                        </p:attrNameLst>
+                                      </p:cBhvr>
+                                      <p:to>
+                                        <p:strVal val="visible"/>
+                                      </p:to>
+                                    </p:set>
+                                  </p:childTnLst>
+                                </p:cTn>
+                              </p:par>
+                            </p:childTnLst>
+                          </p:cTn>
+                        </p:par>
+                      </p:childTnLst>
+                    </p:cTn>
+                  </p:par>
+                  <p:par>
+                    <p:cTn id="39" fill="hold">
+                      <p:stCondLst>
+                        <p:cond delay="indefinite"/>
+                      </p:stCondLst>
+                      <p:childTnLst>
+                        <p:par>
+                          <p:cTn id="40" fill="hold">
+                            <p:stCondLst>
+                              <p:cond delay="0"/>
+                            </p:stCondLst>
+                            <p:childTnLst>
+                              <p:par>
+                                <p:cTn id="41" presetID="1" presetClass="entr" presetSubtype="0" fill="hold" nodeType="clickEffect">
+                                  <p:stCondLst>
+                                    <p:cond delay="0"/>
+                                  </p:stCondLst>
+                                  <p:childTnLst>
+                                    <p:set>
+                                      <p:cBhvr>
+                                        <p:cTn id="42" dur="1" fill="hold">
+                                          <p:stCondLst>
+                                            <p:cond delay="0"/>
+                                          </p:stCondLst>
+                                        </p:cTn>
+                                        <p:tgtEl>
+                                          <p:spTgt spid="4">
+                                            <p:txEl>
+                                              <p:pRg st="9" end="9"/>
+                                            </p:txEl>
+                                          </p:spTgt>
+                                        </p:tgtEl>
+                                        <p:attrNameLst>
+                                          <p:attrName>style.visibility</p:attrName>
+                                        </p:attrNameLst>
+                                      </p:cBhvr>
+                                      <p:to>
+                                        <p:strVal val="visible"/>
+                                      </p:to>
+                                    </p:set>
+                                  </p:childTnLst>
+                                </p:cTn>
+                              </p:par>
+                            </p:childTnLst>
+                          </p:cTn>
+                        </p:par>
+                      </p:childTnLst>
+                    </p:cTn>
+                  </p:par>
+                  <p:par>
+                    <p:cTn id="43" fill="hold">
+                      <p:stCondLst>
+                        <p:cond delay="indefinite"/>
+                      </p:stCondLst>
+                      <p:childTnLst>
+                        <p:par>
+                          <p:cTn id="44" fill="hold">
+                            <p:stCondLst>
+                              <p:cond delay="0"/>
+                            </p:stCondLst>
+                            <p:childTnLst>
+                              <p:par>
+                                <p:cTn id="45" presetID="1" presetClass="entr" presetSubtype="0" fill="hold" nodeType="clickEffect">
+                                  <p:stCondLst>
+                                    <p:cond delay="0"/>
+                                  </p:stCondLst>
+                                  <p:childTnLst>
+                                    <p:set>
+                                      <p:cBhvr>
+                                        <p:cTn id="46" dur="1" fill="hold">
+                                          <p:stCondLst>
+                                            <p:cond delay="0"/>
+                                          </p:stCondLst>
+                                        </p:cTn>
+                                        <p:tgtEl>
+                                          <p:spTgt spid="4">
+                                            <p:txEl>
+                                              <p:pRg st="10" end="10"/>
+                                            </p:txEl>
+                                          </p:spTgt>
+                                        </p:tgtEl>
+                                        <p:attrNameLst>
+                                          <p:attrName>style.visibility</p:attrName>
+                                        </p:attrNameLst>
+                                      </p:cBhvr>
+                                      <p:to>
+                                        <p:strVal val="visible"/>
+                                      </p:to>
+                                    </p:set>
+                                  </p:childTnLst>
+                                </p:cTn>
+                              </p:par>
+                            </p:childTnLst>
+                          </p:cTn>
+                        </p:par>
+                      </p:childTnLst>
+                    </p:cTn>
+                  </p:par>
+                  <p:par>
+                    <p:cTn id="47" fill="hold">
+                      <p:stCondLst>
+                        <p:cond delay="indefinite"/>
+                      </p:stCondLst>
+                      <p:childTnLst>
+                        <p:par>
+                          <p:cTn id="48" fill="hold">
+                            <p:stCondLst>
+                              <p:cond delay="0"/>
+                            </p:stCondLst>
+                            <p:childTnLst>
+                              <p:par>
+                                <p:cTn id="49" presetID="1" presetClass="entr" presetSubtype="0" fill="hold" nodeType="clickEffect">
+                                  <p:stCondLst>
+                                    <p:cond delay="0"/>
+                                  </p:stCondLst>
+                                  <p:childTnLst>
+                                    <p:set>
+                                      <p:cBhvr>
+                                        <p:cTn id="50" dur="1" fill="hold">
+                                          <p:stCondLst>
+                                            <p:cond delay="0"/>
+                                          </p:stCondLst>
+                                        </p:cTn>
+                                        <p:tgtEl>
+                                          <p:spTgt spid="4">
+                                            <p:txEl>
+                                              <p:pRg st="11" end="11"/>
+                                            </p:txEl>
+                                          </p:spTgt>
+                                        </p:tgtEl>
+                                        <p:attrNameLst>
+                                          <p:attrName>style.visibility</p:attrName>
+                                        </p:attrNameLst>
+                                      </p:cBhvr>
+                                      <p:to>
+                                        <p:strVal val="visible"/>
+                                      </p:to>
+                                    </p:set>
+                                  </p:childTnLst>
+                                </p:cTn>
+                              </p:par>
+                            </p:childTnLst>
+                          </p:cTn>
+                        </p:par>
+                      </p:childTnLst>
+                    </p:cTn>
+                  </p:par>
+                  <p:par>
+                    <p:cTn id="51" fill="hold">
+                      <p:stCondLst>
+                        <p:cond delay="indefinite"/>
+                      </p:stCondLst>
+                      <p:childTnLst>
+                        <p:par>
+                          <p:cTn id="52" fill="hold">
+                            <p:stCondLst>
+                              <p:cond delay="0"/>
+                            </p:stCondLst>
+                            <p:childTnLst>
+                              <p:par>
+                                <p:cTn id="53" presetID="1" presetClass="entr" presetSubtype="0" fill="hold" nodeType="clickEffect">
+                                  <p:stCondLst>
+                                    <p:cond delay="0"/>
+                                  </p:stCondLst>
+                                  <p:childTnLst>
+                                    <p:set>
+                                      <p:cBhvr>
+                                        <p:cTn id="54" dur="1" fill="hold">
+                                          <p:stCondLst>
+                                            <p:cond delay="0"/>
+                                          </p:stCondLst>
+                                        </p:cTn>
+                                        <p:tgtEl>
+                                          <p:spTgt spid="4">
+                                            <p:txEl>
+                                              <p:pRg st="12" end="12"/>
+                                            </p:txEl>
+                                          </p:spTgt>
+                                        </p:tgtEl>
+                                        <p:attrNameLst>
+                                          <p:attrName>style.visibility</p:attrName>
+                                        </p:attrNameLst>
+                                      </p:cBhvr>
+                                      <p:to>
+                                        <p:strVal val="visible"/>
+                                      </p:to>
+                                    </p:set>
+                                  </p:childTnLst>
+                                </p:cTn>
+                              </p:par>
+                            </p:childTnLst>
+                          </p:cTn>
+                        </p:par>
+                      </p:childTnLst>
+                    </p:cTn>
+                  </p:par>
+                  <p:par>
+                    <p:cTn id="55" fill="hold">
+                      <p:stCondLst>
+                        <p:cond delay="indefinite"/>
+                      </p:stCondLst>
+                      <p:childTnLst>
+                        <p:par>
+                          <p:cTn id="56" fill="hold">
+                            <p:stCondLst>
+                              <p:cond delay="0"/>
+                            </p:stCondLst>
+                            <p:childTnLst>
+                              <p:par>
+                                <p:cTn id="57" presetID="1" presetClass="entr" presetSubtype="0" fill="hold" nodeType="clickEffect">
+                                  <p:stCondLst>
+                                    <p:cond delay="0"/>
+                                  </p:stCondLst>
+                                  <p:childTnLst>
+                                    <p:set>
+                                      <p:cBhvr>
+                                        <p:cTn id="58" dur="1" fill="hold">
+                                          <p:stCondLst>
+                                            <p:cond delay="0"/>
+                                          </p:stCondLst>
+                                        </p:cTn>
+                                        <p:tgtEl>
+                                          <p:spTgt spid="4">
+                                            <p:txEl>
+                                              <p:pRg st="13" end="13"/>
+                                            </p:txEl>
+                                          </p:spTgt>
+                                        </p:tgtEl>
+                                        <p:attrNameLst>
+                                          <p:attrName>style.visibility</p:attrName>
+                                        </p:attrNameLst>
+                                      </p:cBhvr>
+                                      <p:to>
+                                        <p:strVal val="visible"/>
+                                      </p:to>
+                                    </p:set>
+                                  </p:childTnLst>
+                                </p:cTn>
+                              </p:par>
+                            </p:childTnLst>
+                          </p:cTn>
+                        </p:par>
+                      </p:childTnLst>
+                    </p:cTn>
+                  </p:par>
+                </p:childTnLst>
+              </p:cTn>
+              <p:prevCondLst>
+                <p:cond evt="onPrev" delay="0">
+                  <p:tgtEl>
+                    <p:sldTgt/>
+                  </p:tgtEl>
+                </p:cond>
+              </p:prevCondLst>
+              <p:nextCondLst>
+                <p:cond evt="onNext" delay="0">
+                  <p:tgtEl>
+                    <p:sldTgt/>
+                  </p:tgtEl>
+                </p:cond>
+              </p:nextCondLst>
+            </p:seq>
+          </p:childTnLst>
+        </p:cTn>
+      </p:par>
+    </p:tnLst>
+  </p:timing>
+</p:sld>
+</file>
+
+<file path=ppt/slides/slide5.xml><?xml version="1.0" encoding="utf-8"?>
+<p:sld xmlns:a="http://schemas.openxmlformats.org/drawingml/2006/main" xmlns:r="http://schemas.openxmlformats.org/officeDocument/2006/relationships" xmlns:p="http://schemas.openxmlformats.org/presentationml/2006/main">
+  <p:cSld>
+    <p:spTree>
+      <p:nvGrpSpPr>
+        <p:cNvPr id="1" name="">
+          <a:extLst>
+            <a:ext uri="{FF2B5EF4-FFF2-40B4-BE49-F238E27FC236}">
+              <a16:creationId xmlns:a16="http://schemas.microsoft.com/office/drawing/2014/main" id="{C4729472-093D-DAF6-6193-C3F78A3AEEFA}"/>
+            </a:ext>
+          </a:extLst>
+        </p:cNvPr>
+        <p:cNvGrpSpPr/>
+        <p:nvPr/>
+      </p:nvGrpSpPr>
+      <p:grpSpPr>
+        <a:xfrm>
+          <a:off x="0" y="0"/>
+          <a:ext cx="0" cy="0"/>
+          <a:chOff x="0" y="0"/>
+          <a:chExt cx="0" cy="0"/>
+        </a:xfrm>
+      </p:grpSpPr>
+      <p:sp>
+        <p:nvSpPr>
+          <p:cNvPr id="3" name="Subtitle 2">
+            <a:extLst>
+              <a:ext uri="{FF2B5EF4-FFF2-40B4-BE49-F238E27FC236}">
+                <a16:creationId xmlns:a16="http://schemas.microsoft.com/office/drawing/2014/main" id="{1900B423-13A0-6E9E-2A6B-726DC91B8897}"/>
+              </a:ext>
+            </a:extLst>
+          </p:cNvPr>
+          <p:cNvSpPr>
+            <a:spLocks noGrp="1"/>
+          </p:cNvSpPr>
+          <p:nvPr>
+            <p:ph type="subTitle" idx="1"/>
+          </p:nvPr>
+        </p:nvSpPr>
+        <p:spPr>
+          <a:xfrm>
+            <a:off x="1524000" y="2601119"/>
+            <a:ext cx="9144000" cy="1655762"/>
+          </a:xfrm>
+        </p:spPr>
+        <p:txBody>
+          <a:bodyPr/>
+          <a:lstStyle/>
+          <a:p>
+            <a:r>
+              <a:rPr lang="en-US" dirty="0"/>
+              <a:t>Chapter 13 – Working with String class</a:t>
+            </a:r>
+          </a:p>
+        </p:txBody>
+      </p:sp>
+    </p:spTree>
+    <p:extLst>
+      <p:ext uri="{BB962C8B-B14F-4D97-AF65-F5344CB8AC3E}">
+        <p14:creationId xmlns:p14="http://schemas.microsoft.com/office/powerpoint/2010/main" val="1861039172"/>
+      </p:ext>
+    </p:extLst>
+  </p:cSld>
+  <p:clrMapOvr>
+    <a:masterClrMapping/>
+  </p:clrMapOvr>
+</p:sld>
+</file>
+
+<file path=ppt/slides/slide6.xml><?xml version="1.0" encoding="utf-8"?>
+<p:sld xmlns:a="http://schemas.openxmlformats.org/drawingml/2006/main" xmlns:r="http://schemas.openxmlformats.org/officeDocument/2006/relationships" xmlns:p="http://schemas.openxmlformats.org/presentationml/2006/main">
+  <p:cSld>
+    <p:spTree>
+      <p:nvGrpSpPr>
+        <p:cNvPr id="1" name="">
+          <a:extLst>
+            <a:ext uri="{FF2B5EF4-FFF2-40B4-BE49-F238E27FC236}">
+              <a16:creationId xmlns:a16="http://schemas.microsoft.com/office/drawing/2014/main" id="{7D1380C6-5BA5-44F8-2587-5B832283DDFA}"/>
+            </a:ext>
+          </a:extLst>
+        </p:cNvPr>
+        <p:cNvGrpSpPr/>
+        <p:nvPr/>
+      </p:nvGrpSpPr>
+      <p:grpSpPr>
+        <a:xfrm>
+          <a:off x="0" y="0"/>
+          <a:ext cx="0" cy="0"/>
+          <a:chOff x="0" y="0"/>
+          <a:chExt cx="0" cy="0"/>
+        </a:xfrm>
+      </p:grpSpPr>
+      <p:sp>
+        <p:nvSpPr>
+          <p:cNvPr id="3" name="Subtitle 2">
+            <a:extLst>
+              <a:ext uri="{FF2B5EF4-FFF2-40B4-BE49-F238E27FC236}">
+                <a16:creationId xmlns:a16="http://schemas.microsoft.com/office/drawing/2014/main" id="{AD891E10-9042-D8D6-80C9-9967D25C2AB5}"/>
+              </a:ext>
+            </a:extLst>
+          </p:cNvPr>
+          <p:cNvSpPr>
+            <a:spLocks noGrp="1"/>
+          </p:cNvSpPr>
+          <p:nvPr>
+            <p:ph type="subTitle" idx="1"/>
+          </p:nvPr>
+        </p:nvSpPr>
+        <p:spPr>
+          <a:xfrm>
+            <a:off x="97970" y="293688"/>
+            <a:ext cx="9436448" cy="303212"/>
+          </a:xfrm>
+        </p:spPr>
+        <p:txBody>
+          <a:bodyPr>
+            <a:normAutofit fontScale="92500" lnSpcReduction="20000"/>
+          </a:bodyPr>
+          <a:lstStyle/>
+          <a:p>
+            <a:r>
+              <a:rPr lang="en-US" sz="1800" b="1" dirty="0"/>
+              <a:t>13.1 Creating ande manipulating Strings </a:t>
+            </a:r>
+            <a:r>
+              <a:rPr lang="en-US" sz="1800" dirty="0"/>
+              <a:t>– 13.1.1 What is a "String"</a:t>
+            </a:r>
+            <a:endParaRPr lang="en-US" sz="1800" b="1" dirty="0"/>
+          </a:p>
+        </p:txBody>
+      </p:sp>
+      <p:sp>
+        <p:nvSpPr>
+          <p:cNvPr id="4" name="Subtitle 2">
+            <a:extLst>
+              <a:ext uri="{FF2B5EF4-FFF2-40B4-BE49-F238E27FC236}">
+                <a16:creationId xmlns:a16="http://schemas.microsoft.com/office/drawing/2014/main" id="{25E0CAAE-7DFB-413B-2054-265473F68B0B}"/>
+              </a:ext>
+            </a:extLst>
+          </p:cNvPr>
+          <p:cNvSpPr txBox="1">
+            <a:spLocks/>
+          </p:cNvSpPr>
+          <p:nvPr/>
+        </p:nvSpPr>
+        <p:spPr>
+          <a:xfrm>
+            <a:off x="0" y="820738"/>
+            <a:ext cx="12192000" cy="6037262"/>
+          </a:xfrm>
+          <a:prstGeom prst="rect">
+            <a:avLst/>
+          </a:prstGeom>
+        </p:spPr>
+        <p:txBody>
+          <a:bodyPr vert="horz" lIns="91440" tIns="45720" rIns="91440" bIns="45720" rtlCol="0">
+            <a:normAutofit/>
+          </a:bodyPr>
+          <a:lstStyle>
+            <a:lvl1pPr marL="0" indent="0" algn="ctr" defTabSz="914400" rtl="0" eaLnBrk="1" latinLnBrk="0" hangingPunct="1">
+              <a:lnSpc>
+                <a:spcPct val="90000"/>
+              </a:lnSpc>
+              <a:spcBef>
+                <a:spcPts val="1000"/>
+              </a:spcBef>
+              <a:buFont typeface="Arial" panose="020B0604020202020204" pitchFamily="34" charset="0"/>
+              <a:buNone/>
+              <a:defRPr sz="2400" kern="1200">
+                <a:solidFill>
+                  <a:schemeClr val="tx1"/>
+                </a:solidFill>
+                <a:latin typeface="+mn-lt"/>
+                <a:ea typeface="+mn-ea"/>
+                <a:cs typeface="+mn-cs"/>
+              </a:defRPr>
+            </a:lvl1pPr>
+            <a:lvl2pPr marL="457200" indent="0" algn="ctr" defTabSz="914400" rtl="0" eaLnBrk="1" latinLnBrk="0" hangingPunct="1">
+              <a:lnSpc>
+                <a:spcPct val="90000"/>
+              </a:lnSpc>
+              <a:spcBef>
+                <a:spcPts val="500"/>
+              </a:spcBef>
+              <a:buFont typeface="Arial" panose="020B0604020202020204" pitchFamily="34" charset="0"/>
+              <a:buNone/>
+              <a:defRPr sz="2000" kern="1200">
+                <a:solidFill>
+                  <a:schemeClr val="tx1"/>
+                </a:solidFill>
+                <a:latin typeface="+mn-lt"/>
+                <a:ea typeface="+mn-ea"/>
+                <a:cs typeface="+mn-cs"/>
+              </a:defRPr>
+            </a:lvl2pPr>
+            <a:lvl3pPr marL="914400" indent="0" algn="ctr" defTabSz="914400" rtl="0" eaLnBrk="1" latinLnBrk="0" hangingPunct="1">
+              <a:lnSpc>
+                <a:spcPct val="90000"/>
+              </a:lnSpc>
+              <a:spcBef>
+                <a:spcPts val="500"/>
+              </a:spcBef>
+              <a:buFont typeface="Arial" panose="020B0604020202020204" pitchFamily="34" charset="0"/>
+              <a:buNone/>
+              <a:defRPr sz="1800" kern="1200">
+                <a:solidFill>
+                  <a:schemeClr val="tx1"/>
+                </a:solidFill>
+                <a:latin typeface="+mn-lt"/>
+                <a:ea typeface="+mn-ea"/>
+                <a:cs typeface="+mn-cs"/>
+              </a:defRPr>
+            </a:lvl3pPr>
+            <a:lvl4pPr marL="1371600" indent="0" algn="ctr" defTabSz="914400" rtl="0" eaLnBrk="1" latinLnBrk="0" hangingPunct="1">
+              <a:lnSpc>
+                <a:spcPct val="90000"/>
+              </a:lnSpc>
+              <a:spcBef>
+                <a:spcPts val="500"/>
+              </a:spcBef>
+              <a:buFont typeface="Arial" panose="020B0604020202020204" pitchFamily="34" charset="0"/>
+              <a:buNone/>
+              <a:defRPr sz="1600" kern="1200">
+                <a:solidFill>
+                  <a:schemeClr val="tx1"/>
+                </a:solidFill>
+                <a:latin typeface="+mn-lt"/>
+                <a:ea typeface="+mn-ea"/>
+                <a:cs typeface="+mn-cs"/>
+              </a:defRPr>
+            </a:lvl4pPr>
+            <a:lvl5pPr marL="1828800" indent="0" algn="ctr" defTabSz="914400" rtl="0" eaLnBrk="1" latinLnBrk="0" hangingPunct="1">
+              <a:lnSpc>
+                <a:spcPct val="90000"/>
+              </a:lnSpc>
+              <a:spcBef>
+                <a:spcPts val="500"/>
+              </a:spcBef>
+              <a:buFont typeface="Arial" panose="020B0604020202020204" pitchFamily="34" charset="0"/>
+              <a:buNone/>
+              <a:defRPr sz="1600" kern="1200">
+                <a:solidFill>
+                  <a:schemeClr val="tx1"/>
+                </a:solidFill>
+                <a:latin typeface="+mn-lt"/>
+                <a:ea typeface="+mn-ea"/>
+                <a:cs typeface="+mn-cs"/>
+              </a:defRPr>
+            </a:lvl5pPr>
+            <a:lvl6pPr marL="2286000" indent="0" algn="ctr" defTabSz="914400" rtl="0" eaLnBrk="1" latinLnBrk="0" hangingPunct="1">
+              <a:lnSpc>
+                <a:spcPct val="90000"/>
+              </a:lnSpc>
+              <a:spcBef>
+                <a:spcPts val="500"/>
+              </a:spcBef>
+              <a:buFont typeface="Arial" panose="020B0604020202020204" pitchFamily="34" charset="0"/>
+              <a:buNone/>
+              <a:defRPr sz="1600" kern="1200">
+                <a:solidFill>
+                  <a:schemeClr val="tx1"/>
+                </a:solidFill>
+                <a:latin typeface="+mn-lt"/>
+                <a:ea typeface="+mn-ea"/>
+                <a:cs typeface="+mn-cs"/>
+              </a:defRPr>
+            </a:lvl6pPr>
+            <a:lvl7pPr marL="2743200" indent="0" algn="ctr" defTabSz="914400" rtl="0" eaLnBrk="1" latinLnBrk="0" hangingPunct="1">
+              <a:lnSpc>
+                <a:spcPct val="90000"/>
+              </a:lnSpc>
+              <a:spcBef>
+                <a:spcPts val="500"/>
+              </a:spcBef>
+              <a:buFont typeface="Arial" panose="020B0604020202020204" pitchFamily="34" charset="0"/>
+              <a:buNone/>
+              <a:defRPr sz="1600" kern="1200">
+                <a:solidFill>
+                  <a:schemeClr val="tx1"/>
+                </a:solidFill>
+                <a:latin typeface="+mn-lt"/>
+                <a:ea typeface="+mn-ea"/>
+                <a:cs typeface="+mn-cs"/>
+              </a:defRPr>
+            </a:lvl7pPr>
+            <a:lvl8pPr marL="3200400" indent="0" algn="ctr" defTabSz="914400" rtl="0" eaLnBrk="1" latinLnBrk="0" hangingPunct="1">
+              <a:lnSpc>
+                <a:spcPct val="90000"/>
+              </a:lnSpc>
+              <a:spcBef>
+                <a:spcPts val="500"/>
+              </a:spcBef>
+              <a:buFont typeface="Arial" panose="020B0604020202020204" pitchFamily="34" charset="0"/>
+              <a:buNone/>
+              <a:defRPr sz="1600" kern="1200">
+                <a:solidFill>
+                  <a:schemeClr val="tx1"/>
+                </a:solidFill>
+                <a:latin typeface="+mn-lt"/>
+                <a:ea typeface="+mn-ea"/>
+                <a:cs typeface="+mn-cs"/>
+              </a:defRPr>
+            </a:lvl8pPr>
+            <a:lvl9pPr marL="3657600" indent="0" algn="ctr" defTabSz="914400" rtl="0" eaLnBrk="1" latinLnBrk="0" hangingPunct="1">
+              <a:lnSpc>
+                <a:spcPct val="90000"/>
+              </a:lnSpc>
+              <a:spcBef>
+                <a:spcPts val="500"/>
+              </a:spcBef>
+              <a:buFont typeface="Arial" panose="020B0604020202020204" pitchFamily="34" charset="0"/>
+              <a:buNone/>
+              <a:defRPr sz="1600" kern="1200">
+                <a:solidFill>
+                  <a:schemeClr val="tx1"/>
+                </a:solidFill>
+                <a:latin typeface="+mn-lt"/>
+                <a:ea typeface="+mn-ea"/>
+                <a:cs typeface="+mn-cs"/>
+              </a:defRPr>
+            </a:lvl9pPr>
+          </a:lstStyle>
+          <a:p>
+            <a:pPr algn="l"/>
+            <a:r>
+              <a:rPr lang="en-US" sz="1800" dirty="0"/>
+              <a:t>- String in Java is just a ... of String Class. It represent a ...  </a:t>
+            </a:r>
+          </a:p>
+          <a:p>
+            <a:pPr algn="l"/>
+            <a:r>
+              <a:rPr lang="en-US" sz="1800" dirty="0"/>
+              <a:t>- String such as "1234" or "Hello" are just the ... of the class</a:t>
+            </a:r>
+          </a:p>
+          <a:p>
+            <a:pPr algn="l"/>
+            <a:r>
+              <a:rPr lang="en-US" sz="1800" dirty="0"/>
+              <a:t>– String class is ... =&gt; No more classes can extend this class</a:t>
+            </a:r>
+          </a:p>
+          <a:p>
+            <a:pPr algn="l"/>
+            <a:r>
+              <a:rPr lang="en-US" sz="1800" dirty="0"/>
+              <a:t>– String extend ... class and implement ... interface</a:t>
+            </a:r>
+          </a:p>
+          <a:p>
+            <a:pPr algn="l"/>
+            <a:r>
+              <a:rPr lang="en-US" sz="1800" dirty="0"/>
+              <a:t>– in Java, String is just called a String, although it is an ... of ... class. Java treats it as a special type of ... with various way of initialization and usage</a:t>
+            </a:r>
+          </a:p>
+        </p:txBody>
+      </p:sp>
+    </p:spTree>
+    <p:extLst>
+      <p:ext uri="{BB962C8B-B14F-4D97-AF65-F5344CB8AC3E}">
+        <p14:creationId xmlns:p14="http://schemas.microsoft.com/office/powerpoint/2010/main" val="2250328573"/>
+      </p:ext>
+    </p:extLst>
+  </p:cSld>
+  <p:clrMapOvr>
+    <a:masterClrMapping/>
+  </p:clrMapOvr>
+  <p:timing>
+    <p:tnLst>
+      <p:par>
+        <p:cTn id="1" dur="indefinite" restart="never" nodeType="tmRoot">
+          <p:childTnLst>
+            <p:seq concurrent="1" nextAc="seek">
+              <p:cTn id="2" dur="indefinite" nodeType="mainSeq">
+                <p:childTnLst>
+                  <p:par>
+                    <p:cTn id="3" fill="hold">
+                      <p:stCondLst>
+                        <p:cond delay="indefinite"/>
+                      </p:stCondLst>
+                      <p:childTnLst>
+                        <p:par>
+                          <p:cTn id="4" fill="hold">
+                            <p:stCondLst>
+                              <p:cond delay="0"/>
+                            </p:stCondLst>
+                            <p:childTnLst>
+                              <p:par>
+                                <p:cTn id="5" presetID="1" presetClass="entr" presetSubtype="0" fill="hold" nodeType="clickEffect">
+                                  <p:stCondLst>
+                                    <p:cond delay="0"/>
+                                  </p:stCondLst>
+                                  <p:childTnLst>
+                                    <p:set>
+                                      <p:cBhvr>
+                                        <p:cTn id="6" dur="1" fill="hold">
+                                          <p:stCondLst>
+                                            <p:cond delay="0"/>
+                                          </p:stCondLst>
+                                        </p:cTn>
+                                        <p:tgtEl>
+                                          <p:spTgt spid="4">
+                                            <p:txEl>
+                                              <p:pRg st="0" end="0"/>
+                                            </p:txEl>
+                                          </p:spTgt>
+                                        </p:tgtEl>
+                                        <p:attrNameLst>
+                                          <p:attrName>style.visibility</p:attrName>
+                                        </p:attrNameLst>
+                                      </p:cBhvr>
+                                      <p:to>
+                                        <p:strVal val="visible"/>
+                                      </p:to>
+                                    </p:set>
+                                  </p:childTnLst>
+                                </p:cTn>
+                              </p:par>
+                            </p:childTnLst>
+                          </p:cTn>
+                        </p:par>
+                      </p:childTnLst>
+                    </p:cTn>
+                  </p:par>
+                  <p:par>
+                    <p:cTn id="7" fill="hold">
+                      <p:stCondLst>
+                        <p:cond delay="indefinite"/>
+                      </p:stCondLst>
+                      <p:childTnLst>
+                        <p:par>
+                          <p:cTn id="8" fill="hold">
+                            <p:stCondLst>
+                              <p:cond delay="0"/>
+                            </p:stCondLst>
+                            <p:childTnLst>
+                              <p:par>
+                                <p:cTn id="9" presetID="1" presetClass="entr" presetSubtype="0" fill="hold" nodeType="clickEffect">
+                                  <p:stCondLst>
+                                    <p:cond delay="0"/>
+                                  </p:stCondLst>
+                                  <p:childTnLst>
+                                    <p:set>
+                                      <p:cBhvr>
+                                        <p:cTn id="10" dur="1" fill="hold">
+                                          <p:stCondLst>
+                                            <p:cond delay="0"/>
+                                          </p:stCondLst>
+                                        </p:cTn>
+                                        <p:tgtEl>
+                                          <p:spTgt spid="4">
+                                            <p:txEl>
+                                              <p:pRg st="1" end="1"/>
+                                            </p:txEl>
+                                          </p:spTgt>
+                                        </p:tgtEl>
+                                        <p:attrNameLst>
+                                          <p:attrName>style.visibility</p:attrName>
+                                        </p:attrNameLst>
+                                      </p:cBhvr>
+                                      <p:to>
+                                        <p:strVal val="visible"/>
+                                      </p:to>
+                                    </p:set>
+                                  </p:childTnLst>
+                                </p:cTn>
+                              </p:par>
+                            </p:childTnLst>
+                          </p:cTn>
+                        </p:par>
+                      </p:childTnLst>
+                    </p:cTn>
+                  </p:par>
+                  <p:par>
+                    <p:cTn id="11" fill="hold">
+                      <p:stCondLst>
+                        <p:cond delay="indefinite"/>
+                      </p:stCondLst>
+                      <p:childTnLst>
+                        <p:par>
+                          <p:cTn id="12" fill="hold">
+                            <p:stCondLst>
+                              <p:cond delay="0"/>
+                            </p:stCondLst>
+                            <p:childTnLst>
+                              <p:par>
+                                <p:cTn id="13" presetID="1" presetClass="entr" presetSubtype="0" fill="hold" nodeType="clickEffect">
+                                  <p:stCondLst>
+                                    <p:cond delay="0"/>
+                                  </p:stCondLst>
+                                  <p:childTnLst>
+                                    <p:set>
+                                      <p:cBhvr>
+                                        <p:cTn id="14" dur="1" fill="hold">
+                                          <p:stCondLst>
+                                            <p:cond delay="0"/>
+                                          </p:stCondLst>
+                                        </p:cTn>
+                                        <p:tgtEl>
+                                          <p:spTgt spid="4">
+                                            <p:txEl>
+                                              <p:pRg st="2" end="2"/>
+                                            </p:txEl>
+                                          </p:spTgt>
+                                        </p:tgtEl>
+                                        <p:attrNameLst>
+                                          <p:attrName>style.visibility</p:attrName>
+                                        </p:attrNameLst>
+                                      </p:cBhvr>
+                                      <p:to>
+                                        <p:strVal val="visible"/>
+                                      </p:to>
+                                    </p:set>
+                                  </p:childTnLst>
+                                </p:cTn>
+                              </p:par>
+                            </p:childTnLst>
+                          </p:cTn>
+                        </p:par>
+                      </p:childTnLst>
+                    </p:cTn>
+                  </p:par>
+                  <p:par>
+                    <p:cTn id="15" fill="hold">
+                      <p:stCondLst>
+                        <p:cond delay="indefinite"/>
+                      </p:stCondLst>
+                      <p:childTnLst>
+                        <p:par>
+                          <p:cTn id="16" fill="hold">
+                            <p:stCondLst>
+                              <p:cond delay="0"/>
+                            </p:stCondLst>
+                            <p:childTnLst>
+                              <p:par>
+                                <p:cTn id="17" presetID="1" presetClass="entr" presetSubtype="0" fill="hold" nodeType="clickEffect">
+                                  <p:stCondLst>
+                                    <p:cond delay="0"/>
+                                  </p:stCondLst>
+                                  <p:childTnLst>
+                                    <p:set>
+                                      <p:cBhvr>
+                                        <p:cTn id="18" dur="1" fill="hold">
+                                          <p:stCondLst>
+                                            <p:cond delay="0"/>
+                                          </p:stCondLst>
+                                        </p:cTn>
+                                        <p:tgtEl>
+                                          <p:spTgt spid="4">
+                                            <p:txEl>
+                                              <p:pRg st="3" end="3"/>
+                                            </p:txEl>
+                                          </p:spTgt>
+                                        </p:tgtEl>
+                                        <p:attrNameLst>
+                                          <p:attrName>style.visibility</p:attrName>
+                                        </p:attrNameLst>
+                                      </p:cBhvr>
+                                      <p:to>
+                                        <p:strVal val="visible"/>
+                                      </p:to>
+                                    </p:set>
+                                  </p:childTnLst>
+                                </p:cTn>
+                              </p:par>
+                            </p:childTnLst>
+                          </p:cTn>
+                        </p:par>
+                      </p:childTnLst>
+                    </p:cTn>
+                  </p:par>
+                  <p:par>
+                    <p:cTn id="19" fill="hold">
+                      <p:stCondLst>
+                        <p:cond delay="indefinite"/>
+                      </p:stCondLst>
+                      <p:childTnLst>
+                        <p:par>
+                          <p:cTn id="20" fill="hold">
+                            <p:stCondLst>
+                              <p:cond delay="0"/>
+                            </p:stCondLst>
+                            <p:childTnLst>
+                              <p:par>
+                                <p:cTn id="21" presetID="1" presetClass="entr" presetSubtype="0" fill="hold" nodeType="clickEffect">
+                                  <p:stCondLst>
+                                    <p:cond delay="0"/>
+                                  </p:stCondLst>
+                                  <p:childTnLst>
+                                    <p:set>
+                                      <p:cBhvr>
+                                        <p:cTn id="22" dur="1" fill="hold">
+                                          <p:stCondLst>
+                                            <p:cond delay="0"/>
+                                          </p:stCondLst>
+                                        </p:cTn>
+                                        <p:tgtEl>
+                                          <p:spTgt spid="4">
+                                            <p:txEl>
+                                              <p:pRg st="4" end="4"/>
+                                            </p:txEl>
+                                          </p:spTgt>
+                                        </p:tgtEl>
+                                        <p:attrNameLst>
+                                          <p:attrName>style.visibility</p:attrName>
+                                        </p:attrNameLst>
+                                      </p:cBhvr>
+                                      <p:to>
+                                        <p:strVal val="visible"/>
+                                      </p:to>
+                                    </p:set>
+                                  </p:childTnLst>
+                                </p:cTn>
+                              </p:par>
+                            </p:childTnLst>
+                          </p:cTn>
+                        </p:par>
+                      </p:childTnLst>
+                    </p:cTn>
+                  </p:par>
+                </p:childTnLst>
+              </p:cTn>
+              <p:prevCondLst>
+                <p:cond evt="onPrev" delay="0">
+                  <p:tgtEl>
+                    <p:sldTgt/>
+                  </p:tgtEl>
+                </p:cond>
+              </p:prevCondLst>
+              <p:nextCondLst>
+                <p:cond evt="onNext" delay="0">
+                  <p:tgtEl>
+                    <p:sldTgt/>
+                  </p:tgtEl>
+                </p:cond>
+              </p:nextCondLst>
+            </p:seq>
+          </p:childTnLst>
+        </p:cTn>
+      </p:par>
+    </p:tnLst>
+  </p:timing>
+</p:sld>
+</file>
+
+<file path=ppt/slides/slide7.xml><?xml version="1.0" encoding="utf-8"?>
+<p:sld xmlns:a="http://schemas.openxmlformats.org/drawingml/2006/main" xmlns:r="http://schemas.openxmlformats.org/officeDocument/2006/relationships" xmlns:p="http://schemas.openxmlformats.org/presentationml/2006/main">
+  <p:cSld>
+    <p:spTree>
+      <p:nvGrpSpPr>
+        <p:cNvPr id="1" name="">
+          <a:extLst>
+            <a:ext uri="{FF2B5EF4-FFF2-40B4-BE49-F238E27FC236}">
+              <a16:creationId xmlns:a16="http://schemas.microsoft.com/office/drawing/2014/main" id="{B83C0527-1B29-5353-C805-2F8238FFABEF}"/>
+            </a:ext>
+          </a:extLst>
+        </p:cNvPr>
+        <p:cNvGrpSpPr/>
+        <p:nvPr/>
+      </p:nvGrpSpPr>
+      <p:grpSpPr>
+        <a:xfrm>
+          <a:off x="0" y="0"/>
+          <a:ext cx="0" cy="0"/>
+          <a:chOff x="0" y="0"/>
+          <a:chExt cx="0" cy="0"/>
+        </a:xfrm>
+      </p:grpSpPr>
+      <p:sp>
+        <p:nvSpPr>
+          <p:cNvPr id="3" name="Subtitle 2">
+            <a:extLst>
+              <a:ext uri="{FF2B5EF4-FFF2-40B4-BE49-F238E27FC236}">
+                <a16:creationId xmlns:a16="http://schemas.microsoft.com/office/drawing/2014/main" id="{E0ED1D81-18BA-2523-0B42-BC2661362543}"/>
+              </a:ext>
+            </a:extLst>
+          </p:cNvPr>
+          <p:cNvSpPr>
+            <a:spLocks noGrp="1"/>
+          </p:cNvSpPr>
+          <p:nvPr>
+            <p:ph type="subTitle" idx="1"/>
+          </p:nvPr>
+        </p:nvSpPr>
+        <p:spPr>
+          <a:xfrm>
+            <a:off x="97970" y="293688"/>
+            <a:ext cx="9436448" cy="303212"/>
+          </a:xfrm>
+        </p:spPr>
+        <p:txBody>
+          <a:bodyPr>
+            <a:normAutofit fontScale="92500" lnSpcReduction="20000"/>
+          </a:bodyPr>
+          <a:lstStyle/>
+          <a:p>
+            <a:r>
+              <a:rPr lang="en-US" sz="1800" b="1" dirty="0"/>
+              <a:t>13.1 Creating ande manipulating Strings </a:t>
+            </a:r>
+            <a:r>
+              <a:rPr lang="en-US" sz="1800" dirty="0"/>
+              <a:t>– 13.1.2 Creating Strings</a:t>
+            </a:r>
+            <a:endParaRPr lang="en-US" sz="1800" b="1" dirty="0"/>
+          </a:p>
+        </p:txBody>
+      </p:sp>
+      <p:sp>
+        <p:nvSpPr>
+          <p:cNvPr id="4" name="Subtitle 2">
+            <a:extLst>
+              <a:ext uri="{FF2B5EF4-FFF2-40B4-BE49-F238E27FC236}">
+                <a16:creationId xmlns:a16="http://schemas.microsoft.com/office/drawing/2014/main" id="{9EA03DCD-EEFB-3FBA-879F-AF3053C55B6B}"/>
+              </a:ext>
+            </a:extLst>
+          </p:cNvPr>
+          <p:cNvSpPr txBox="1">
+            <a:spLocks/>
+          </p:cNvSpPr>
+          <p:nvPr/>
+        </p:nvSpPr>
+        <p:spPr>
+          <a:xfrm>
+            <a:off x="0" y="820738"/>
+            <a:ext cx="12192000" cy="6037262"/>
+          </a:xfrm>
+          <a:prstGeom prst="rect">
+            <a:avLst/>
+          </a:prstGeom>
+        </p:spPr>
+        <p:txBody>
+          <a:bodyPr vert="horz" lIns="91440" tIns="45720" rIns="91440" bIns="45720" rtlCol="0">
+            <a:normAutofit/>
+          </a:bodyPr>
+          <a:lstStyle>
+            <a:lvl1pPr marL="0" indent="0" algn="ctr" defTabSz="914400" rtl="0" eaLnBrk="1" latinLnBrk="0" hangingPunct="1">
+              <a:lnSpc>
+                <a:spcPct val="90000"/>
+              </a:lnSpc>
+              <a:spcBef>
+                <a:spcPts val="1000"/>
+              </a:spcBef>
+              <a:buFont typeface="Arial" panose="020B0604020202020204" pitchFamily="34" charset="0"/>
+              <a:buNone/>
+              <a:defRPr sz="2400" kern="1200">
+                <a:solidFill>
+                  <a:schemeClr val="tx1"/>
+                </a:solidFill>
+                <a:latin typeface="+mn-lt"/>
+                <a:ea typeface="+mn-ea"/>
+                <a:cs typeface="+mn-cs"/>
+              </a:defRPr>
+            </a:lvl1pPr>
+            <a:lvl2pPr marL="457200" indent="0" algn="ctr" defTabSz="914400" rtl="0" eaLnBrk="1" latinLnBrk="0" hangingPunct="1">
+              <a:lnSpc>
+                <a:spcPct val="90000"/>
+              </a:lnSpc>
+              <a:spcBef>
+                <a:spcPts val="500"/>
+              </a:spcBef>
+              <a:buFont typeface="Arial" panose="020B0604020202020204" pitchFamily="34" charset="0"/>
+              <a:buNone/>
+              <a:defRPr sz="2000" kern="1200">
+                <a:solidFill>
+                  <a:schemeClr val="tx1"/>
+                </a:solidFill>
+                <a:latin typeface="+mn-lt"/>
+                <a:ea typeface="+mn-ea"/>
+                <a:cs typeface="+mn-cs"/>
+              </a:defRPr>
+            </a:lvl2pPr>
+            <a:lvl3pPr marL="914400" indent="0" algn="ctr" defTabSz="914400" rtl="0" eaLnBrk="1" latinLnBrk="0" hangingPunct="1">
+              <a:lnSpc>
+                <a:spcPct val="90000"/>
+              </a:lnSpc>
+              <a:spcBef>
+                <a:spcPts val="500"/>
+              </a:spcBef>
+              <a:buFont typeface="Arial" panose="020B0604020202020204" pitchFamily="34" charset="0"/>
+              <a:buNone/>
+              <a:defRPr sz="1800" kern="1200">
+                <a:solidFill>
+                  <a:schemeClr val="tx1"/>
+                </a:solidFill>
+                <a:latin typeface="+mn-lt"/>
+                <a:ea typeface="+mn-ea"/>
+                <a:cs typeface="+mn-cs"/>
+              </a:defRPr>
+            </a:lvl3pPr>
+            <a:lvl4pPr marL="1371600" indent="0" algn="ctr" defTabSz="914400" rtl="0" eaLnBrk="1" latinLnBrk="0" hangingPunct="1">
+              <a:lnSpc>
+                <a:spcPct val="90000"/>
+              </a:lnSpc>
+              <a:spcBef>
+                <a:spcPts val="500"/>
+              </a:spcBef>
+              <a:buFont typeface="Arial" panose="020B0604020202020204" pitchFamily="34" charset="0"/>
+              <a:buNone/>
+              <a:defRPr sz="1600" kern="1200">
+                <a:solidFill>
+                  <a:schemeClr val="tx1"/>
+                </a:solidFill>
+                <a:latin typeface="+mn-lt"/>
+                <a:ea typeface="+mn-ea"/>
+                <a:cs typeface="+mn-cs"/>
+              </a:defRPr>
+            </a:lvl4pPr>
+            <a:lvl5pPr marL="1828800" indent="0" algn="ctr" defTabSz="914400" rtl="0" eaLnBrk="1" latinLnBrk="0" hangingPunct="1">
+              <a:lnSpc>
+                <a:spcPct val="90000"/>
+              </a:lnSpc>
+              <a:spcBef>
+                <a:spcPts val="500"/>
+              </a:spcBef>
+              <a:buFont typeface="Arial" panose="020B0604020202020204" pitchFamily="34" charset="0"/>
+              <a:buNone/>
+              <a:defRPr sz="1600" kern="1200">
+                <a:solidFill>
+                  <a:schemeClr val="tx1"/>
+                </a:solidFill>
+                <a:latin typeface="+mn-lt"/>
+                <a:ea typeface="+mn-ea"/>
+                <a:cs typeface="+mn-cs"/>
+              </a:defRPr>
+            </a:lvl5pPr>
+            <a:lvl6pPr marL="2286000" indent="0" algn="ctr" defTabSz="914400" rtl="0" eaLnBrk="1" latinLnBrk="0" hangingPunct="1">
+              <a:lnSpc>
+                <a:spcPct val="90000"/>
+              </a:lnSpc>
+              <a:spcBef>
+                <a:spcPts val="500"/>
+              </a:spcBef>
+              <a:buFont typeface="Arial" panose="020B0604020202020204" pitchFamily="34" charset="0"/>
+              <a:buNone/>
+              <a:defRPr sz="1600" kern="1200">
+                <a:solidFill>
+                  <a:schemeClr val="tx1"/>
+                </a:solidFill>
+                <a:latin typeface="+mn-lt"/>
+                <a:ea typeface="+mn-ea"/>
+                <a:cs typeface="+mn-cs"/>
+              </a:defRPr>
+            </a:lvl6pPr>
+            <a:lvl7pPr marL="2743200" indent="0" algn="ctr" defTabSz="914400" rtl="0" eaLnBrk="1" latinLnBrk="0" hangingPunct="1">
+              <a:lnSpc>
+                <a:spcPct val="90000"/>
+              </a:lnSpc>
+              <a:spcBef>
+                <a:spcPts val="500"/>
+              </a:spcBef>
+              <a:buFont typeface="Arial" panose="020B0604020202020204" pitchFamily="34" charset="0"/>
+              <a:buNone/>
+              <a:defRPr sz="1600" kern="1200">
+                <a:solidFill>
+                  <a:schemeClr val="tx1"/>
+                </a:solidFill>
+                <a:latin typeface="+mn-lt"/>
+                <a:ea typeface="+mn-ea"/>
+                <a:cs typeface="+mn-cs"/>
+              </a:defRPr>
+            </a:lvl7pPr>
+            <a:lvl8pPr marL="3200400" indent="0" algn="ctr" defTabSz="914400" rtl="0" eaLnBrk="1" latinLnBrk="0" hangingPunct="1">
+              <a:lnSpc>
+                <a:spcPct val="90000"/>
+              </a:lnSpc>
+              <a:spcBef>
+                <a:spcPts val="500"/>
+              </a:spcBef>
+              <a:buFont typeface="Arial" panose="020B0604020202020204" pitchFamily="34" charset="0"/>
+              <a:buNone/>
+              <a:defRPr sz="1600" kern="1200">
+                <a:solidFill>
+                  <a:schemeClr val="tx1"/>
+                </a:solidFill>
+                <a:latin typeface="+mn-lt"/>
+                <a:ea typeface="+mn-ea"/>
+                <a:cs typeface="+mn-cs"/>
+              </a:defRPr>
+            </a:lvl8pPr>
+            <a:lvl9pPr marL="3657600" indent="0" algn="ctr" defTabSz="914400" rtl="0" eaLnBrk="1" latinLnBrk="0" hangingPunct="1">
+              <a:lnSpc>
+                <a:spcPct val="90000"/>
+              </a:lnSpc>
+              <a:spcBef>
+                <a:spcPts val="500"/>
+              </a:spcBef>
+              <a:buFont typeface="Arial" panose="020B0604020202020204" pitchFamily="34" charset="0"/>
+              <a:buNone/>
+              <a:defRPr sz="1600" kern="1200">
+                <a:solidFill>
+                  <a:schemeClr val="tx1"/>
+                </a:solidFill>
+                <a:latin typeface="+mn-lt"/>
+                <a:ea typeface="+mn-ea"/>
+                <a:cs typeface="+mn-cs"/>
+              </a:defRPr>
+            </a:lvl9pPr>
+          </a:lstStyle>
+          <a:p>
+            <a:pPr algn="l"/>
+            <a:r>
+              <a:rPr lang="en-US" sz="1800" dirty="0"/>
+              <a:t>- String class has many type of constructors, but we only need to remember these 4 constructors:</a:t>
+            </a:r>
+          </a:p>
+          <a:p>
+            <a:pPr algn="l"/>
+            <a:r>
+              <a:rPr lang="en-US" sz="1800" dirty="0"/>
+              <a:t>+) String()</a:t>
+            </a:r>
+          </a:p>
+          <a:p>
+            <a:pPr algn="l"/>
+            <a:r>
+              <a:rPr lang="en-US" sz="1800" dirty="0"/>
+              <a:t>+) String(String str)</a:t>
+            </a:r>
+          </a:p>
+          <a:p>
+            <a:pPr algn="l"/>
+            <a:r>
+              <a:rPr lang="en-US" sz="1800" dirty="0"/>
+              <a:t>+) String(byte[] bytes)</a:t>
+            </a:r>
+          </a:p>
+          <a:p>
+            <a:pPr algn="l"/>
+            <a:r>
+              <a:rPr lang="en-US" sz="1800" dirty="0"/>
+              <a:t>+) String(char[] chars)</a:t>
+            </a:r>
+          </a:p>
+          <a:p>
+            <a:pPr algn="l"/>
+            <a:r>
+              <a:rPr lang="en-US" sz="1800" dirty="0"/>
+              <a:t>- Please note that although String is an ... of characters, but they can't be accessed using ... </a:t>
+            </a:r>
+          </a:p>
+          <a:p>
+            <a:pPr algn="l"/>
+            <a:r>
+              <a:rPr lang="en-US" sz="1800" dirty="0"/>
+              <a:t>- We can also create String by using ... </a:t>
+            </a:r>
+            <a:r>
+              <a:rPr lang="en-US" sz="800" dirty="0"/>
+              <a:t>&lt;which operator is used ?&gt;</a:t>
+            </a:r>
+          </a:p>
+          <a:p>
+            <a:pPr algn="l"/>
+            <a:r>
+              <a:rPr lang="en-US" sz="1800" dirty="0"/>
+              <a:t>(code illustration snippet 9 – 10 – 11)</a:t>
+            </a:r>
+          </a:p>
+          <a:p>
+            <a:pPr algn="l"/>
+            <a:r>
+              <a:rPr lang="en-US" sz="1800" dirty="0"/>
+              <a:t>- The method "toString()" is declared in ... class =&gt; all classes in Java ... this method, ideally, we should ... this method</a:t>
+            </a:r>
+          </a:p>
+          <a:p>
+            <a:pPr algn="l"/>
+            <a:r>
+              <a:rPr lang="en-US" sz="1800" dirty="0"/>
+              <a:t>(code illustration snippet 12) </a:t>
+            </a:r>
+            <a:r>
+              <a:rPr lang="en-US" sz="800" dirty="0"/>
+              <a:t>&lt;also comparing between overriding the method and not overriding it&gt;  </a:t>
+            </a:r>
+          </a:p>
+          <a:p>
+            <a:pPr algn="l"/>
+            <a:r>
+              <a:rPr lang="en-US" sz="1800" dirty="0"/>
+              <a:t>- On the other hand, the method print/println is the same as the ... operator (which means that ...) </a:t>
+            </a:r>
+          </a:p>
+          <a:p>
+            <a:pPr algn="l"/>
+            <a:r>
+              <a:rPr lang="en-US" sz="1800" dirty="0"/>
+              <a:t>- The "+=" operator is called ... (which is a combination of ... operator and ... operator)</a:t>
+            </a:r>
+          </a:p>
+          <a:p>
+            <a:pPr algn="l"/>
+            <a:r>
+              <a:rPr lang="en-US" sz="1800" dirty="0"/>
+              <a:t>- The String ... property will be triggered if one of the operand is .... </a:t>
+            </a:r>
+          </a:p>
+          <a:p>
+            <a:pPr algn="l"/>
+            <a:r>
+              <a:rPr lang="en-US" sz="1800" dirty="0"/>
+              <a:t>- If the left hand side of the operation is String =&gt; The right hand side must be ...</a:t>
+            </a:r>
+          </a:p>
+          <a:p>
+            <a:pPr algn="l"/>
+            <a:r>
+              <a:rPr lang="en-US" sz="1800" dirty="0"/>
+              <a:t>(code illustration snippet 13 – 14 – 15 – 16) </a:t>
+            </a:r>
+          </a:p>
+        </p:txBody>
+      </p:sp>
+    </p:spTree>
+    <p:extLst>
+      <p:ext uri="{BB962C8B-B14F-4D97-AF65-F5344CB8AC3E}">
+        <p14:creationId xmlns:p14="http://schemas.microsoft.com/office/powerpoint/2010/main" val="1711544890"/>
+      </p:ext>
+    </p:extLst>
+  </p:cSld>
+  <p:clrMapOvr>
+    <a:masterClrMapping/>
+  </p:clrMapOvr>
+  <p:timing>
+    <p:tnLst>
+      <p:par>
+        <p:cTn id="1" dur="indefinite" restart="never" nodeType="tmRoot">
+          <p:childTnLst>
+            <p:seq concurrent="1" nextAc="seek">
+              <p:cTn id="2" dur="indefinite" nodeType="mainSeq">
+                <p:childTnLst>
+                  <p:par>
+                    <p:cTn id="3" fill="hold">
+                      <p:stCondLst>
+                        <p:cond delay="indefinite"/>
+                      </p:stCondLst>
+                      <p:childTnLst>
+                        <p:par>
+                          <p:cTn id="4" fill="hold">
+                            <p:stCondLst>
+                              <p:cond delay="0"/>
+                            </p:stCondLst>
+                            <p:childTnLst>
+                              <p:par>
+                                <p:cTn id="5" presetID="1" presetClass="entr" presetSubtype="0" fill="hold" nodeType="clickEffect">
+                                  <p:stCondLst>
+                                    <p:cond delay="0"/>
+                                  </p:stCondLst>
+                                  <p:childTnLst>
+                                    <p:set>
+                                      <p:cBhvr>
+                                        <p:cTn id="6" dur="1" fill="hold">
+                                          <p:stCondLst>
+                                            <p:cond delay="0"/>
+                                          </p:stCondLst>
+                                        </p:cTn>
+                                        <p:tgtEl>
+                                          <p:spTgt spid="4">
+                                            <p:txEl>
+                                              <p:pRg st="0" end="0"/>
+                                            </p:txEl>
+                                          </p:spTgt>
+                                        </p:tgtEl>
+                                        <p:attrNameLst>
+                                          <p:attrName>style.visibility</p:attrName>
+                                        </p:attrNameLst>
+                                      </p:cBhvr>
+                                      <p:to>
+                                        <p:strVal val="visible"/>
+                                      </p:to>
+                                    </p:set>
+                                  </p:childTnLst>
+                                </p:cTn>
+                              </p:par>
+                            </p:childTnLst>
+                          </p:cTn>
+                        </p:par>
+                      </p:childTnLst>
+                    </p:cTn>
+                  </p:par>
+                  <p:par>
+                    <p:cTn id="7" fill="hold">
+                      <p:stCondLst>
+                        <p:cond delay="indefinite"/>
+                      </p:stCondLst>
+                      <p:childTnLst>
+                        <p:par>
+                          <p:cTn id="8" fill="hold">
+                            <p:stCondLst>
+                              <p:cond delay="0"/>
+                            </p:stCondLst>
+                            <p:childTnLst>
+                              <p:par>
+                                <p:cTn id="9" presetID="1" presetClass="entr" presetSubtype="0" fill="hold" nodeType="clickEffect">
+                                  <p:stCondLst>
+                                    <p:cond delay="0"/>
+                                  </p:stCondLst>
+                                  <p:childTnLst>
+                                    <p:set>
+                                      <p:cBhvr>
+                                        <p:cTn id="10" dur="1" fill="hold">
+                                          <p:stCondLst>
+                                            <p:cond delay="0"/>
+                                          </p:stCondLst>
+                                        </p:cTn>
+                                        <p:tgtEl>
+                                          <p:spTgt spid="4">
+                                            <p:txEl>
+                                              <p:pRg st="1" end="1"/>
+                                            </p:txEl>
+                                          </p:spTgt>
+                                        </p:tgtEl>
+                                        <p:attrNameLst>
+                                          <p:attrName>style.visibility</p:attrName>
+                                        </p:attrNameLst>
+                                      </p:cBhvr>
+                                      <p:to>
+                                        <p:strVal val="visible"/>
+                                      </p:to>
+                                    </p:set>
+                                  </p:childTnLst>
+                                </p:cTn>
+                              </p:par>
+                            </p:childTnLst>
+                          </p:cTn>
+                        </p:par>
+                      </p:childTnLst>
+                    </p:cTn>
+                  </p:par>
+                  <p:par>
+                    <p:cTn id="11" fill="hold">
+                      <p:stCondLst>
+                        <p:cond delay="indefinite"/>
+                      </p:stCondLst>
+                      <p:childTnLst>
+                        <p:par>
+                          <p:cTn id="12" fill="hold">
+                            <p:stCondLst>
+                              <p:cond delay="0"/>
+                            </p:stCondLst>
+                            <p:childTnLst>
+                              <p:par>
+                                <p:cTn id="13" presetID="1" presetClass="entr" presetSubtype="0" fill="hold" nodeType="clickEffect">
+                                  <p:stCondLst>
+                                    <p:cond delay="0"/>
+                                  </p:stCondLst>
+                                  <p:childTnLst>
+                                    <p:set>
+                                      <p:cBhvr>
+                                        <p:cTn id="14" dur="1" fill="hold">
+                                          <p:stCondLst>
+                                            <p:cond delay="0"/>
+                                          </p:stCondLst>
+                                        </p:cTn>
+                                        <p:tgtEl>
+                                          <p:spTgt spid="4">
+                                            <p:txEl>
+                                              <p:pRg st="2" end="2"/>
+                                            </p:txEl>
+                                          </p:spTgt>
+                                        </p:tgtEl>
+                                        <p:attrNameLst>
+                                          <p:attrName>style.visibility</p:attrName>
+                                        </p:attrNameLst>
+                                      </p:cBhvr>
+                                      <p:to>
+                                        <p:strVal val="visible"/>
+                                      </p:to>
+                                    </p:set>
+                                  </p:childTnLst>
+                                </p:cTn>
+                              </p:par>
+                            </p:childTnLst>
+                          </p:cTn>
+                        </p:par>
+                      </p:childTnLst>
+                    </p:cTn>
+                  </p:par>
+                  <p:par>
+                    <p:cTn id="15" fill="hold">
+                      <p:stCondLst>
+                        <p:cond delay="indefinite"/>
+                      </p:stCondLst>
+                      <p:childTnLst>
+                        <p:par>
+                          <p:cTn id="16" fill="hold">
+                            <p:stCondLst>
+                              <p:cond delay="0"/>
+                            </p:stCondLst>
+                            <p:childTnLst>
+                              <p:par>
+                                <p:cTn id="17" presetID="1" presetClass="entr" presetSubtype="0" fill="hold" nodeType="clickEffect">
+                                  <p:stCondLst>
+                                    <p:cond delay="0"/>
+                                  </p:stCondLst>
+                                  <p:childTnLst>
+                                    <p:set>
+                                      <p:cBhvr>
+                                        <p:cTn id="18" dur="1" fill="hold">
+                                          <p:stCondLst>
+                                            <p:cond delay="0"/>
+                                          </p:stCondLst>
+                                        </p:cTn>
+                                        <p:tgtEl>
+                                          <p:spTgt spid="4">
+                                            <p:txEl>
+                                              <p:pRg st="3" end="3"/>
+                                            </p:txEl>
+                                          </p:spTgt>
+                                        </p:tgtEl>
+                                        <p:attrNameLst>
+                                          <p:attrName>style.visibility</p:attrName>
+                                        </p:attrNameLst>
+                                      </p:cBhvr>
+                                      <p:to>
+                                        <p:strVal val="visible"/>
+                                      </p:to>
+                                    </p:set>
+                                  </p:childTnLst>
+                                </p:cTn>
+                              </p:par>
+                            </p:childTnLst>
+                          </p:cTn>
+                        </p:par>
+                      </p:childTnLst>
+                    </p:cTn>
+                  </p:par>
+                  <p:par>
+                    <p:cTn id="19" fill="hold">
+                      <p:stCondLst>
+                        <p:cond delay="indefinite"/>
+                      </p:stCondLst>
+                      <p:childTnLst>
+                        <p:par>
+                          <p:cTn id="20" fill="hold">
+                            <p:stCondLst>
+                              <p:cond delay="0"/>
+                            </p:stCondLst>
+                            <p:childTnLst>
+                              <p:par>
+                                <p:cTn id="21" presetID="1" presetClass="entr" presetSubtype="0" fill="hold" nodeType="clickEffect">
+                                  <p:stCondLst>
+                                    <p:cond delay="0"/>
+                                  </p:stCondLst>
+                                  <p:childTnLst>
+                                    <p:set>
+                                      <p:cBhvr>
+                                        <p:cTn id="22" dur="1" fill="hold">
+                                          <p:stCondLst>
+                                            <p:cond delay="0"/>
+                                          </p:stCondLst>
+                                        </p:cTn>
+                                        <p:tgtEl>
+                                          <p:spTgt spid="4">
+                                            <p:txEl>
+                                              <p:pRg st="4" end="4"/>
+                                            </p:txEl>
+                                          </p:spTgt>
+                                        </p:tgtEl>
+                                        <p:attrNameLst>
+                                          <p:attrName>style.visibility</p:attrName>
+                                        </p:attrNameLst>
+                                      </p:cBhvr>
+                                      <p:to>
+                                        <p:strVal val="visible"/>
+                                      </p:to>
+                                    </p:set>
+                                  </p:childTnLst>
+                                </p:cTn>
+                              </p:par>
+                            </p:childTnLst>
+                          </p:cTn>
+                        </p:par>
+                      </p:childTnLst>
+                    </p:cTn>
+                  </p:par>
+                  <p:par>
+                    <p:cTn id="23" fill="hold">
+                      <p:stCondLst>
+                        <p:cond delay="indefinite"/>
+                      </p:stCondLst>
+                      <p:childTnLst>
+                        <p:par>
+                          <p:cTn id="24" fill="hold">
+                            <p:stCondLst>
+                              <p:cond delay="0"/>
+                            </p:stCondLst>
+                            <p:childTnLst>
+                              <p:par>
+                                <p:cTn id="25" presetID="1" presetClass="entr" presetSubtype="0" fill="hold" nodeType="clickEffect">
+                                  <p:stCondLst>
+                                    <p:cond delay="0"/>
+                                  </p:stCondLst>
+                                  <p:childTnLst>
+                                    <p:set>
+                                      <p:cBhvr>
+                                        <p:cTn id="26" dur="1" fill="hold">
+                                          <p:stCondLst>
+                                            <p:cond delay="0"/>
+                                          </p:stCondLst>
+                                        </p:cTn>
+                                        <p:tgtEl>
+                                          <p:spTgt spid="4">
+                                            <p:txEl>
+                                              <p:pRg st="5" end="5"/>
+                                            </p:txEl>
+                                          </p:spTgt>
+                                        </p:tgtEl>
+                                        <p:attrNameLst>
+                                          <p:attrName>style.visibility</p:attrName>
+                                        </p:attrNameLst>
+                                      </p:cBhvr>
+                                      <p:to>
+                                        <p:strVal val="visible"/>
+                                      </p:to>
+                                    </p:set>
+                                  </p:childTnLst>
+                                </p:cTn>
+                              </p:par>
+                            </p:childTnLst>
+                          </p:cTn>
+                        </p:par>
+                      </p:childTnLst>
+                    </p:cTn>
+                  </p:par>
+                  <p:par>
+                    <p:cTn id="27" fill="hold">
+                      <p:stCondLst>
+                        <p:cond delay="indefinite"/>
+                      </p:stCondLst>
+                      <p:childTnLst>
+                        <p:par>
+                          <p:cTn id="28" fill="hold">
+                            <p:stCondLst>
+                              <p:cond delay="0"/>
+                            </p:stCondLst>
+                            <p:childTnLst>
+                              <p:par>
+                                <p:cTn id="29" presetID="1" presetClass="entr" presetSubtype="0" fill="hold" nodeType="clickEffect">
+                                  <p:stCondLst>
+                                    <p:cond delay="0"/>
+                                  </p:stCondLst>
+                                  <p:childTnLst>
+                                    <p:set>
+                                      <p:cBhvr>
+                                        <p:cTn id="30" dur="1" fill="hold">
+                                          <p:stCondLst>
+                                            <p:cond delay="0"/>
+                                          </p:stCondLst>
+                                        </p:cTn>
+                                        <p:tgtEl>
+                                          <p:spTgt spid="4">
+                                            <p:txEl>
+                                              <p:pRg st="6" end="6"/>
+                                            </p:txEl>
+                                          </p:spTgt>
+                                        </p:tgtEl>
+                                        <p:attrNameLst>
+                                          <p:attrName>style.visibility</p:attrName>
+                                        </p:attrNameLst>
+                                      </p:cBhvr>
+                                      <p:to>
+                                        <p:strVal val="visible"/>
+                                      </p:to>
+                                    </p:set>
+                                  </p:childTnLst>
+                                </p:cTn>
+                              </p:par>
+                            </p:childTnLst>
+                          </p:cTn>
+                        </p:par>
+                      </p:childTnLst>
+                    </p:cTn>
+                  </p:par>
+                  <p:par>
+                    <p:cTn id="31" fill="hold">
+                      <p:stCondLst>
+                        <p:cond delay="indefinite"/>
+                      </p:stCondLst>
+                      <p:childTnLst>
+                        <p:par>
+                          <p:cTn id="32" fill="hold">
+                            <p:stCondLst>
+                              <p:cond delay="0"/>
+                            </p:stCondLst>
+                            <p:childTnLst>
+                              <p:par>
+                                <p:cTn id="33" presetID="1" presetClass="entr" presetSubtype="0" fill="hold" nodeType="clickEffect">
+                                  <p:stCondLst>
+                                    <p:cond delay="0"/>
+                                  </p:stCondLst>
+                                  <p:childTnLst>
+                                    <p:set>
+                                      <p:cBhvr>
+                                        <p:cTn id="34" dur="1" fill="hold">
+                                          <p:stCondLst>
+                                            <p:cond delay="0"/>
+                                          </p:stCondLst>
+                                        </p:cTn>
+                                        <p:tgtEl>
+                                          <p:spTgt spid="4">
+                                            <p:txEl>
+                                              <p:pRg st="7" end="7"/>
+                                            </p:txEl>
+                                          </p:spTgt>
+                                        </p:tgtEl>
+                                        <p:attrNameLst>
+                                          <p:attrName>style.visibility</p:attrName>
+                                        </p:attrNameLst>
+                                      </p:cBhvr>
+                                      <p:to>
+                                        <p:strVal val="visible"/>
+                                      </p:to>
+                                    </p:set>
+                                  </p:childTnLst>
+                                </p:cTn>
+                              </p:par>
+                            </p:childTnLst>
+                          </p:cTn>
+                        </p:par>
+                      </p:childTnLst>
+                    </p:cTn>
+                  </p:par>
+                  <p:par>
+                    <p:cTn id="35" fill="hold">
+                      <p:stCondLst>
+                        <p:cond delay="indefinite"/>
+                      </p:stCondLst>
+                      <p:childTnLst>
+                        <p:par>
+                          <p:cTn id="36" fill="hold">
+                            <p:stCondLst>
+                              <p:cond delay="0"/>
+                            </p:stCondLst>
+                            <p:childTnLst>
+                              <p:par>
+                                <p:cTn id="37" presetID="1" presetClass="entr" presetSubtype="0" fill="hold" nodeType="clickEffect">
+                                  <p:stCondLst>
+                                    <p:cond delay="0"/>
+                                  </p:stCondLst>
+                                  <p:childTnLst>
+                                    <p:set>
+                                      <p:cBhvr>
+                                        <p:cTn id="38" dur="1" fill="hold">
+                                          <p:stCondLst>
+                                            <p:cond delay="0"/>
+                                          </p:stCondLst>
+                                        </p:cTn>
+                                        <p:tgtEl>
+                                          <p:spTgt spid="4">
+                                            <p:txEl>
+                                              <p:pRg st="8" end="8"/>
+                                            </p:txEl>
+                                          </p:spTgt>
+                                        </p:tgtEl>
+                                        <p:attrNameLst>
+                                          <p:attrName>style.visibility</p:attrName>
+                                        </p:attrNameLst>
+                                      </p:cBhvr>
+                                      <p:to>
+                                        <p:strVal val="visible"/>
+                                      </p:to>
+                                    </p:set>
+                                  </p:childTnLst>
+                                </p:cTn>
+                              </p:par>
+                            </p:childTnLst>
+                          </p:cTn>
+                        </p:par>
+                      </p:childTnLst>
+                    </p:cTn>
+                  </p:par>
+                  <p:par>
+                    <p:cTn id="39" fill="hold">
+                      <p:stCondLst>
+                        <p:cond delay="indefinite"/>
+                      </p:stCondLst>
+                      <p:childTnLst>
+                        <p:par>
+                          <p:cTn id="40" fill="hold">
+                            <p:stCondLst>
+                              <p:cond delay="0"/>
+                            </p:stCondLst>
+                            <p:childTnLst>
+                              <p:par>
+                                <p:cTn id="41" presetID="1" presetClass="entr" presetSubtype="0" fill="hold" nodeType="clickEffect">
+                                  <p:stCondLst>
+                                    <p:cond delay="0"/>
+                                  </p:stCondLst>
+                                  <p:childTnLst>
+                                    <p:set>
+                                      <p:cBhvr>
+                                        <p:cTn id="42" dur="1" fill="hold">
+                                          <p:stCondLst>
+                                            <p:cond delay="0"/>
+                                          </p:stCondLst>
+                                        </p:cTn>
+                                        <p:tgtEl>
+                                          <p:spTgt spid="4">
+                                            <p:txEl>
+                                              <p:pRg st="9" end="9"/>
+                                            </p:txEl>
+                                          </p:spTgt>
+                                        </p:tgtEl>
+                                        <p:attrNameLst>
+                                          <p:attrName>style.visibility</p:attrName>
+                                        </p:attrNameLst>
+                                      </p:cBhvr>
+                                      <p:to>
+                                        <p:strVal val="visible"/>
+                                      </p:to>
+                                    </p:set>
+                                  </p:childTnLst>
+                                </p:cTn>
+                              </p:par>
+                            </p:childTnLst>
+                          </p:cTn>
+                        </p:par>
+                      </p:childTnLst>
+                    </p:cTn>
+                  </p:par>
+                  <p:par>
+                    <p:cTn id="43" fill="hold">
+                      <p:stCondLst>
+                        <p:cond delay="indefinite"/>
+                      </p:stCondLst>
+                      <p:childTnLst>
+                        <p:par>
+                          <p:cTn id="44" fill="hold">
+                            <p:stCondLst>
+                              <p:cond delay="0"/>
+                            </p:stCondLst>
+                            <p:childTnLst>
+                              <p:par>
+                                <p:cTn id="45" presetID="1" presetClass="entr" presetSubtype="0" fill="hold" nodeType="clickEffect">
+                                  <p:stCondLst>
+                                    <p:cond delay="0"/>
+                                  </p:stCondLst>
+                                  <p:childTnLst>
+                                    <p:set>
+                                      <p:cBhvr>
+                                        <p:cTn id="46" dur="1" fill="hold">
+                                          <p:stCondLst>
+                                            <p:cond delay="0"/>
+                                          </p:stCondLst>
+                                        </p:cTn>
+                                        <p:tgtEl>
+                                          <p:spTgt spid="4">
+                                            <p:txEl>
+                                              <p:pRg st="10" end="10"/>
+                                            </p:txEl>
+                                          </p:spTgt>
+                                        </p:tgtEl>
+                                        <p:attrNameLst>
+                                          <p:attrName>style.visibility</p:attrName>
+                                        </p:attrNameLst>
+                                      </p:cBhvr>
+                                      <p:to>
+                                        <p:strVal val="visible"/>
+                                      </p:to>
+                                    </p:set>
+                                  </p:childTnLst>
+                                </p:cTn>
+                              </p:par>
+                            </p:childTnLst>
+                          </p:cTn>
+                        </p:par>
+                      </p:childTnLst>
+                    </p:cTn>
+                  </p:par>
+                  <p:par>
+                    <p:cTn id="47" fill="hold">
+                      <p:stCondLst>
+                        <p:cond delay="indefinite"/>
+                      </p:stCondLst>
+                      <p:childTnLst>
+                        <p:par>
+                          <p:cTn id="48" fill="hold">
+                            <p:stCondLst>
+                              <p:cond delay="0"/>
+                            </p:stCondLst>
+                            <p:childTnLst>
+                              <p:par>
+                                <p:cTn id="49" presetID="1" presetClass="entr" presetSubtype="0" fill="hold" nodeType="clickEffect">
+                                  <p:stCondLst>
+                                    <p:cond delay="0"/>
+                                  </p:stCondLst>
+                                  <p:childTnLst>
+                                    <p:set>
+                                      <p:cBhvr>
+                                        <p:cTn id="50" dur="1" fill="hold">
+                                          <p:stCondLst>
+                                            <p:cond delay="0"/>
+                                          </p:stCondLst>
+                                        </p:cTn>
+                                        <p:tgtEl>
+                                          <p:spTgt spid="4">
+                                            <p:txEl>
+                                              <p:pRg st="11" end="11"/>
+                                            </p:txEl>
+                                          </p:spTgt>
+                                        </p:tgtEl>
+                                        <p:attrNameLst>
+                                          <p:attrName>style.visibility</p:attrName>
+                                        </p:attrNameLst>
+                                      </p:cBhvr>
+                                      <p:to>
+                                        <p:strVal val="visible"/>
+                                      </p:to>
+                                    </p:set>
+                                  </p:childTnLst>
+                                </p:cTn>
+                              </p:par>
+                            </p:childTnLst>
+                          </p:cTn>
+                        </p:par>
+                      </p:childTnLst>
+                    </p:cTn>
+                  </p:par>
+                  <p:par>
+                    <p:cTn id="51" fill="hold">
+                      <p:stCondLst>
+                        <p:cond delay="indefinite"/>
+                      </p:stCondLst>
+                      <p:childTnLst>
+                        <p:par>
+                          <p:cTn id="52" fill="hold">
+                            <p:stCondLst>
+                              <p:cond delay="0"/>
+                            </p:stCondLst>
+                            <p:childTnLst>
+                              <p:par>
+                                <p:cTn id="53" presetID="1" presetClass="entr" presetSubtype="0" fill="hold" nodeType="clickEffect">
+                                  <p:stCondLst>
+                                    <p:cond delay="0"/>
+                                  </p:stCondLst>
+                                  <p:childTnLst>
+                                    <p:set>
+                                      <p:cBhvr>
+                                        <p:cTn id="54" dur="1" fill="hold">
+                                          <p:stCondLst>
+                                            <p:cond delay="0"/>
+                                          </p:stCondLst>
+                                        </p:cTn>
+                                        <p:tgtEl>
+                                          <p:spTgt spid="4">
+                                            <p:txEl>
+                                              <p:pRg st="12" end="12"/>
+                                            </p:txEl>
+                                          </p:spTgt>
+                                        </p:tgtEl>
+                                        <p:attrNameLst>
+                                          <p:attrName>style.visibility</p:attrName>
+                                        </p:attrNameLst>
+                                      </p:cBhvr>
+                                      <p:to>
+                                        <p:strVal val="visible"/>
+                                      </p:to>
+                                    </p:set>
+                                  </p:childTnLst>
+                                </p:cTn>
+                              </p:par>
+                            </p:childTnLst>
+                          </p:cTn>
+                        </p:par>
+                      </p:childTnLst>
+                    </p:cTn>
+                  </p:par>
+                  <p:par>
+                    <p:cTn id="55" fill="hold">
+                      <p:stCondLst>
+                        <p:cond delay="indefinite"/>
+                      </p:stCondLst>
+                      <p:childTnLst>
+                        <p:par>
+                          <p:cTn id="56" fill="hold">
+                            <p:stCondLst>
+                              <p:cond delay="0"/>
+                            </p:stCondLst>
+                            <p:childTnLst>
+                              <p:par>
+                                <p:cTn id="57" presetID="1" presetClass="entr" presetSubtype="0" fill="hold" nodeType="clickEffect">
+                                  <p:stCondLst>
+                                    <p:cond delay="0"/>
+                                  </p:stCondLst>
+                                  <p:childTnLst>
+                                    <p:set>
+                                      <p:cBhvr>
+                                        <p:cTn id="58" dur="1" fill="hold">
+                                          <p:stCondLst>
+                                            <p:cond delay="0"/>
+                                          </p:stCondLst>
+                                        </p:cTn>
+                                        <p:tgtEl>
+                                          <p:spTgt spid="4">
+                                            <p:txEl>
+                                              <p:pRg st="13" end="13"/>
+                                            </p:txEl>
+                                          </p:spTgt>
+                                        </p:tgtEl>
+                                        <p:attrNameLst>
+                                          <p:attrName>style.visibility</p:attrName>
+                                        </p:attrNameLst>
+                                      </p:cBhvr>
+                                      <p:to>
+                                        <p:strVal val="visible"/>
+                                      </p:to>
+                                    </p:set>
+                                  </p:childTnLst>
+                                </p:cTn>
+                              </p:par>
+                            </p:childTnLst>
+                          </p:cTn>
+                        </p:par>
+                      </p:childTnLst>
+                    </p:cTn>
+                  </p:par>
+                  <p:par>
+                    <p:cTn id="59" fill="hold">
+                      <p:stCondLst>
+                        <p:cond delay="indefinite"/>
+                      </p:stCondLst>
+                      <p:childTnLst>
+                        <p:par>
+                          <p:cTn id="60" fill="hold">
+                            <p:stCondLst>
+                              <p:cond delay="0"/>
+                            </p:stCondLst>
+                            <p:childTnLst>
+                              <p:par>
+                                <p:cTn id="61" presetID="1" presetClass="entr" presetSubtype="0" fill="hold" nodeType="clickEffect">
+                                  <p:stCondLst>
+                                    <p:cond delay="0"/>
+                                  </p:stCondLst>
+                                  <p:childTnLst>
+                                    <p:set>
+                                      <p:cBhvr>
+                                        <p:cTn id="62" dur="1" fill="hold">
+                                          <p:stCondLst>
+                                            <p:cond delay="0"/>
+                                          </p:stCondLst>
+                                        </p:cTn>
+                                        <p:tgtEl>
+                                          <p:spTgt spid="4">
+                                            <p:txEl>
+                                              <p:pRg st="14" end="14"/>
+                                            </p:txEl>
+                                          </p:spTgt>
+                                        </p:tgtEl>
+                                        <p:attrNameLst>
+                                          <p:attrName>style.visibility</p:attrName>
+                                        </p:attrNameLst>
+                                      </p:cBhvr>
+                                      <p:to>
+                                        <p:strVal val="visible"/>
+                                      </p:to>
+                                    </p:set>
+                                  </p:childTnLst>
+                                </p:cTn>
+                              </p:par>
+                            </p:childTnLst>
+                          </p:cTn>
+                        </p:par>
+                      </p:childTnLst>
+                    </p:cTn>
+                  </p:par>
+                </p:childTnLst>
+              </p:cTn>
+              <p:prevCondLst>
+                <p:cond evt="onPrev" delay="0">
+                  <p:tgtEl>
+                    <p:sldTgt/>
+                  </p:tgtEl>
+                </p:cond>
+              </p:prevCondLst>
+              <p:nextCondLst>
+                <p:cond evt="onNext" delay="0">
+                  <p:tgtEl>
+                    <p:sldTgt/>
+                  </p:tgtEl>
+                </p:cond>
+              </p:nextCondLst>
+            </p:seq>
+          </p:childTnLst>
+        </p:cTn>
+      </p:par>
+    </p:tnLst>
+  </p:timing>
+</p:sld>
+</file>
+
+<file path=ppt/slides/slide8.xml><?xml version="1.0" encoding="utf-8"?>
+<p:sld xmlns:a="http://schemas.openxmlformats.org/drawingml/2006/main" xmlns:r="http://schemas.openxmlformats.org/officeDocument/2006/relationships" xmlns:p="http://schemas.openxmlformats.org/presentationml/2006/main">
+  <p:cSld>
+    <p:spTree>
+      <p:nvGrpSpPr>
+        <p:cNvPr id="1" name="">
+          <a:extLst>
+            <a:ext uri="{FF2B5EF4-FFF2-40B4-BE49-F238E27FC236}">
+              <a16:creationId xmlns:a16="http://schemas.microsoft.com/office/drawing/2014/main" id="{EE5CEC8D-8200-48E8-62FE-7F4297086A55}"/>
+            </a:ext>
+          </a:extLst>
+        </p:cNvPr>
+        <p:cNvGrpSpPr/>
+        <p:nvPr/>
+      </p:nvGrpSpPr>
+      <p:grpSpPr>
+        <a:xfrm>
+          <a:off x="0" y="0"/>
+          <a:ext cx="0" cy="0"/>
+          <a:chOff x="0" y="0"/>
+          <a:chExt cx="0" cy="0"/>
+        </a:xfrm>
+      </p:grpSpPr>
+      <p:sp>
+        <p:nvSpPr>
+          <p:cNvPr id="3" name="Subtitle 2">
+            <a:extLst>
+              <a:ext uri="{FF2B5EF4-FFF2-40B4-BE49-F238E27FC236}">
+                <a16:creationId xmlns:a16="http://schemas.microsoft.com/office/drawing/2014/main" id="{D4BCD1F2-A02B-6EE3-32DE-5C474E854DAF}"/>
+              </a:ext>
+            </a:extLst>
+          </p:cNvPr>
+          <p:cNvSpPr>
+            <a:spLocks noGrp="1"/>
+          </p:cNvSpPr>
+          <p:nvPr>
+            <p:ph type="subTitle" idx="1"/>
+          </p:nvPr>
+        </p:nvSpPr>
+        <p:spPr>
+          <a:xfrm>
+            <a:off x="97970" y="293688"/>
+            <a:ext cx="9436448" cy="303212"/>
+          </a:xfrm>
+        </p:spPr>
+        <p:txBody>
+          <a:bodyPr>
+            <a:normAutofit fontScale="92500" lnSpcReduction="20000"/>
+          </a:bodyPr>
+          <a:lstStyle/>
+          <a:p>
+            <a:r>
+              <a:rPr lang="en-US" sz="1800" b="1" dirty="0"/>
+              <a:t>13.1 Creating ande manipulating Strings </a:t>
+            </a:r>
+            <a:r>
+              <a:rPr lang="en-US" sz="1800" dirty="0"/>
+              <a:t>– 13.1.2 Creating Strings</a:t>
+            </a:r>
+            <a:endParaRPr lang="en-US" sz="1800" b="1" dirty="0"/>
+          </a:p>
+        </p:txBody>
+      </p:sp>
+      <p:sp>
+        <p:nvSpPr>
+          <p:cNvPr id="4" name="Subtitle 2">
+            <a:extLst>
+              <a:ext uri="{FF2B5EF4-FFF2-40B4-BE49-F238E27FC236}">
+                <a16:creationId xmlns:a16="http://schemas.microsoft.com/office/drawing/2014/main" id="{5AD4FAE5-44E2-1CEA-7D57-9AED9CF3F0A2}"/>
+              </a:ext>
+            </a:extLst>
+          </p:cNvPr>
+          <p:cNvSpPr txBox="1">
+            <a:spLocks/>
+          </p:cNvSpPr>
+          <p:nvPr/>
+        </p:nvSpPr>
+        <p:spPr>
+          <a:xfrm>
+            <a:off x="0" y="820738"/>
+            <a:ext cx="12192000" cy="6037262"/>
+          </a:xfrm>
+          <a:prstGeom prst="rect">
+            <a:avLst/>
+          </a:prstGeom>
+        </p:spPr>
+        <p:txBody>
+          <a:bodyPr vert="horz" lIns="91440" tIns="45720" rIns="91440" bIns="45720" rtlCol="0">
+            <a:normAutofit/>
+          </a:bodyPr>
+          <a:lstStyle>
+            <a:lvl1pPr marL="0" indent="0" algn="ctr" defTabSz="914400" rtl="0" eaLnBrk="1" latinLnBrk="0" hangingPunct="1">
+              <a:lnSpc>
+                <a:spcPct val="90000"/>
+              </a:lnSpc>
+              <a:spcBef>
+                <a:spcPts val="1000"/>
+              </a:spcBef>
+              <a:buFont typeface="Arial" panose="020B0604020202020204" pitchFamily="34" charset="0"/>
+              <a:buNone/>
+              <a:defRPr sz="2400" kern="1200">
+                <a:solidFill>
+                  <a:schemeClr val="tx1"/>
+                </a:solidFill>
+                <a:latin typeface="+mn-lt"/>
+                <a:ea typeface="+mn-ea"/>
+                <a:cs typeface="+mn-cs"/>
+              </a:defRPr>
+            </a:lvl1pPr>
+            <a:lvl2pPr marL="457200" indent="0" algn="ctr" defTabSz="914400" rtl="0" eaLnBrk="1" latinLnBrk="0" hangingPunct="1">
+              <a:lnSpc>
+                <a:spcPct val="90000"/>
+              </a:lnSpc>
+              <a:spcBef>
+                <a:spcPts val="500"/>
+              </a:spcBef>
+              <a:buFont typeface="Arial" panose="020B0604020202020204" pitchFamily="34" charset="0"/>
+              <a:buNone/>
+              <a:defRPr sz="2000" kern="1200">
+                <a:solidFill>
+                  <a:schemeClr val="tx1"/>
+                </a:solidFill>
+                <a:latin typeface="+mn-lt"/>
+                <a:ea typeface="+mn-ea"/>
+                <a:cs typeface="+mn-cs"/>
+              </a:defRPr>
+            </a:lvl2pPr>
+            <a:lvl3pPr marL="914400" indent="0" algn="ctr" defTabSz="914400" rtl="0" eaLnBrk="1" latinLnBrk="0" hangingPunct="1">
+              <a:lnSpc>
+                <a:spcPct val="90000"/>
+              </a:lnSpc>
+              <a:spcBef>
+                <a:spcPts val="500"/>
+              </a:spcBef>
+              <a:buFont typeface="Arial" panose="020B0604020202020204" pitchFamily="34" charset="0"/>
+              <a:buNone/>
+              <a:defRPr sz="1800" kern="1200">
+                <a:solidFill>
+                  <a:schemeClr val="tx1"/>
+                </a:solidFill>
+                <a:latin typeface="+mn-lt"/>
+                <a:ea typeface="+mn-ea"/>
+                <a:cs typeface="+mn-cs"/>
+              </a:defRPr>
+            </a:lvl3pPr>
+            <a:lvl4pPr marL="1371600" indent="0" algn="ctr" defTabSz="914400" rtl="0" eaLnBrk="1" latinLnBrk="0" hangingPunct="1">
+              <a:lnSpc>
+                <a:spcPct val="90000"/>
+              </a:lnSpc>
+              <a:spcBef>
+                <a:spcPts val="500"/>
+              </a:spcBef>
+              <a:buFont typeface="Arial" panose="020B0604020202020204" pitchFamily="34" charset="0"/>
+              <a:buNone/>
+              <a:defRPr sz="1600" kern="1200">
+                <a:solidFill>
+                  <a:schemeClr val="tx1"/>
+                </a:solidFill>
+                <a:latin typeface="+mn-lt"/>
+                <a:ea typeface="+mn-ea"/>
+                <a:cs typeface="+mn-cs"/>
+              </a:defRPr>
+            </a:lvl4pPr>
+            <a:lvl5pPr marL="1828800" indent="0" algn="ctr" defTabSz="914400" rtl="0" eaLnBrk="1" latinLnBrk="0" hangingPunct="1">
+              <a:lnSpc>
+                <a:spcPct val="90000"/>
+              </a:lnSpc>
+              <a:spcBef>
+                <a:spcPts val="500"/>
+              </a:spcBef>
+              <a:buFont typeface="Arial" panose="020B0604020202020204" pitchFamily="34" charset="0"/>
+              <a:buNone/>
+              <a:defRPr sz="1600" kern="1200">
+                <a:solidFill>
+                  <a:schemeClr val="tx1"/>
+                </a:solidFill>
+                <a:latin typeface="+mn-lt"/>
+                <a:ea typeface="+mn-ea"/>
+                <a:cs typeface="+mn-cs"/>
+              </a:defRPr>
+            </a:lvl5pPr>
+            <a:lvl6pPr marL="2286000" indent="0" algn="ctr" defTabSz="914400" rtl="0" eaLnBrk="1" latinLnBrk="0" hangingPunct="1">
+              <a:lnSpc>
+                <a:spcPct val="90000"/>
+              </a:lnSpc>
+              <a:spcBef>
+                <a:spcPts val="500"/>
+              </a:spcBef>
+              <a:buFont typeface="Arial" panose="020B0604020202020204" pitchFamily="34" charset="0"/>
+              <a:buNone/>
+              <a:defRPr sz="1600" kern="1200">
+                <a:solidFill>
+                  <a:schemeClr val="tx1"/>
+                </a:solidFill>
+                <a:latin typeface="+mn-lt"/>
+                <a:ea typeface="+mn-ea"/>
+                <a:cs typeface="+mn-cs"/>
+              </a:defRPr>
+            </a:lvl6pPr>
+            <a:lvl7pPr marL="2743200" indent="0" algn="ctr" defTabSz="914400" rtl="0" eaLnBrk="1" latinLnBrk="0" hangingPunct="1">
+              <a:lnSpc>
+                <a:spcPct val="90000"/>
+              </a:lnSpc>
+              <a:spcBef>
+                <a:spcPts val="500"/>
+              </a:spcBef>
+              <a:buFont typeface="Arial" panose="020B0604020202020204" pitchFamily="34" charset="0"/>
+              <a:buNone/>
+              <a:defRPr sz="1600" kern="1200">
+                <a:solidFill>
+                  <a:schemeClr val="tx1"/>
+                </a:solidFill>
+                <a:latin typeface="+mn-lt"/>
+                <a:ea typeface="+mn-ea"/>
+                <a:cs typeface="+mn-cs"/>
+              </a:defRPr>
+            </a:lvl7pPr>
+            <a:lvl8pPr marL="3200400" indent="0" algn="ctr" defTabSz="914400" rtl="0" eaLnBrk="1" latinLnBrk="0" hangingPunct="1">
+              <a:lnSpc>
+                <a:spcPct val="90000"/>
+              </a:lnSpc>
+              <a:spcBef>
+                <a:spcPts val="500"/>
+              </a:spcBef>
+              <a:buFont typeface="Arial" panose="020B0604020202020204" pitchFamily="34" charset="0"/>
+              <a:buNone/>
+              <a:defRPr sz="1600" kern="1200">
+                <a:solidFill>
+                  <a:schemeClr val="tx1"/>
+                </a:solidFill>
+                <a:latin typeface="+mn-lt"/>
+                <a:ea typeface="+mn-ea"/>
+                <a:cs typeface="+mn-cs"/>
+              </a:defRPr>
+            </a:lvl8pPr>
+            <a:lvl9pPr marL="3657600" indent="0" algn="ctr" defTabSz="914400" rtl="0" eaLnBrk="1" latinLnBrk="0" hangingPunct="1">
+              <a:lnSpc>
+                <a:spcPct val="90000"/>
+              </a:lnSpc>
+              <a:spcBef>
+                <a:spcPts val="500"/>
+              </a:spcBef>
+              <a:buFont typeface="Arial" panose="020B0604020202020204" pitchFamily="34" charset="0"/>
+              <a:buNone/>
+              <a:defRPr sz="1600" kern="1200">
+                <a:solidFill>
+                  <a:schemeClr val="tx1"/>
+                </a:solidFill>
+                <a:latin typeface="+mn-lt"/>
+                <a:ea typeface="+mn-ea"/>
+                <a:cs typeface="+mn-cs"/>
+              </a:defRPr>
+            </a:lvl9pPr>
+          </a:lstStyle>
+          <a:p>
+            <a:pPr algn="l"/>
+            <a:r>
+              <a:rPr lang="en-US" sz="1800" dirty="0"/>
+              <a:t>- Sometime we may need to store some special characters in String such as ... </a:t>
+            </a:r>
+          </a:p>
+          <a:p>
+            <a:pPr algn="l"/>
+            <a:r>
+              <a:rPr lang="en-US" sz="1800" dirty="0"/>
+              <a:t>- Since these character has special meaning with ..., if we try to add it explicitly (code illustration snippet 17), the code ...</a:t>
+            </a:r>
+          </a:p>
+          <a:p>
+            <a:pPr algn="l"/>
+            <a:r>
+              <a:rPr lang="en-US" sz="1800" dirty="0"/>
+              <a:t>- To solve this, Java provide us with </a:t>
+            </a:r>
+            <a:r>
+              <a:rPr lang="en-US" sz="1800" b="1" dirty="0"/>
+              <a:t>escape character</a:t>
+            </a:r>
+            <a:endParaRPr lang="en-US" sz="1800" dirty="0"/>
+          </a:p>
+          <a:p>
+            <a:pPr algn="l"/>
+            <a:r>
+              <a:rPr lang="en-US" sz="1800" dirty="0"/>
+              <a:t>(note: </a:t>
+            </a:r>
+            <a:r>
+              <a:rPr lang="en-US" sz="1800" b="1" dirty="0"/>
+              <a:t>escape character </a:t>
+            </a:r>
+            <a:r>
+              <a:rPr lang="en-US" sz="1800" dirty="0"/>
+              <a:t>counted as ... character, not ... characters) </a:t>
+            </a:r>
+          </a:p>
+        </p:txBody>
+      </p:sp>
+    </p:spTree>
+    <p:extLst>
+      <p:ext uri="{BB962C8B-B14F-4D97-AF65-F5344CB8AC3E}">
+        <p14:creationId xmlns:p14="http://schemas.microsoft.com/office/powerpoint/2010/main" val="693696298"/>
+      </p:ext>
+    </p:extLst>
+  </p:cSld>
+  <p:clrMapOvr>
+    <a:masterClrMapping/>
+  </p:clrMapOvr>
+  <p:timing>
+    <p:tnLst>
+      <p:par>
+        <p:cTn id="1" dur="indefinite" restart="never" nodeType="tmRoot">
+          <p:childTnLst>
+            <p:seq concurrent="1" nextAc="seek">
+              <p:cTn id="2" dur="indefinite" nodeType="mainSeq">
+                <p:childTnLst>
+                  <p:par>
+                    <p:cTn id="3" fill="hold">
+                      <p:stCondLst>
+                        <p:cond delay="indefinite"/>
+                      </p:stCondLst>
+                      <p:childTnLst>
+                        <p:par>
+                          <p:cTn id="4" fill="hold">
+                            <p:stCondLst>
+                              <p:cond delay="0"/>
+                            </p:stCondLst>
+                            <p:childTnLst>
+                              <p:par>
+                                <p:cTn id="5" presetID="1" presetClass="entr" presetSubtype="0" fill="hold" nodeType="clickEffect">
+                                  <p:stCondLst>
+                                    <p:cond delay="0"/>
+                                  </p:stCondLst>
+                                  <p:childTnLst>
+                                    <p:set>
+                                      <p:cBhvr>
+                                        <p:cTn id="6" dur="1" fill="hold">
+                                          <p:stCondLst>
+                                            <p:cond delay="0"/>
+                                          </p:stCondLst>
+                                        </p:cTn>
+                                        <p:tgtEl>
+                                          <p:spTgt spid="4">
+                                            <p:txEl>
+                                              <p:pRg st="0" end="0"/>
+                                            </p:txEl>
+                                          </p:spTgt>
+                                        </p:tgtEl>
+                                        <p:attrNameLst>
+                                          <p:attrName>style.visibility</p:attrName>
+                                        </p:attrNameLst>
+                                      </p:cBhvr>
+                                      <p:to>
+                                        <p:strVal val="visible"/>
+                                      </p:to>
+                                    </p:set>
+                                  </p:childTnLst>
+                                </p:cTn>
+                              </p:par>
+                            </p:childTnLst>
+                          </p:cTn>
+                        </p:par>
+                      </p:childTnLst>
+                    </p:cTn>
+                  </p:par>
+                  <p:par>
+                    <p:cTn id="7" fill="hold">
+                      <p:stCondLst>
+                        <p:cond delay="indefinite"/>
+                      </p:stCondLst>
+                      <p:childTnLst>
+                        <p:par>
+                          <p:cTn id="8" fill="hold">
+                            <p:stCondLst>
+                              <p:cond delay="0"/>
+                            </p:stCondLst>
+                            <p:childTnLst>
+                              <p:par>
+                                <p:cTn id="9" presetID="1" presetClass="entr" presetSubtype="0" fill="hold" nodeType="clickEffect">
+                                  <p:stCondLst>
+                                    <p:cond delay="0"/>
+                                  </p:stCondLst>
+                                  <p:childTnLst>
+                                    <p:set>
+                                      <p:cBhvr>
+                                        <p:cTn id="10" dur="1" fill="hold">
+                                          <p:stCondLst>
+                                            <p:cond delay="0"/>
+                                          </p:stCondLst>
+                                        </p:cTn>
+                                        <p:tgtEl>
+                                          <p:spTgt spid="4">
+                                            <p:txEl>
+                                              <p:pRg st="1" end="1"/>
+                                            </p:txEl>
+                                          </p:spTgt>
+                                        </p:tgtEl>
+                                        <p:attrNameLst>
+                                          <p:attrName>style.visibility</p:attrName>
+                                        </p:attrNameLst>
+                                      </p:cBhvr>
+                                      <p:to>
+                                        <p:strVal val="visible"/>
+                                      </p:to>
+                                    </p:set>
+                                  </p:childTnLst>
+                                </p:cTn>
+                              </p:par>
+                            </p:childTnLst>
+                          </p:cTn>
+                        </p:par>
+                      </p:childTnLst>
+                    </p:cTn>
+                  </p:par>
+                  <p:par>
+                    <p:cTn id="11" fill="hold">
+                      <p:stCondLst>
+                        <p:cond delay="indefinite"/>
+                      </p:stCondLst>
+                      <p:childTnLst>
+                        <p:par>
+                          <p:cTn id="12" fill="hold">
+                            <p:stCondLst>
+                              <p:cond delay="0"/>
+                            </p:stCondLst>
+                            <p:childTnLst>
+                              <p:par>
+                                <p:cTn id="13" presetID="1" presetClass="entr" presetSubtype="0" fill="hold" nodeType="clickEffect">
+                                  <p:stCondLst>
+                                    <p:cond delay="0"/>
+                                  </p:stCondLst>
+                                  <p:childTnLst>
+                                    <p:set>
+                                      <p:cBhvr>
+                                        <p:cTn id="14" dur="1" fill="hold">
+                                          <p:stCondLst>
+                                            <p:cond delay="0"/>
+                                          </p:stCondLst>
+                                        </p:cTn>
+                                        <p:tgtEl>
+                                          <p:spTgt spid="4">
+                                            <p:txEl>
+                                              <p:pRg st="2" end="2"/>
+                                            </p:txEl>
+                                          </p:spTgt>
+                                        </p:tgtEl>
+                                        <p:attrNameLst>
+                                          <p:attrName>style.visibility</p:attrName>
+                                        </p:attrNameLst>
+                                      </p:cBhvr>
+                                      <p:to>
+                                        <p:strVal val="visible"/>
+                                      </p:to>
+                                    </p:set>
+                                  </p:childTnLst>
+                                </p:cTn>
+                              </p:par>
+                            </p:childTnLst>
+                          </p:cTn>
+                        </p:par>
+                      </p:childTnLst>
+                    </p:cTn>
+                  </p:par>
+                  <p:par>
+                    <p:cTn id="15" fill="hold">
+                      <p:stCondLst>
+                        <p:cond delay="indefinite"/>
+                      </p:stCondLst>
+                      <p:childTnLst>
+                        <p:par>
+                          <p:cTn id="16" fill="hold">
+                            <p:stCondLst>
+                              <p:cond delay="0"/>
+                            </p:stCondLst>
+                            <p:childTnLst>
+                              <p:par>
+                                <p:cTn id="17" presetID="1" presetClass="entr" presetSubtype="0" fill="hold" nodeType="clickEffect">
+                                  <p:stCondLst>
+                                    <p:cond delay="0"/>
+                                  </p:stCondLst>
+                                  <p:childTnLst>
+                                    <p:set>
+                                      <p:cBhvr>
+                                        <p:cTn id="18" dur="1" fill="hold">
+                                          <p:stCondLst>
+                                            <p:cond delay="0"/>
+                                          </p:stCondLst>
+                                        </p:cTn>
+                                        <p:tgtEl>
+                                          <p:spTgt spid="4">
+                                            <p:txEl>
+                                              <p:pRg st="3" end="3"/>
+                                            </p:txEl>
+                                          </p:spTgt>
+                                        </p:tgtEl>
+                                        <p:attrNameLst>
+                                          <p:attrName>style.visibility</p:attrName>
+                                        </p:attrNameLst>
+                                      </p:cBhvr>
+                                      <p:to>
+                                        <p:strVal val="visible"/>
+                                      </p:to>
+                                    </p:set>
+                                  </p:childTnLst>
+                                </p:cTn>
+                              </p:par>
+                            </p:childTnLst>
+                          </p:cTn>
+                        </p:par>
+                      </p:childTnLst>
+                    </p:cTn>
+                  </p:par>
+                </p:childTnLst>
+              </p:cTn>
+              <p:prevCondLst>
+                <p:cond evt="onPrev" delay="0">
+                  <p:tgtEl>
+                    <p:sldTgt/>
+                  </p:tgtEl>
+                </p:cond>
+              </p:prevCondLst>
+              <p:nextCondLst>
+                <p:cond evt="onNext" delay="0">
+                  <p:tgtEl>
+                    <p:sldTgt/>
+                  </p:tgtEl>
+                </p:cond>
+              </p:nextCondLst>
+            </p:seq>
+          </p:childTnLst>
+        </p:cTn>
+      </p:par>
+    </p:tnLst>
+  </p:timing>
+</p:sld>
+</file>
+
+<file path=ppt/slides/slide9.xml><?xml version="1.0" encoding="utf-8"?>
+<p:sld xmlns:a="http://schemas.openxmlformats.org/drawingml/2006/main" xmlns:r="http://schemas.openxmlformats.org/officeDocument/2006/relationships" xmlns:p="http://schemas.openxmlformats.org/presentationml/2006/main">
+  <p:cSld>
+    <p:spTree>
+      <p:nvGrpSpPr>
+        <p:cNvPr id="1" name="">
+          <a:extLst>
+            <a:ext uri="{FF2B5EF4-FFF2-40B4-BE49-F238E27FC236}">
+              <a16:creationId xmlns:a16="http://schemas.microsoft.com/office/drawing/2014/main" id="{A6CEB407-B2DE-B66F-9AFE-3B9E2157DE8E}"/>
+            </a:ext>
+          </a:extLst>
+        </p:cNvPr>
+        <p:cNvGrpSpPr/>
+        <p:nvPr/>
+      </p:nvGrpSpPr>
+      <p:grpSpPr>
+        <a:xfrm>
+          <a:off x="0" y="0"/>
+          <a:ext cx="0" cy="0"/>
+          <a:chOff x="0" y="0"/>
+          <a:chExt cx="0" cy="0"/>
+        </a:xfrm>
+      </p:grpSpPr>
+      <p:sp>
+        <p:nvSpPr>
+          <p:cNvPr id="3" name="Subtitle 2">
+            <a:extLst>
+              <a:ext uri="{FF2B5EF4-FFF2-40B4-BE49-F238E27FC236}">
+                <a16:creationId xmlns:a16="http://schemas.microsoft.com/office/drawing/2014/main" id="{6F51104C-C195-5C73-D2BC-BBFC56A95E03}"/>
+              </a:ext>
+            </a:extLst>
+          </p:cNvPr>
+          <p:cNvSpPr>
+            <a:spLocks noGrp="1"/>
+          </p:cNvSpPr>
+          <p:nvPr>
+            <p:ph type="subTitle" idx="1"/>
+          </p:nvPr>
+        </p:nvSpPr>
+        <p:spPr>
+          <a:xfrm>
+            <a:off x="97970" y="293688"/>
+            <a:ext cx="9436448" cy="303212"/>
+          </a:xfrm>
+        </p:spPr>
+        <p:txBody>
+          <a:bodyPr>
+            <a:normAutofit fontScale="92500" lnSpcReduction="20000"/>
+          </a:bodyPr>
+          <a:lstStyle/>
+          <a:p>
+            <a:r>
+              <a:rPr lang="en-US" sz="1800" b="1" dirty="0"/>
+              <a:t>13.1 Creating ande manipulating Strings </a:t>
+            </a:r>
+            <a:r>
+              <a:rPr lang="en-US" sz="1800" dirty="0"/>
+              <a:t>– 13.1.3 String interning</a:t>
+            </a:r>
+            <a:endParaRPr lang="en-US" sz="1800" b="1" dirty="0"/>
+          </a:p>
+        </p:txBody>
+      </p:sp>
+      <p:sp>
+        <p:nvSpPr>
+          <p:cNvPr id="4" name="Subtitle 2">
+            <a:extLst>
+              <a:ext uri="{FF2B5EF4-FFF2-40B4-BE49-F238E27FC236}">
+                <a16:creationId xmlns:a16="http://schemas.microsoft.com/office/drawing/2014/main" id="{9EE8F352-5099-8294-F558-B28D0E311C8C}"/>
+              </a:ext>
+            </a:extLst>
+          </p:cNvPr>
+          <p:cNvSpPr txBox="1">
+            <a:spLocks/>
+          </p:cNvSpPr>
+          <p:nvPr/>
+        </p:nvSpPr>
+        <p:spPr>
+          <a:xfrm>
+            <a:off x="0" y="820738"/>
+            <a:ext cx="12192000" cy="6037262"/>
+          </a:xfrm>
+          <a:prstGeom prst="rect">
+            <a:avLst/>
+          </a:prstGeom>
+        </p:spPr>
+        <p:txBody>
+          <a:bodyPr vert="horz" lIns="91440" tIns="45720" rIns="91440" bIns="45720" rtlCol="0">
+            <a:normAutofit/>
+          </a:bodyPr>
+          <a:lstStyle>
+            <a:lvl1pPr marL="0" indent="0" algn="ctr" defTabSz="914400" rtl="0" eaLnBrk="1" latinLnBrk="0" hangingPunct="1">
+              <a:lnSpc>
+                <a:spcPct val="90000"/>
+              </a:lnSpc>
+              <a:spcBef>
+                <a:spcPts val="1000"/>
+              </a:spcBef>
+              <a:buFont typeface="Arial" panose="020B0604020202020204" pitchFamily="34" charset="0"/>
+              <a:buNone/>
+              <a:defRPr sz="2400" kern="1200">
+                <a:solidFill>
+                  <a:schemeClr val="tx1"/>
+                </a:solidFill>
+                <a:latin typeface="+mn-lt"/>
+                <a:ea typeface="+mn-ea"/>
+                <a:cs typeface="+mn-cs"/>
+              </a:defRPr>
+            </a:lvl1pPr>
+            <a:lvl2pPr marL="457200" indent="0" algn="ctr" defTabSz="914400" rtl="0" eaLnBrk="1" latinLnBrk="0" hangingPunct="1">
+              <a:lnSpc>
+                <a:spcPct val="90000"/>
+              </a:lnSpc>
+              <a:spcBef>
+                <a:spcPts val="500"/>
+              </a:spcBef>
+              <a:buFont typeface="Arial" panose="020B0604020202020204" pitchFamily="34" charset="0"/>
+              <a:buNone/>
+              <a:defRPr sz="2000" kern="1200">
+                <a:solidFill>
+                  <a:schemeClr val="tx1"/>
+                </a:solidFill>
+                <a:latin typeface="+mn-lt"/>
+                <a:ea typeface="+mn-ea"/>
+                <a:cs typeface="+mn-cs"/>
+              </a:defRPr>
+            </a:lvl2pPr>
+            <a:lvl3pPr marL="914400" indent="0" algn="ctr" defTabSz="914400" rtl="0" eaLnBrk="1" latinLnBrk="0" hangingPunct="1">
+              <a:lnSpc>
+                <a:spcPct val="90000"/>
+              </a:lnSpc>
+              <a:spcBef>
+                <a:spcPts val="500"/>
+              </a:spcBef>
+              <a:buFont typeface="Arial" panose="020B0604020202020204" pitchFamily="34" charset="0"/>
+              <a:buNone/>
+              <a:defRPr sz="1800" kern="1200">
+                <a:solidFill>
+                  <a:schemeClr val="tx1"/>
+                </a:solidFill>
+                <a:latin typeface="+mn-lt"/>
+                <a:ea typeface="+mn-ea"/>
+                <a:cs typeface="+mn-cs"/>
+              </a:defRPr>
+            </a:lvl3pPr>
+            <a:lvl4pPr marL="1371600" indent="0" algn="ctr" defTabSz="914400" rtl="0" eaLnBrk="1" latinLnBrk="0" hangingPunct="1">
+              <a:lnSpc>
+                <a:spcPct val="90000"/>
+              </a:lnSpc>
+              <a:spcBef>
+                <a:spcPts val="500"/>
+              </a:spcBef>
+              <a:buFont typeface="Arial" panose="020B0604020202020204" pitchFamily="34" charset="0"/>
+              <a:buNone/>
+              <a:defRPr sz="1600" kern="1200">
+                <a:solidFill>
+                  <a:schemeClr val="tx1"/>
+                </a:solidFill>
+                <a:latin typeface="+mn-lt"/>
+                <a:ea typeface="+mn-ea"/>
+                <a:cs typeface="+mn-cs"/>
+              </a:defRPr>
+            </a:lvl4pPr>
+            <a:lvl5pPr marL="1828800" indent="0" algn="ctr" defTabSz="914400" rtl="0" eaLnBrk="1" latinLnBrk="0" hangingPunct="1">
+              <a:lnSpc>
+                <a:spcPct val="90000"/>
+              </a:lnSpc>
+              <a:spcBef>
+                <a:spcPts val="500"/>
+              </a:spcBef>
+              <a:buFont typeface="Arial" panose="020B0604020202020204" pitchFamily="34" charset="0"/>
+              <a:buNone/>
+              <a:defRPr sz="1600" kern="1200">
+                <a:solidFill>
+                  <a:schemeClr val="tx1"/>
+                </a:solidFill>
+                <a:latin typeface="+mn-lt"/>
+                <a:ea typeface="+mn-ea"/>
+                <a:cs typeface="+mn-cs"/>
+              </a:defRPr>
+            </a:lvl5pPr>
+            <a:lvl6pPr marL="2286000" indent="0" algn="ctr" defTabSz="914400" rtl="0" eaLnBrk="1" latinLnBrk="0" hangingPunct="1">
+              <a:lnSpc>
+                <a:spcPct val="90000"/>
+              </a:lnSpc>
+              <a:spcBef>
+                <a:spcPts val="500"/>
+              </a:spcBef>
+              <a:buFont typeface="Arial" panose="020B0604020202020204" pitchFamily="34" charset="0"/>
+              <a:buNone/>
+              <a:defRPr sz="1600" kern="1200">
+                <a:solidFill>
+                  <a:schemeClr val="tx1"/>
+                </a:solidFill>
+                <a:latin typeface="+mn-lt"/>
+                <a:ea typeface="+mn-ea"/>
+                <a:cs typeface="+mn-cs"/>
+              </a:defRPr>
+            </a:lvl6pPr>
+            <a:lvl7pPr marL="2743200" indent="0" algn="ctr" defTabSz="914400" rtl="0" eaLnBrk="1" latinLnBrk="0" hangingPunct="1">
+              <a:lnSpc>
+                <a:spcPct val="90000"/>
+              </a:lnSpc>
+              <a:spcBef>
+                <a:spcPts val="500"/>
+              </a:spcBef>
+              <a:buFont typeface="Arial" panose="020B0604020202020204" pitchFamily="34" charset="0"/>
+              <a:buNone/>
+              <a:defRPr sz="1600" kern="1200">
+                <a:solidFill>
+                  <a:schemeClr val="tx1"/>
+                </a:solidFill>
+                <a:latin typeface="+mn-lt"/>
+                <a:ea typeface="+mn-ea"/>
+                <a:cs typeface="+mn-cs"/>
+              </a:defRPr>
+            </a:lvl7pPr>
+            <a:lvl8pPr marL="3200400" indent="0" algn="ctr" defTabSz="914400" rtl="0" eaLnBrk="1" latinLnBrk="0" hangingPunct="1">
+              <a:lnSpc>
+                <a:spcPct val="90000"/>
+              </a:lnSpc>
+              <a:spcBef>
+                <a:spcPts val="500"/>
+              </a:spcBef>
+              <a:buFont typeface="Arial" panose="020B0604020202020204" pitchFamily="34" charset="0"/>
+              <a:buNone/>
+              <a:defRPr sz="1600" kern="1200">
+                <a:solidFill>
+                  <a:schemeClr val="tx1"/>
+                </a:solidFill>
+                <a:latin typeface="+mn-lt"/>
+                <a:ea typeface="+mn-ea"/>
+                <a:cs typeface="+mn-cs"/>
+              </a:defRPr>
+            </a:lvl8pPr>
+            <a:lvl9pPr marL="3657600" indent="0" algn="ctr" defTabSz="914400" rtl="0" eaLnBrk="1" latinLnBrk="0" hangingPunct="1">
+              <a:lnSpc>
+                <a:spcPct val="90000"/>
+              </a:lnSpc>
+              <a:spcBef>
+                <a:spcPts val="500"/>
+              </a:spcBef>
+              <a:buFont typeface="Arial" panose="020B0604020202020204" pitchFamily="34" charset="0"/>
+              <a:buNone/>
+              <a:defRPr sz="1600" kern="1200">
+                <a:solidFill>
+                  <a:schemeClr val="tx1"/>
+                </a:solidFill>
+                <a:latin typeface="+mn-lt"/>
+                <a:ea typeface="+mn-ea"/>
+                <a:cs typeface="+mn-cs"/>
+              </a:defRPr>
+            </a:lvl9pPr>
+          </a:lstStyle>
+          <a:p>
+            <a:pPr algn="l"/>
+            <a:r>
+              <a:rPr lang="en-US" sz="1800" dirty="0"/>
+              <a:t>- All objects created by Java will be stored in a section of memory called ...</a:t>
+            </a:r>
+          </a:p>
+          <a:p>
+            <a:pPr algn="l"/>
+            <a:r>
+              <a:rPr lang="en-US" sz="1800" dirty="0"/>
+              <a:t>- However, String that is considered as ... by ... will be stored in a special section of memory called ..., while other String is stored in ...</a:t>
+            </a:r>
+          </a:p>
+          <a:p>
+            <a:pPr algn="l"/>
+            <a:r>
+              <a:rPr lang="en-US" sz="1800" dirty="0"/>
+              <a:t>- The purpose of String pool, is to maintain a list of unique ... When we create a String using any methods that are related to ... =&gt; Java will... If yes =&gt; ? If no =&gt; ?  </a:t>
+            </a:r>
+          </a:p>
+          <a:p>
+            <a:pPr algn="l"/>
+            <a:r>
+              <a:rPr lang="en-US" sz="1800" dirty="0"/>
+              <a:t>(code illustration snippet 18) </a:t>
+            </a:r>
+          </a:p>
+          <a:p>
+            <a:pPr algn="l"/>
+            <a:endParaRPr lang="en-US" sz="1800" dirty="0"/>
+          </a:p>
+        </p:txBody>
+      </p:sp>
+    </p:spTree>
+    <p:extLst>
+      <p:ext uri="{BB962C8B-B14F-4D97-AF65-F5344CB8AC3E}">
+        <p14:creationId xmlns:p14="http://schemas.microsoft.com/office/powerpoint/2010/main" val="2864892845"/>
       </p:ext>
     </p:extLst>
   </p:cSld>
